--- a/corkaltnet_docker_20141118/corkaltnet_docker_20141118.pptx
+++ b/corkaltnet_docker_20141118/corkaltnet_docker_20141118.pptx
@@ -1460,7 +1460,7 @@
           <a:bodyPr lIns="0" rIns="0" tIns="0" bIns="0"/>
           <a:p>
             <a:pPr algn="r"/>
-            <a:fld id="{2B9C189E-9423-4EE8-AED2-29E50CD0840D}" type="slidenum">
+            <a:fld id="{0EE8C1C0-FF36-4105-AC3D-FDFCF28ACB93}" type="slidenum">
               <a:rPr lang="en-IE" sz="1400">
                 <a:latin typeface="Times New Roman"/>
               </a:rPr>
@@ -1530,7 +1530,7 @@
               <a:rPr lang="en-IE" sz="4400">
                 <a:latin typeface="Arial"/>
               </a:rPr>
-              <a:t>Who is this guy</a:t>
+              <a:t>Who am I</a:t>
             </a:r>
             <a:endParaRPr/>
           </a:p>
@@ -1560,6 +1560,2437 @@
                 <a:latin typeface="Arial"/>
               </a:rPr>
               <a:t>pmcgrath@gmail.com</a:t>
+            </a:r>
+            <a:endParaRPr/>
+          </a:p>
+        </p:txBody>
+      </p:sp>
+    </p:spTree>
+  </p:cSld>
+</p:sld>
+</file>
+
+<file path=ppt/slides/slide10.xml><?xml version="1.0" encoding="utf-8"?>
+<p:sld xmlns:a="http://schemas.openxmlformats.org/drawingml/2006/main" xmlns:p="http://schemas.openxmlformats.org/presentationml/2006/main" xmlns:r="http://schemas.openxmlformats.org/officeDocument/2006/relationships">
+  <p:cSld>
+    <p:spTree>
+      <p:nvGrpSpPr>
+        <p:cNvPr id="1" name=""/>
+        <p:cNvGrpSpPr/>
+        <p:nvPr/>
+      </p:nvGrpSpPr>
+      <p:grpSpPr>
+        <a:xfrm>
+          <a:off x="0" y="0"/>
+          <a:ext cx="0" cy="0"/>
+          <a:chOff x="0" y="0"/>
+          <a:chExt cx="0" cy="0"/>
+        </a:xfrm>
+      </p:grpSpPr>
+      <p:sp>
+        <p:nvSpPr>
+          <p:cNvPr id="57" name="TextShape 1"/>
+          <p:cNvSpPr txBox="1"/>
+          <p:nvPr/>
+        </p:nvSpPr>
+        <p:spPr>
+          <a:xfrm>
+            <a:off x="504000" y="301320"/>
+            <a:ext cx="9071640" cy="1262160"/>
+          </a:xfrm>
+          <a:prstGeom prst="rect">
+            <a:avLst/>
+          </a:prstGeom>
+        </p:spPr>
+        <p:txBody>
+          <a:bodyPr lIns="0" rIns="0" tIns="0" bIns="0" anchor="ctr"/>
+          <a:p>
+            <a:pPr algn="ctr"/>
+            <a:r>
+              <a:rPr lang="en-IE" sz="4400">
+                <a:latin typeface="Arial"/>
+              </a:rPr>
+              <a:t>Docker components</a:t>
+            </a:r>
+            <a:endParaRPr/>
+          </a:p>
+        </p:txBody>
+      </p:sp>
+      <p:sp>
+        <p:nvSpPr>
+          <p:cNvPr id="58" name="TextShape 2"/>
+          <p:cNvSpPr txBox="1"/>
+          <p:nvPr/>
+        </p:nvSpPr>
+        <p:spPr>
+          <a:xfrm>
+            <a:off x="504000" y="1769040"/>
+            <a:ext cx="9071640" cy="4384440"/>
+          </a:xfrm>
+          <a:prstGeom prst="rect">
+            <a:avLst/>
+          </a:prstGeom>
+        </p:spPr>
+        <p:txBody>
+          <a:bodyPr lIns="0" rIns="0" tIns="0" bIns="0"/>
+          <a:p>
+            <a:pPr>
+              <a:buSzPct val="45000"/>
+              <a:buFont typeface="StarSymbol"/>
+              <a:buChar char=""/>
+            </a:pPr>
+            <a:r>
+              <a:rPr lang="en-IE" sz="3200">
+                <a:latin typeface="Arial"/>
+              </a:rPr>
+              <a:t>Docker client</a:t>
+            </a:r>
+            <a:endParaRPr/>
+          </a:p>
+          <a:p>
+            <a:pPr>
+              <a:buSzPct val="45000"/>
+              <a:buFont typeface="StarSymbol"/>
+              <a:buChar char=""/>
+            </a:pPr>
+            <a:r>
+              <a:rPr lang="en-IE" sz="3200">
+                <a:latin typeface="Arial"/>
+              </a:rPr>
+              <a:t>Docker engine daemon</a:t>
+            </a:r>
+            <a:endParaRPr/>
+          </a:p>
+          <a:p>
+            <a:pPr>
+              <a:buSzPct val="45000"/>
+              <a:buFont typeface="StarSymbol"/>
+              <a:buChar char=""/>
+            </a:pPr>
+            <a:r>
+              <a:rPr lang="en-IE" sz="3200">
+                <a:latin typeface="Arial"/>
+              </a:rPr>
+              <a:t>Cache</a:t>
+            </a:r>
+            <a:endParaRPr/>
+          </a:p>
+          <a:p>
+            <a:pPr>
+              <a:buSzPct val="45000"/>
+              <a:buFont typeface="StarSymbol"/>
+              <a:buChar char=""/>
+            </a:pPr>
+            <a:r>
+              <a:rPr lang="en-IE" sz="3200">
+                <a:latin typeface="Arial"/>
+              </a:rPr>
+              <a:t>Repository</a:t>
+            </a:r>
+            <a:endParaRPr/>
+          </a:p>
+          <a:p>
+            <a:pPr>
+              <a:buSzPct val="45000"/>
+              <a:buFont typeface="StarSymbol"/>
+              <a:buChar char=""/>
+            </a:pPr>
+            <a:r>
+              <a:rPr lang="en-IE" sz="3200">
+                <a:latin typeface="Arial"/>
+              </a:rPr>
+              <a:t>Images</a:t>
+            </a:r>
+            <a:endParaRPr/>
+          </a:p>
+          <a:p>
+            <a:pPr>
+              <a:buSzPct val="45000"/>
+              <a:buFont typeface="StarSymbol"/>
+              <a:buChar char=""/>
+            </a:pPr>
+            <a:r>
+              <a:rPr lang="en-IE" sz="3200">
+                <a:latin typeface="Arial"/>
+              </a:rPr>
+              <a:t>Registry</a:t>
+            </a:r>
+            <a:endParaRPr/>
+          </a:p>
+        </p:txBody>
+      </p:sp>
+    </p:spTree>
+  </p:cSld>
+</p:sld>
+</file>
+
+<file path=ppt/slides/slide11.xml><?xml version="1.0" encoding="utf-8"?>
+<p:sld xmlns:a="http://schemas.openxmlformats.org/drawingml/2006/main" xmlns:p="http://schemas.openxmlformats.org/presentationml/2006/main" xmlns:r="http://schemas.openxmlformats.org/officeDocument/2006/relationships">
+  <p:cSld>
+    <p:spTree>
+      <p:nvGrpSpPr>
+        <p:cNvPr id="1" name=""/>
+        <p:cNvGrpSpPr/>
+        <p:nvPr/>
+      </p:nvGrpSpPr>
+      <p:grpSpPr>
+        <a:xfrm>
+          <a:off x="0" y="0"/>
+          <a:ext cx="0" cy="0"/>
+          <a:chOff x="0" y="0"/>
+          <a:chExt cx="0" cy="0"/>
+        </a:xfrm>
+      </p:grpSpPr>
+      <p:sp>
+        <p:nvSpPr>
+          <p:cNvPr id="59" name="TextShape 1"/>
+          <p:cNvSpPr txBox="1"/>
+          <p:nvPr/>
+        </p:nvSpPr>
+        <p:spPr>
+          <a:xfrm>
+            <a:off x="504000" y="301320"/>
+            <a:ext cx="9071640" cy="1262160"/>
+          </a:xfrm>
+          <a:prstGeom prst="rect">
+            <a:avLst/>
+          </a:prstGeom>
+        </p:spPr>
+        <p:txBody>
+          <a:bodyPr lIns="0" rIns="0" tIns="0" bIns="0" anchor="ctr"/>
+          <a:p>
+            <a:pPr algn="ctr"/>
+            <a:r>
+              <a:rPr lang="en-IE" sz="4400">
+                <a:latin typeface="Arial"/>
+              </a:rPr>
+              <a:t>Docker components</a:t>
+            </a:r>
+            <a:endParaRPr/>
+          </a:p>
+        </p:txBody>
+      </p:sp>
+      <p:pic>
+        <p:nvPicPr>
+          <p:cNvPr id="60" name="" descr=""/>
+          <p:cNvPicPr/>
+          <p:nvPr/>
+        </p:nvPicPr>
+        <p:blipFill>
+          <a:blip r:embed="rId1"/>
+          <a:stretch>
+            <a:fillRect/>
+          </a:stretch>
+        </p:blipFill>
+        <p:spPr>
+          <a:xfrm>
+            <a:off x="2377800" y="3240"/>
+            <a:ext cx="5344560" cy="7559640"/>
+          </a:xfrm>
+          <a:prstGeom prst="rect">
+            <a:avLst/>
+          </a:prstGeom>
+          <a:ln>
+            <a:noFill/>
+          </a:ln>
+        </p:spPr>
+      </p:pic>
+    </p:spTree>
+  </p:cSld>
+</p:sld>
+</file>
+
+<file path=ppt/slides/slide12.xml><?xml version="1.0" encoding="utf-8"?>
+<p:sld xmlns:a="http://schemas.openxmlformats.org/drawingml/2006/main" xmlns:p="http://schemas.openxmlformats.org/presentationml/2006/main" xmlns:r="http://schemas.openxmlformats.org/officeDocument/2006/relationships">
+  <p:cSld>
+    <p:spTree>
+      <p:nvGrpSpPr>
+        <p:cNvPr id="1" name=""/>
+        <p:cNvGrpSpPr/>
+        <p:nvPr/>
+      </p:nvGrpSpPr>
+      <p:grpSpPr>
+        <a:xfrm>
+          <a:off x="0" y="0"/>
+          <a:ext cx="0" cy="0"/>
+          <a:chOff x="0" y="0"/>
+          <a:chExt cx="0" cy="0"/>
+        </a:xfrm>
+      </p:grpSpPr>
+      <p:sp>
+        <p:nvSpPr>
+          <p:cNvPr id="61" name="TextShape 1"/>
+          <p:cNvSpPr txBox="1"/>
+          <p:nvPr/>
+        </p:nvSpPr>
+        <p:spPr>
+          <a:xfrm>
+            <a:off x="504000" y="301320"/>
+            <a:ext cx="9071640" cy="1262160"/>
+          </a:xfrm>
+          <a:prstGeom prst="rect">
+            <a:avLst/>
+          </a:prstGeom>
+        </p:spPr>
+        <p:txBody>
+          <a:bodyPr lIns="0" rIns="0" tIns="0" bIns="0" anchor="ctr"/>
+          <a:p>
+            <a:pPr algn="ctr"/>
+            <a:r>
+              <a:rPr lang="en-IE" sz="4400">
+                <a:latin typeface="Arial"/>
+              </a:rPr>
+              <a:t>Installation</a:t>
+            </a:r>
+            <a:endParaRPr/>
+          </a:p>
+        </p:txBody>
+      </p:sp>
+      <p:sp>
+        <p:nvSpPr>
+          <p:cNvPr id="62" name="TextShape 2"/>
+          <p:cNvSpPr txBox="1"/>
+          <p:nvPr/>
+        </p:nvSpPr>
+        <p:spPr>
+          <a:xfrm>
+            <a:off x="504000" y="1769040"/>
+            <a:ext cx="9071640" cy="4384440"/>
+          </a:xfrm>
+          <a:prstGeom prst="rect">
+            <a:avLst/>
+          </a:prstGeom>
+        </p:spPr>
+        <p:txBody>
+          <a:bodyPr lIns="0" rIns="0" tIns="0" bIns="0"/>
+          <a:p>
+            <a:pPr>
+              <a:buSzPct val="45000"/>
+              <a:buFont typeface="StarSymbol"/>
+              <a:buChar char=""/>
+            </a:pPr>
+            <a:r>
+              <a:rPr lang="en-IE" sz="3200">
+                <a:latin typeface="Arial"/>
+              </a:rPr>
+              <a:t>Boot2docker</a:t>
+            </a:r>
+            <a:endParaRPr/>
+          </a:p>
+          <a:p>
+            <a:pPr lvl="1">
+              <a:buSzPct val="75000"/>
+              <a:buFont typeface="StarSymbol"/>
+              <a:buChar char=""/>
+            </a:pPr>
+            <a:r>
+              <a:rPr lang="en-IE" sz="2800">
+                <a:latin typeface="Arial"/>
+              </a:rPr>
+              <a:t>Windows and OS XLinux</a:t>
+            </a:r>
+            <a:endParaRPr/>
+          </a:p>
+          <a:p>
+            <a:pPr>
+              <a:buSzPct val="45000"/>
+              <a:buFont typeface="StarSymbol"/>
+              <a:buChar char=""/>
+            </a:pPr>
+            <a:endParaRPr/>
+          </a:p>
+          <a:p>
+            <a:pPr>
+              <a:buSzPct val="45000"/>
+              <a:buFont typeface="StarSymbol"/>
+              <a:buChar char=""/>
+            </a:pPr>
+            <a:r>
+              <a:rPr lang="en-IE" sz="3200">
+                <a:latin typeface="Arial"/>
+              </a:rPr>
+              <a:t>Linux</a:t>
+            </a:r>
+            <a:endParaRPr/>
+          </a:p>
+          <a:p>
+            <a:pPr lvl="1">
+              <a:buSzPct val="75000"/>
+              <a:buFont typeface="StarSymbol"/>
+              <a:buChar char=""/>
+            </a:pPr>
+            <a:r>
+              <a:rPr lang="en-IE" sz="2800">
+                <a:latin typeface="Arial"/>
+              </a:rPr>
+              <a:t>Use docker package repository</a:t>
+            </a:r>
+            <a:endParaRPr/>
+          </a:p>
+          <a:p>
+            <a:pPr lvl="1">
+              <a:buSzPct val="75000"/>
+              <a:buFont typeface="StarSymbol"/>
+              <a:buChar char=""/>
+            </a:pPr>
+            <a:endParaRPr/>
+          </a:p>
+        </p:txBody>
+      </p:sp>
+    </p:spTree>
+  </p:cSld>
+</p:sld>
+</file>
+
+<file path=ppt/slides/slide13.xml><?xml version="1.0" encoding="utf-8"?>
+<p:sld xmlns:a="http://schemas.openxmlformats.org/drawingml/2006/main" xmlns:p="http://schemas.openxmlformats.org/presentationml/2006/main" xmlns:r="http://schemas.openxmlformats.org/officeDocument/2006/relationships">
+  <p:cSld>
+    <p:spTree>
+      <p:nvGrpSpPr>
+        <p:cNvPr id="1" name=""/>
+        <p:cNvGrpSpPr/>
+        <p:nvPr/>
+      </p:nvGrpSpPr>
+      <p:grpSpPr>
+        <a:xfrm>
+          <a:off x="0" y="0"/>
+          <a:ext cx="0" cy="0"/>
+          <a:chOff x="0" y="0"/>
+          <a:chExt cx="0" cy="0"/>
+        </a:xfrm>
+      </p:grpSpPr>
+      <p:sp>
+        <p:nvSpPr>
+          <p:cNvPr id="63" name="TextShape 1"/>
+          <p:cNvSpPr txBox="1"/>
+          <p:nvPr/>
+        </p:nvSpPr>
+        <p:spPr>
+          <a:xfrm>
+            <a:off x="504000" y="301320"/>
+            <a:ext cx="9071640" cy="1262160"/>
+          </a:xfrm>
+          <a:prstGeom prst="rect">
+            <a:avLst/>
+          </a:prstGeom>
+        </p:spPr>
+        <p:txBody>
+          <a:bodyPr lIns="0" rIns="0" tIns="0" bIns="0" anchor="ctr"/>
+          <a:p>
+            <a:pPr algn="ctr">
+              <a:buSzPct val="45000"/>
+              <a:buFont typeface="StarSymbol"/>
+              <a:buChar char=""/>
+            </a:pPr>
+            <a:r>
+              <a:rPr lang="en-IE" sz="4400">
+                <a:latin typeface="Arial"/>
+              </a:rPr>
+              <a:t>Demo1 – interactive bash</a:t>
+            </a:r>
+            <a:endParaRPr/>
+          </a:p>
+        </p:txBody>
+      </p:sp>
+      <p:sp>
+        <p:nvSpPr>
+          <p:cNvPr id="64" name="TextShape 2"/>
+          <p:cNvSpPr txBox="1"/>
+          <p:nvPr/>
+        </p:nvSpPr>
+        <p:spPr>
+          <a:xfrm>
+            <a:off x="504000" y="1769040"/>
+            <a:ext cx="9071640" cy="4384440"/>
+          </a:xfrm>
+          <a:prstGeom prst="rect">
+            <a:avLst/>
+          </a:prstGeom>
+        </p:spPr>
+        <p:txBody>
+          <a:bodyPr lIns="0" rIns="0" tIns="0" bIns="0"/>
+          <a:p>
+            <a:pPr>
+              <a:buSzPct val="45000"/>
+              <a:buFont typeface="StarSymbol"/>
+              <a:buChar char=""/>
+            </a:pPr>
+            <a:r>
+              <a:rPr lang="en-IE" sz="3200">
+                <a:latin typeface="Arial"/>
+              </a:rPr>
+              <a:t>docker –help</a:t>
+            </a:r>
+            <a:endParaRPr/>
+          </a:p>
+          <a:p>
+            <a:pPr>
+              <a:buSzPct val="45000"/>
+              <a:buFont typeface="StarSymbol"/>
+              <a:buChar char=""/>
+            </a:pPr>
+            <a:r>
+              <a:rPr lang="en-IE" sz="3200">
+                <a:latin typeface="Arial"/>
+              </a:rPr>
+              <a:t>docker run –help</a:t>
+            </a:r>
+            <a:endParaRPr/>
+          </a:p>
+          <a:p>
+            <a:pPr>
+              <a:buSzPct val="45000"/>
+              <a:buFont typeface="StarSymbol"/>
+              <a:buChar char=""/>
+            </a:pPr>
+            <a:endParaRPr/>
+          </a:p>
+          <a:p>
+            <a:pPr>
+              <a:buSzPct val="45000"/>
+              <a:buFont typeface="StarSymbol"/>
+              <a:buChar char=""/>
+            </a:pPr>
+            <a:r>
+              <a:rPr lang="en-IE" sz="3200">
+                <a:latin typeface="Arial"/>
+              </a:rPr>
+              <a:t>docker run -t -i ubuntu bash</a:t>
+            </a:r>
+            <a:endParaRPr/>
+          </a:p>
+          <a:p>
+            <a:pPr>
+              <a:buSzPct val="45000"/>
+              <a:buFont typeface="StarSymbol"/>
+              <a:buChar char=""/>
+            </a:pPr>
+            <a:r>
+              <a:rPr lang="en-IE" sz="3200">
+                <a:latin typeface="Arial"/>
+              </a:rPr>
+              <a:t>docker ps</a:t>
+            </a:r>
+            <a:endParaRPr/>
+          </a:p>
+          <a:p>
+            <a:pPr>
+              <a:buSzPct val="45000"/>
+              <a:buFont typeface="StarSymbol"/>
+              <a:buChar char=""/>
+            </a:pPr>
+            <a:r>
+              <a:rPr lang="en-IE" sz="3200">
+                <a:latin typeface="Arial"/>
+              </a:rPr>
+              <a:t>docker stop [cid]</a:t>
+            </a:r>
+            <a:endParaRPr/>
+          </a:p>
+          <a:p>
+            <a:pPr>
+              <a:buSzPct val="45000"/>
+              <a:buFont typeface="StarSymbol"/>
+              <a:buChar char=""/>
+            </a:pPr>
+            <a:r>
+              <a:rPr lang="en-IE" sz="3200">
+                <a:latin typeface="Arial"/>
+              </a:rPr>
+              <a:t>docker ps</a:t>
+            </a:r>
+            <a:endParaRPr/>
+          </a:p>
+          <a:p>
+            <a:pPr>
+              <a:buSzPct val="45000"/>
+              <a:buFont typeface="StarSymbol"/>
+              <a:buChar char=""/>
+            </a:pPr>
+            <a:r>
+              <a:rPr lang="en-IE" sz="3200">
+                <a:latin typeface="Arial"/>
+              </a:rPr>
+              <a:t>docker ps -a</a:t>
+            </a:r>
+            <a:endParaRPr/>
+          </a:p>
+          <a:p>
+            <a:pPr>
+              <a:buSzPct val="45000"/>
+              <a:buFont typeface="StarSymbol"/>
+              <a:buChar char=""/>
+            </a:pPr>
+            <a:r>
+              <a:rPr lang="en-IE" sz="3200">
+                <a:latin typeface="Arial"/>
+              </a:rPr>
+              <a:t>docker rm</a:t>
+            </a:r>
+            <a:endParaRPr/>
+          </a:p>
+          <a:p>
+            <a:pPr>
+              <a:buSzPct val="45000"/>
+              <a:buFont typeface="StarSymbol"/>
+              <a:buChar char=""/>
+            </a:pPr>
+            <a:r>
+              <a:rPr lang="en-IE" sz="3200">
+                <a:latin typeface="Arial"/>
+              </a:rPr>
+              <a:t>docker ps -a</a:t>
+            </a:r>
+            <a:endParaRPr/>
+          </a:p>
+          <a:p>
+            <a:pPr>
+              <a:buSzPct val="45000"/>
+              <a:buFont typeface="StarSymbol"/>
+              <a:buChar char=""/>
+            </a:pPr>
+            <a:endParaRPr/>
+          </a:p>
+        </p:txBody>
+      </p:sp>
+    </p:spTree>
+  </p:cSld>
+</p:sld>
+</file>
+
+<file path=ppt/slides/slide14.xml><?xml version="1.0" encoding="utf-8"?>
+<p:sld xmlns:a="http://schemas.openxmlformats.org/drawingml/2006/main" xmlns:p="http://schemas.openxmlformats.org/presentationml/2006/main" xmlns:r="http://schemas.openxmlformats.org/officeDocument/2006/relationships">
+  <p:cSld>
+    <p:spTree>
+      <p:nvGrpSpPr>
+        <p:cNvPr id="1" name=""/>
+        <p:cNvGrpSpPr/>
+        <p:nvPr/>
+      </p:nvGrpSpPr>
+      <p:grpSpPr>
+        <a:xfrm>
+          <a:off x="0" y="0"/>
+          <a:ext cx="0" cy="0"/>
+          <a:chOff x="0" y="0"/>
+          <a:chExt cx="0" cy="0"/>
+        </a:xfrm>
+      </p:grpSpPr>
+      <p:sp>
+        <p:nvSpPr>
+          <p:cNvPr id="65" name="TextShape 1"/>
+          <p:cNvSpPr txBox="1"/>
+          <p:nvPr/>
+        </p:nvSpPr>
+        <p:spPr>
+          <a:xfrm>
+            <a:off x="504000" y="301320"/>
+            <a:ext cx="9071640" cy="1262160"/>
+          </a:xfrm>
+          <a:prstGeom prst="rect">
+            <a:avLst/>
+          </a:prstGeom>
+        </p:spPr>
+        <p:txBody>
+          <a:bodyPr lIns="0" rIns="0" tIns="0" bIns="0" anchor="ctr"/>
+          <a:p>
+            <a:pPr algn="ctr"/>
+            <a:r>
+              <a:rPr lang="en-IE" sz="4400">
+                <a:latin typeface="Arial"/>
+              </a:rPr>
+              <a:t>Demo2 – mono app running on EC2</a:t>
+            </a:r>
+            <a:endParaRPr/>
+          </a:p>
+        </p:txBody>
+      </p:sp>
+      <p:sp>
+        <p:nvSpPr>
+          <p:cNvPr id="66" name="TextShape 2"/>
+          <p:cNvSpPr txBox="1"/>
+          <p:nvPr/>
+        </p:nvSpPr>
+        <p:spPr>
+          <a:xfrm>
+            <a:off x="504000" y="1769040"/>
+            <a:ext cx="9071640" cy="4384440"/>
+          </a:xfrm>
+          <a:prstGeom prst="rect">
+            <a:avLst/>
+          </a:prstGeom>
+        </p:spPr>
+        <p:txBody>
+          <a:bodyPr lIns="0" rIns="0" tIns="0" bIns="0"/>
+          <a:p>
+            <a:pPr>
+              <a:buSzPct val="45000"/>
+              <a:buFont typeface="StarSymbol"/>
+              <a:buChar char=""/>
+            </a:pPr>
+            <a:r>
+              <a:rPr lang="en-IE" sz="3200">
+                <a:latin typeface="Arial"/>
+              </a:rPr>
+              <a:t>.NET application</a:t>
+            </a:r>
+            <a:endParaRPr/>
+          </a:p>
+          <a:p>
+            <a:pPr>
+              <a:buSzPct val="45000"/>
+              <a:buFont typeface="StarSymbol"/>
+              <a:buChar char=""/>
+            </a:pPr>
+            <a:r>
+              <a:rPr lang="en-IE" sz="3200">
+                <a:latin typeface="Arial"/>
+              </a:rPr>
+              <a:t>Dockerfile </a:t>
+            </a:r>
+            <a:endParaRPr/>
+          </a:p>
+          <a:p>
+            <a:pPr>
+              <a:buSzPct val="45000"/>
+              <a:buFont typeface="StarSymbol"/>
+              <a:buChar char=""/>
+            </a:pPr>
+            <a:r>
+              <a:rPr lang="en-IE" sz="3200">
+                <a:latin typeface="Arial"/>
+              </a:rPr>
+              <a:t>Build a local image</a:t>
+            </a:r>
+            <a:endParaRPr/>
+          </a:p>
+          <a:p>
+            <a:pPr>
+              <a:buSzPct val="45000"/>
+              <a:buFont typeface="StarSymbol"/>
+              <a:buChar char=""/>
+            </a:pPr>
+            <a:r>
+              <a:rPr lang="en-IE" sz="3200">
+                <a:latin typeface="Arial"/>
+              </a:rPr>
+              <a:t>Run a local container instance</a:t>
+            </a:r>
+            <a:endParaRPr/>
+          </a:p>
+          <a:p>
+            <a:pPr>
+              <a:buSzPct val="45000"/>
+              <a:buFont typeface="StarSymbol"/>
+              <a:buChar char=""/>
+            </a:pPr>
+            <a:r>
+              <a:rPr lang="en-IE" sz="3200">
+                <a:latin typeface="Arial"/>
+              </a:rPr>
+              <a:t>Push image to dockerhub registry</a:t>
+            </a:r>
+            <a:endParaRPr/>
+          </a:p>
+          <a:p>
+            <a:pPr>
+              <a:buSzPct val="45000"/>
+              <a:buFont typeface="StarSymbol"/>
+              <a:buChar char=""/>
+            </a:pPr>
+            <a:r>
+              <a:rPr lang="en-IE" sz="3200">
+                <a:latin typeface="Arial"/>
+              </a:rPr>
+              <a:t>Run same image on EC2</a:t>
+            </a:r>
+            <a:endParaRPr/>
+          </a:p>
+        </p:txBody>
+      </p:sp>
+    </p:spTree>
+  </p:cSld>
+</p:sld>
+</file>
+
+<file path=ppt/slides/slide15.xml><?xml version="1.0" encoding="utf-8"?>
+<p:sld xmlns:a="http://schemas.openxmlformats.org/drawingml/2006/main" xmlns:p="http://schemas.openxmlformats.org/presentationml/2006/main" xmlns:r="http://schemas.openxmlformats.org/officeDocument/2006/relationships">
+  <p:cSld>
+    <p:spTree>
+      <p:nvGrpSpPr>
+        <p:cNvPr id="1" name=""/>
+        <p:cNvGrpSpPr/>
+        <p:nvPr/>
+      </p:nvGrpSpPr>
+      <p:grpSpPr>
+        <a:xfrm>
+          <a:off x="0" y="0"/>
+          <a:ext cx="0" cy="0"/>
+          <a:chOff x="0" y="0"/>
+          <a:chExt cx="0" cy="0"/>
+        </a:xfrm>
+      </p:grpSpPr>
+      <p:sp>
+        <p:nvSpPr>
+          <p:cNvPr id="67" name="TextShape 1"/>
+          <p:cNvSpPr txBox="1"/>
+          <p:nvPr/>
+        </p:nvSpPr>
+        <p:spPr>
+          <a:xfrm>
+            <a:off x="504000" y="301320"/>
+            <a:ext cx="9071640" cy="1262160"/>
+          </a:xfrm>
+          <a:prstGeom prst="rect">
+            <a:avLst/>
+          </a:prstGeom>
+        </p:spPr>
+        <p:txBody>
+          <a:bodyPr lIns="0" rIns="0" tIns="0" bIns="0" anchor="ctr"/>
+          <a:p>
+            <a:pPr algn="ctr"/>
+            <a:r>
+              <a:rPr lang="en-IE" sz="4400">
+                <a:latin typeface="Arial"/>
+              </a:rPr>
+              <a:t>.NET application</a:t>
+            </a:r>
+            <a:endParaRPr/>
+          </a:p>
+        </p:txBody>
+      </p:sp>
+      <p:sp>
+        <p:nvSpPr>
+          <p:cNvPr id="68" name="TextShape 2"/>
+          <p:cNvSpPr txBox="1"/>
+          <p:nvPr/>
+        </p:nvSpPr>
+        <p:spPr>
+          <a:xfrm>
+            <a:off x="504000" y="1769040"/>
+            <a:ext cx="9071640" cy="4384440"/>
+          </a:xfrm>
+          <a:prstGeom prst="rect">
+            <a:avLst/>
+          </a:prstGeom>
+        </p:spPr>
+        <p:txBody>
+          <a:bodyPr lIns="0" rIns="0" tIns="0" bIns="0"/>
+          <a:p>
+            <a:pPr>
+              <a:buSzPct val="45000"/>
+              <a:buFont typeface="StarSymbol"/>
+              <a:buChar char=""/>
+            </a:pPr>
+            <a:r>
+              <a:rPr lang="en-IE" sz="3200">
+                <a:latin typeface="Arial"/>
+              </a:rPr>
+              <a:t>Infinite loop</a:t>
+            </a:r>
+            <a:endParaRPr/>
+          </a:p>
+          <a:p>
+            <a:pPr>
+              <a:buSzPct val="45000"/>
+              <a:buFont typeface="StarSymbol"/>
+              <a:buChar char=""/>
+            </a:pPr>
+            <a:r>
+              <a:rPr lang="en-IE" sz="3200">
+                <a:latin typeface="Arial"/>
+              </a:rPr>
+              <a:t>Writes environment information to stdout</a:t>
+            </a:r>
+            <a:endParaRPr/>
+          </a:p>
+        </p:txBody>
+      </p:sp>
+    </p:spTree>
+  </p:cSld>
+</p:sld>
+</file>
+
+<file path=ppt/slides/slide16.xml><?xml version="1.0" encoding="utf-8"?>
+<p:sld xmlns:a="http://schemas.openxmlformats.org/drawingml/2006/main" xmlns:p="http://schemas.openxmlformats.org/presentationml/2006/main" xmlns:r="http://schemas.openxmlformats.org/officeDocument/2006/relationships">
+  <p:cSld>
+    <p:spTree>
+      <p:nvGrpSpPr>
+        <p:cNvPr id="1" name=""/>
+        <p:cNvGrpSpPr/>
+        <p:nvPr/>
+      </p:nvGrpSpPr>
+      <p:grpSpPr>
+        <a:xfrm>
+          <a:off x="0" y="0"/>
+          <a:ext cx="0" cy="0"/>
+          <a:chOff x="0" y="0"/>
+          <a:chExt cx="0" cy="0"/>
+        </a:xfrm>
+      </p:grpSpPr>
+      <p:sp>
+        <p:nvSpPr>
+          <p:cNvPr id="69" name="TextShape 1"/>
+          <p:cNvSpPr txBox="1"/>
+          <p:nvPr/>
+        </p:nvSpPr>
+        <p:spPr>
+          <a:xfrm>
+            <a:off x="504000" y="301320"/>
+            <a:ext cx="9071640" cy="1262160"/>
+          </a:xfrm>
+          <a:prstGeom prst="rect">
+            <a:avLst/>
+          </a:prstGeom>
+        </p:spPr>
+        <p:txBody>
+          <a:bodyPr lIns="0" rIns="0" tIns="0" bIns="0" anchor="ctr"/>
+          <a:p>
+            <a:pPr algn="ctr"/>
+            <a:r>
+              <a:rPr lang="en-IE" sz="4400">
+                <a:latin typeface="Arial"/>
+              </a:rPr>
+              <a:t>Dockerfile</a:t>
+            </a:r>
+            <a:endParaRPr/>
+          </a:p>
+        </p:txBody>
+      </p:sp>
+      <p:sp>
+        <p:nvSpPr>
+          <p:cNvPr id="70" name="TextShape 2"/>
+          <p:cNvSpPr txBox="1"/>
+          <p:nvPr/>
+        </p:nvSpPr>
+        <p:spPr>
+          <a:xfrm>
+            <a:off x="504000" y="1769040"/>
+            <a:ext cx="9071640" cy="4384440"/>
+          </a:xfrm>
+          <a:prstGeom prst="rect">
+            <a:avLst/>
+          </a:prstGeom>
+        </p:spPr>
+        <p:txBody>
+          <a:bodyPr lIns="0" rIns="0" tIns="0" bIns="0"/>
+          <a:p>
+            <a:pPr>
+              <a:buSzPct val="45000"/>
+              <a:buFont typeface="StarSymbol"/>
+              <a:buChar char=""/>
+            </a:pPr>
+            <a:r>
+              <a:rPr lang="en-IE" sz="3200">
+                <a:latin typeface="Arial"/>
+              </a:rPr>
+              <a:t>FROM mono:3.10</a:t>
+            </a:r>
+            <a:endParaRPr/>
+          </a:p>
+          <a:p>
+            <a:pPr>
+              <a:buSzPct val="45000"/>
+              <a:buFont typeface="StarSymbol"/>
+              <a:buChar char=""/>
+            </a:pPr>
+            <a:r>
+              <a:rPr lang="en-IE" sz="3200">
+                <a:latin typeface="Arial"/>
+              </a:rPr>
+              <a:t>ADD app.cs /app/</a:t>
+            </a:r>
+            <a:endParaRPr/>
+          </a:p>
+          <a:p>
+            <a:pPr>
+              <a:buSzPct val="45000"/>
+              <a:buFont typeface="StarSymbol"/>
+              <a:buChar char=""/>
+            </a:pPr>
+            <a:r>
+              <a:rPr lang="en-IE" sz="3200">
+                <a:latin typeface="Arial"/>
+              </a:rPr>
+              <a:t>RUN cd /app &amp;&amp; mcs app.cs</a:t>
+            </a:r>
+            <a:endParaRPr/>
+          </a:p>
+          <a:p>
+            <a:pPr>
+              <a:buSzPct val="45000"/>
+              <a:buFont typeface="StarSymbol"/>
+              <a:buChar char=""/>
+            </a:pPr>
+            <a:r>
+              <a:rPr lang="en-IE" sz="3200">
+                <a:latin typeface="Arial"/>
+              </a:rPr>
+              <a:t>ENTRYPOINT ["mono", "/app/app.exe"]</a:t>
+            </a:r>
+            <a:endParaRPr/>
+          </a:p>
+        </p:txBody>
+      </p:sp>
+    </p:spTree>
+  </p:cSld>
+</p:sld>
+</file>
+
+<file path=ppt/slides/slide17.xml><?xml version="1.0" encoding="utf-8"?>
+<p:sld xmlns:a="http://schemas.openxmlformats.org/drawingml/2006/main" xmlns:p="http://schemas.openxmlformats.org/presentationml/2006/main" xmlns:r="http://schemas.openxmlformats.org/officeDocument/2006/relationships">
+  <p:cSld>
+    <p:spTree>
+      <p:nvGrpSpPr>
+        <p:cNvPr id="1" name=""/>
+        <p:cNvGrpSpPr/>
+        <p:nvPr/>
+      </p:nvGrpSpPr>
+      <p:grpSpPr>
+        <a:xfrm>
+          <a:off x="0" y="0"/>
+          <a:ext cx="0" cy="0"/>
+          <a:chOff x="0" y="0"/>
+          <a:chExt cx="0" cy="0"/>
+        </a:xfrm>
+      </p:grpSpPr>
+      <p:sp>
+        <p:nvSpPr>
+          <p:cNvPr id="71" name="TextShape 1"/>
+          <p:cNvSpPr txBox="1"/>
+          <p:nvPr/>
+        </p:nvSpPr>
+        <p:spPr>
+          <a:xfrm>
+            <a:off x="504000" y="301320"/>
+            <a:ext cx="9071640" cy="1262160"/>
+          </a:xfrm>
+          <a:prstGeom prst="rect">
+            <a:avLst/>
+          </a:prstGeom>
+        </p:spPr>
+        <p:txBody>
+          <a:bodyPr lIns="0" rIns="0" tIns="0" bIns="0" anchor="ctr"/>
+          <a:p>
+            <a:pPr algn="ctr"/>
+            <a:r>
+              <a:rPr lang="en-IE" sz="4400">
+                <a:latin typeface="Arial"/>
+              </a:rPr>
+              <a:t>Build image</a:t>
+            </a:r>
+            <a:endParaRPr/>
+          </a:p>
+        </p:txBody>
+      </p:sp>
+      <p:sp>
+        <p:nvSpPr>
+          <p:cNvPr id="72" name="TextShape 2"/>
+          <p:cNvSpPr txBox="1"/>
+          <p:nvPr/>
+        </p:nvSpPr>
+        <p:spPr>
+          <a:xfrm>
+            <a:off x="504000" y="1769040"/>
+            <a:ext cx="9071640" cy="4384440"/>
+          </a:xfrm>
+          <a:prstGeom prst="rect">
+            <a:avLst/>
+          </a:prstGeom>
+        </p:spPr>
+        <p:txBody>
+          <a:bodyPr lIns="0" rIns="0" tIns="0" bIns="0"/>
+          <a:p>
+            <a:pPr>
+              <a:buSzPct val="45000"/>
+              <a:buFont typeface="StarSymbol"/>
+              <a:buChar char=""/>
+            </a:pPr>
+            <a:r>
+              <a:rPr lang="en-IE" sz="3200">
+                <a:latin typeface="Arial"/>
+              </a:rPr>
+              <a:t>docker build -t pmcgrath/mono:v1 .</a:t>
+            </a:r>
+            <a:endParaRPr/>
+          </a:p>
+          <a:p>
+            <a:pPr>
+              <a:buSzPct val="45000"/>
+              <a:buFont typeface="StarSymbol"/>
+              <a:buChar char=""/>
+            </a:pPr>
+            <a:endParaRPr/>
+          </a:p>
+          <a:p>
+            <a:pPr>
+              <a:buSzPct val="45000"/>
+              <a:buFont typeface="StarSymbol"/>
+              <a:buChar char=""/>
+            </a:pPr>
+            <a:r>
+              <a:rPr lang="en-IE" sz="3200">
+                <a:latin typeface="Arial"/>
+              </a:rPr>
+              <a:t>docker images</a:t>
+            </a:r>
+            <a:endParaRPr/>
+          </a:p>
+          <a:p>
+            <a:pPr>
+              <a:buSzPct val="45000"/>
+              <a:buFont typeface="StarSymbol"/>
+              <a:buChar char=""/>
+            </a:pPr>
+            <a:r>
+              <a:rPr lang="en-IE" sz="3200">
+                <a:latin typeface="Arial"/>
+              </a:rPr>
+              <a:t>docker history pmcgrath/mono:v1</a:t>
+            </a:r>
+            <a:endParaRPr/>
+          </a:p>
+        </p:txBody>
+      </p:sp>
+    </p:spTree>
+  </p:cSld>
+</p:sld>
+</file>
+
+<file path=ppt/slides/slide18.xml><?xml version="1.0" encoding="utf-8"?>
+<p:sld xmlns:a="http://schemas.openxmlformats.org/drawingml/2006/main" xmlns:p="http://schemas.openxmlformats.org/presentationml/2006/main" xmlns:r="http://schemas.openxmlformats.org/officeDocument/2006/relationships">
+  <p:cSld>
+    <p:spTree>
+      <p:nvGrpSpPr>
+        <p:cNvPr id="1" name=""/>
+        <p:cNvGrpSpPr/>
+        <p:nvPr/>
+      </p:nvGrpSpPr>
+      <p:grpSpPr>
+        <a:xfrm>
+          <a:off x="0" y="0"/>
+          <a:ext cx="0" cy="0"/>
+          <a:chOff x="0" y="0"/>
+          <a:chExt cx="0" cy="0"/>
+        </a:xfrm>
+      </p:grpSpPr>
+      <p:sp>
+        <p:nvSpPr>
+          <p:cNvPr id="73" name="TextShape 1"/>
+          <p:cNvSpPr txBox="1"/>
+          <p:nvPr/>
+        </p:nvSpPr>
+        <p:spPr>
+          <a:xfrm>
+            <a:off x="504000" y="301320"/>
+            <a:ext cx="9071640" cy="1262160"/>
+          </a:xfrm>
+          <a:prstGeom prst="rect">
+            <a:avLst/>
+          </a:prstGeom>
+        </p:spPr>
+        <p:txBody>
+          <a:bodyPr lIns="0" rIns="0" tIns="0" bIns="0" anchor="ctr"/>
+          <a:p>
+            <a:pPr algn="ctr"/>
+            <a:r>
+              <a:rPr lang="en-IE" sz="4400">
+                <a:latin typeface="Arial"/>
+              </a:rPr>
+              <a:t>Dockerfile instruction 1 of 4</a:t>
+            </a:r>
+            <a:endParaRPr/>
+          </a:p>
+        </p:txBody>
+      </p:sp>
+      <p:pic>
+        <p:nvPicPr>
+          <p:cNvPr id="74" name="" descr=""/>
+          <p:cNvPicPr/>
+          <p:nvPr/>
+        </p:nvPicPr>
+        <p:blipFill>
+          <a:blip r:embed="rId1"/>
+          <a:stretch>
+            <a:fillRect/>
+          </a:stretch>
+        </p:blipFill>
+        <p:spPr>
+          <a:xfrm>
+            <a:off x="2880000" y="1440000"/>
+            <a:ext cx="3600000" cy="5040000"/>
+          </a:xfrm>
+          <a:prstGeom prst="rect">
+            <a:avLst/>
+          </a:prstGeom>
+          <a:ln>
+            <a:noFill/>
+          </a:ln>
+        </p:spPr>
+      </p:pic>
+    </p:spTree>
+  </p:cSld>
+</p:sld>
+</file>
+
+<file path=ppt/slides/slide19.xml><?xml version="1.0" encoding="utf-8"?>
+<p:sld xmlns:a="http://schemas.openxmlformats.org/drawingml/2006/main" xmlns:p="http://schemas.openxmlformats.org/presentationml/2006/main" xmlns:r="http://schemas.openxmlformats.org/officeDocument/2006/relationships">
+  <p:cSld>
+    <p:spTree>
+      <p:nvGrpSpPr>
+        <p:cNvPr id="1" name=""/>
+        <p:cNvGrpSpPr/>
+        <p:nvPr/>
+      </p:nvGrpSpPr>
+      <p:grpSpPr>
+        <a:xfrm>
+          <a:off x="0" y="0"/>
+          <a:ext cx="0" cy="0"/>
+          <a:chOff x="0" y="0"/>
+          <a:chExt cx="0" cy="0"/>
+        </a:xfrm>
+      </p:grpSpPr>
+      <p:sp>
+        <p:nvSpPr>
+          <p:cNvPr id="75" name="TextShape 1"/>
+          <p:cNvSpPr txBox="1"/>
+          <p:nvPr/>
+        </p:nvSpPr>
+        <p:spPr>
+          <a:xfrm>
+            <a:off x="504000" y="301320"/>
+            <a:ext cx="9071640" cy="1262160"/>
+          </a:xfrm>
+          <a:prstGeom prst="rect">
+            <a:avLst/>
+          </a:prstGeom>
+        </p:spPr>
+        <p:txBody>
+          <a:bodyPr lIns="0" rIns="0" tIns="0" bIns="0" anchor="ctr"/>
+          <a:p>
+            <a:pPr algn="ctr"/>
+            <a:r>
+              <a:rPr lang="en-IE" sz="4400">
+                <a:latin typeface="Arial"/>
+              </a:rPr>
+              <a:t>Dockerfile instruction 2 of 4</a:t>
+            </a:r>
+            <a:endParaRPr/>
+          </a:p>
+        </p:txBody>
+      </p:sp>
+      <p:pic>
+        <p:nvPicPr>
+          <p:cNvPr id="76" name="" descr=""/>
+          <p:cNvPicPr/>
+          <p:nvPr/>
+        </p:nvPicPr>
+        <p:blipFill>
+          <a:blip r:embed="rId1"/>
+          <a:stretch>
+            <a:fillRect/>
+          </a:stretch>
+        </p:blipFill>
+        <p:spPr>
+          <a:xfrm>
+            <a:off x="2880000" y="1260000"/>
+            <a:ext cx="3600000" cy="5040000"/>
+          </a:xfrm>
+          <a:prstGeom prst="rect">
+            <a:avLst/>
+          </a:prstGeom>
+          <a:ln>
+            <a:noFill/>
+          </a:ln>
+        </p:spPr>
+      </p:pic>
+    </p:spTree>
+  </p:cSld>
+</p:sld>
+</file>
+
+<file path=ppt/slides/slide2.xml><?xml version="1.0" encoding="utf-8"?>
+<p:sld xmlns:a="http://schemas.openxmlformats.org/drawingml/2006/main" xmlns:p="http://schemas.openxmlformats.org/presentationml/2006/main" xmlns:r="http://schemas.openxmlformats.org/officeDocument/2006/relationships">
+  <p:cSld>
+    <p:spTree>
+      <p:nvGrpSpPr>
+        <p:cNvPr id="1" name=""/>
+        <p:cNvGrpSpPr/>
+        <p:nvPr/>
+      </p:nvGrpSpPr>
+      <p:grpSpPr>
+        <a:xfrm>
+          <a:off x="0" y="0"/>
+          <a:ext cx="0" cy="0"/>
+          <a:chOff x="0" y="0"/>
+          <a:chExt cx="0" cy="0"/>
+        </a:xfrm>
+      </p:grpSpPr>
+      <p:sp>
+        <p:nvSpPr>
+          <p:cNvPr id="41" name="TextShape 1"/>
+          <p:cNvSpPr txBox="1"/>
+          <p:nvPr/>
+        </p:nvSpPr>
+        <p:spPr>
+          <a:xfrm>
+            <a:off x="504000" y="301320"/>
+            <a:ext cx="9071640" cy="1262160"/>
+          </a:xfrm>
+          <a:prstGeom prst="rect">
+            <a:avLst/>
+          </a:prstGeom>
+        </p:spPr>
+        <p:txBody>
+          <a:bodyPr lIns="0" rIns="0" tIns="0" bIns="0" anchor="ctr"/>
+          <a:p>
+            <a:pPr algn="ctr"/>
+            <a:r>
+              <a:rPr lang="en-IE" sz="4400">
+                <a:latin typeface="Arial"/>
+              </a:rPr>
+              <a:t>Agenda</a:t>
+            </a:r>
+            <a:endParaRPr/>
+          </a:p>
+        </p:txBody>
+      </p:sp>
+      <p:sp>
+        <p:nvSpPr>
+          <p:cNvPr id="42" name="TextShape 2"/>
+          <p:cNvSpPr txBox="1"/>
+          <p:nvPr/>
+        </p:nvSpPr>
+        <p:spPr>
+          <a:xfrm>
+            <a:off x="504000" y="1769040"/>
+            <a:ext cx="9071640" cy="4384440"/>
+          </a:xfrm>
+          <a:prstGeom prst="rect">
+            <a:avLst/>
+          </a:prstGeom>
+        </p:spPr>
+        <p:txBody>
+          <a:bodyPr lIns="0" rIns="0" tIns="0" bIns="0"/>
+          <a:p>
+            <a:pPr>
+              <a:buSzPct val="45000"/>
+              <a:buFont typeface="StarSymbol"/>
+              <a:buChar char=""/>
+            </a:pPr>
+            <a:r>
+              <a:rPr lang="en-IE" sz="3200">
+                <a:latin typeface="Arial"/>
+              </a:rPr>
+              <a:t>Brief overview of docker</a:t>
+            </a:r>
+            <a:endParaRPr/>
+          </a:p>
+          <a:p>
+            <a:pPr>
+              <a:buSzPct val="45000"/>
+              <a:buFont typeface="StarSymbol"/>
+              <a:buChar char=""/>
+            </a:pPr>
+            <a:r>
+              <a:rPr lang="en-IE" sz="3200">
+                <a:latin typeface="Arial"/>
+              </a:rPr>
+              <a:t>VMs</a:t>
+            </a:r>
+            <a:endParaRPr/>
+          </a:p>
+          <a:p>
+            <a:pPr>
+              <a:buSzPct val="45000"/>
+              <a:buFont typeface="StarSymbol"/>
+              <a:buChar char=""/>
+            </a:pPr>
+            <a:r>
+              <a:rPr lang="en-IE" sz="3200">
+                <a:latin typeface="Arial"/>
+              </a:rPr>
+              <a:t>Containers</a:t>
+            </a:r>
+            <a:endParaRPr/>
+          </a:p>
+          <a:p>
+            <a:pPr>
+              <a:buSzPct val="45000"/>
+              <a:buFont typeface="StarSymbol"/>
+              <a:buChar char=""/>
+            </a:pPr>
+            <a:r>
+              <a:rPr lang="en-IE" sz="3200">
+                <a:latin typeface="Arial"/>
+              </a:rPr>
+              <a:t>What docker adds</a:t>
+            </a:r>
+            <a:endParaRPr/>
+          </a:p>
+          <a:p>
+            <a:pPr>
+              <a:buSzPct val="45000"/>
+              <a:buFont typeface="StarSymbol"/>
+              <a:buChar char=""/>
+            </a:pPr>
+            <a:r>
+              <a:rPr lang="en-IE" sz="3200">
+                <a:latin typeface="Arial"/>
+              </a:rPr>
+              <a:t>Docker components</a:t>
+            </a:r>
+            <a:endParaRPr/>
+          </a:p>
+          <a:p>
+            <a:pPr>
+              <a:buSzPct val="45000"/>
+              <a:buFont typeface="StarSymbol"/>
+              <a:buChar char=""/>
+            </a:pPr>
+            <a:r>
+              <a:rPr lang="en-IE" sz="3200">
+                <a:latin typeface="Arial"/>
+              </a:rPr>
+              <a:t>Installation</a:t>
+            </a:r>
+            <a:endParaRPr/>
+          </a:p>
+          <a:p>
+            <a:pPr>
+              <a:buSzPct val="45000"/>
+              <a:buFont typeface="StarSymbol"/>
+              <a:buChar char=""/>
+            </a:pPr>
+            <a:r>
+              <a:rPr lang="en-IE" sz="3200">
+                <a:latin typeface="Arial"/>
+              </a:rPr>
+              <a:t>Demo1 – interactive bash</a:t>
+            </a:r>
+            <a:endParaRPr/>
+          </a:p>
+          <a:p>
+            <a:pPr>
+              <a:buSzPct val="45000"/>
+              <a:buFont typeface="StarSymbol"/>
+              <a:buChar char=""/>
+            </a:pPr>
+            <a:r>
+              <a:rPr lang="en-IE" sz="3200">
+                <a:latin typeface="Arial"/>
+              </a:rPr>
+              <a:t>Demo2 - mono app running on EC2</a:t>
+            </a:r>
+            <a:endParaRPr/>
+          </a:p>
+          <a:p>
+            <a:pPr>
+              <a:buSzPct val="45000"/>
+              <a:buFont typeface="StarSymbol"/>
+              <a:buChar char=""/>
+            </a:pPr>
+            <a:r>
+              <a:rPr lang="en-IE" sz="3200">
+                <a:latin typeface="Arial"/>
+              </a:rPr>
+              <a:t>Port mapping</a:t>
+            </a:r>
+            <a:endParaRPr/>
+          </a:p>
+          <a:p>
+            <a:pPr>
+              <a:buSzPct val="45000"/>
+              <a:buFont typeface="StarSymbol"/>
+              <a:buChar char=""/>
+            </a:pPr>
+            <a:r>
+              <a:rPr lang="en-IE" sz="3200">
+                <a:latin typeface="Arial"/>
+              </a:rPr>
+              <a:t>Volumes</a:t>
+            </a:r>
+            <a:endParaRPr/>
+          </a:p>
+          <a:p>
+            <a:pPr>
+              <a:buSzPct val="45000"/>
+              <a:buFont typeface="StarSymbol"/>
+              <a:buChar char=""/>
+            </a:pPr>
+            <a:r>
+              <a:rPr lang="en-IE" sz="3200">
+                <a:latin typeface="Arial"/>
+              </a:rPr>
+              <a:t>CI\CD</a:t>
+            </a:r>
+            <a:endParaRPr/>
+          </a:p>
+          <a:p>
+            <a:pPr>
+              <a:buSzPct val="45000"/>
+              <a:buFont typeface="StarSymbol"/>
+              <a:buChar char=""/>
+            </a:pPr>
+            <a:r>
+              <a:rPr lang="en-IE" sz="3200">
+                <a:latin typeface="Arial"/>
+              </a:rPr>
+              <a:t>Possible other usages</a:t>
+            </a:r>
+            <a:endParaRPr/>
+          </a:p>
+          <a:p>
+            <a:pPr>
+              <a:buSzPct val="45000"/>
+              <a:buFont typeface="StarSymbol"/>
+              <a:buChar char=""/>
+            </a:pPr>
+            <a:r>
+              <a:rPr lang="en-IE" sz="3200">
+                <a:latin typeface="Arial"/>
+              </a:rPr>
+              <a:t>Other considerations</a:t>
+            </a:r>
+            <a:endParaRPr/>
+          </a:p>
+          <a:p>
+            <a:pPr>
+              <a:buSzPct val="45000"/>
+              <a:buFont typeface="StarSymbol"/>
+              <a:buChar char=""/>
+            </a:pPr>
+            <a:r>
+              <a:rPr lang="en-IE" sz="3200">
+                <a:latin typeface="Arial"/>
+              </a:rPr>
+              <a:t>Some links to start with</a:t>
+            </a:r>
+            <a:endParaRPr/>
+          </a:p>
+          <a:p>
+            <a:pPr>
+              <a:buSzPct val="45000"/>
+              <a:buFont typeface="StarSymbol"/>
+              <a:buChar char=""/>
+            </a:pPr>
+            <a:r>
+              <a:rPr lang="en-IE" sz="3200">
+                <a:latin typeface="Arial"/>
+              </a:rPr>
+              <a:t>Q&amp;A</a:t>
+            </a:r>
+            <a:endParaRPr/>
+          </a:p>
+        </p:txBody>
+      </p:sp>
+    </p:spTree>
+  </p:cSld>
+</p:sld>
+</file>
+
+<file path=ppt/slides/slide20.xml><?xml version="1.0" encoding="utf-8"?>
+<p:sld xmlns:a="http://schemas.openxmlformats.org/drawingml/2006/main" xmlns:p="http://schemas.openxmlformats.org/presentationml/2006/main" xmlns:r="http://schemas.openxmlformats.org/officeDocument/2006/relationships">
+  <p:cSld>
+    <p:spTree>
+      <p:nvGrpSpPr>
+        <p:cNvPr id="1" name=""/>
+        <p:cNvGrpSpPr/>
+        <p:nvPr/>
+      </p:nvGrpSpPr>
+      <p:grpSpPr>
+        <a:xfrm>
+          <a:off x="0" y="0"/>
+          <a:ext cx="0" cy="0"/>
+          <a:chOff x="0" y="0"/>
+          <a:chExt cx="0" cy="0"/>
+        </a:xfrm>
+      </p:grpSpPr>
+      <p:sp>
+        <p:nvSpPr>
+          <p:cNvPr id="77" name="TextShape 1"/>
+          <p:cNvSpPr txBox="1"/>
+          <p:nvPr/>
+        </p:nvSpPr>
+        <p:spPr>
+          <a:xfrm>
+            <a:off x="504000" y="301320"/>
+            <a:ext cx="9071640" cy="1262160"/>
+          </a:xfrm>
+          <a:prstGeom prst="rect">
+            <a:avLst/>
+          </a:prstGeom>
+        </p:spPr>
+        <p:txBody>
+          <a:bodyPr lIns="0" rIns="0" tIns="0" bIns="0" anchor="ctr"/>
+          <a:p>
+            <a:pPr algn="ctr"/>
+            <a:r>
+              <a:rPr lang="en-IE" sz="4400">
+                <a:latin typeface="Arial"/>
+              </a:rPr>
+              <a:t>Dockerfile instruction 3 of 4</a:t>
+            </a:r>
+            <a:endParaRPr/>
+          </a:p>
+        </p:txBody>
+      </p:sp>
+      <p:pic>
+        <p:nvPicPr>
+          <p:cNvPr id="78" name="" descr=""/>
+          <p:cNvPicPr/>
+          <p:nvPr/>
+        </p:nvPicPr>
+        <p:blipFill>
+          <a:blip r:embed="rId1"/>
+          <a:stretch>
+            <a:fillRect/>
+          </a:stretch>
+        </p:blipFill>
+        <p:spPr>
+          <a:xfrm>
+            <a:off x="2880000" y="1260000"/>
+            <a:ext cx="3600000" cy="5040000"/>
+          </a:xfrm>
+          <a:prstGeom prst="rect">
+            <a:avLst/>
+          </a:prstGeom>
+          <a:ln>
+            <a:noFill/>
+          </a:ln>
+        </p:spPr>
+      </p:pic>
+    </p:spTree>
+  </p:cSld>
+</p:sld>
+</file>
+
+<file path=ppt/slides/slide21.xml><?xml version="1.0" encoding="utf-8"?>
+<p:sld xmlns:a="http://schemas.openxmlformats.org/drawingml/2006/main" xmlns:p="http://schemas.openxmlformats.org/presentationml/2006/main" xmlns:r="http://schemas.openxmlformats.org/officeDocument/2006/relationships">
+  <p:cSld>
+    <p:spTree>
+      <p:nvGrpSpPr>
+        <p:cNvPr id="1" name=""/>
+        <p:cNvGrpSpPr/>
+        <p:nvPr/>
+      </p:nvGrpSpPr>
+      <p:grpSpPr>
+        <a:xfrm>
+          <a:off x="0" y="0"/>
+          <a:ext cx="0" cy="0"/>
+          <a:chOff x="0" y="0"/>
+          <a:chExt cx="0" cy="0"/>
+        </a:xfrm>
+      </p:grpSpPr>
+      <p:sp>
+        <p:nvSpPr>
+          <p:cNvPr id="79" name="TextShape 1"/>
+          <p:cNvSpPr txBox="1"/>
+          <p:nvPr/>
+        </p:nvSpPr>
+        <p:spPr>
+          <a:xfrm>
+            <a:off x="504000" y="301320"/>
+            <a:ext cx="9071640" cy="1262160"/>
+          </a:xfrm>
+          <a:prstGeom prst="rect">
+            <a:avLst/>
+          </a:prstGeom>
+        </p:spPr>
+        <p:txBody>
+          <a:bodyPr lIns="0" rIns="0" tIns="0" bIns="0" anchor="ctr"/>
+          <a:p>
+            <a:pPr algn="ctr"/>
+            <a:r>
+              <a:rPr lang="en-IE" sz="4400">
+                <a:latin typeface="Arial"/>
+              </a:rPr>
+              <a:t>Dockerfile instruction 4 of 4</a:t>
+            </a:r>
+            <a:endParaRPr/>
+          </a:p>
+        </p:txBody>
+      </p:sp>
+      <p:pic>
+        <p:nvPicPr>
+          <p:cNvPr id="80" name="" descr=""/>
+          <p:cNvPicPr/>
+          <p:nvPr/>
+        </p:nvPicPr>
+        <p:blipFill>
+          <a:blip r:embed="rId1"/>
+          <a:stretch>
+            <a:fillRect/>
+          </a:stretch>
+        </p:blipFill>
+        <p:spPr>
+          <a:xfrm>
+            <a:off x="2880000" y="1260000"/>
+            <a:ext cx="3600000" cy="5040000"/>
+          </a:xfrm>
+          <a:prstGeom prst="rect">
+            <a:avLst/>
+          </a:prstGeom>
+          <a:ln>
+            <a:noFill/>
+          </a:ln>
+        </p:spPr>
+      </p:pic>
+    </p:spTree>
+  </p:cSld>
+</p:sld>
+</file>
+
+<file path=ppt/slides/slide22.xml><?xml version="1.0" encoding="utf-8"?>
+<p:sld xmlns:a="http://schemas.openxmlformats.org/drawingml/2006/main" xmlns:p="http://schemas.openxmlformats.org/presentationml/2006/main" xmlns:r="http://schemas.openxmlformats.org/officeDocument/2006/relationships">
+  <p:cSld>
+    <p:spTree>
+      <p:nvGrpSpPr>
+        <p:cNvPr id="1" name=""/>
+        <p:cNvGrpSpPr/>
+        <p:nvPr/>
+      </p:nvGrpSpPr>
+      <p:grpSpPr>
+        <a:xfrm>
+          <a:off x="0" y="0"/>
+          <a:ext cx="0" cy="0"/>
+          <a:chOff x="0" y="0"/>
+          <a:chExt cx="0" cy="0"/>
+        </a:xfrm>
+      </p:grpSpPr>
+      <p:sp>
+        <p:nvSpPr>
+          <p:cNvPr id="81" name="TextShape 1"/>
+          <p:cNvSpPr txBox="1"/>
+          <p:nvPr/>
+        </p:nvSpPr>
+        <p:spPr>
+          <a:xfrm>
+            <a:off x="504000" y="301320"/>
+            <a:ext cx="9071640" cy="1262160"/>
+          </a:xfrm>
+          <a:prstGeom prst="rect">
+            <a:avLst/>
+          </a:prstGeom>
+        </p:spPr>
+        <p:txBody>
+          <a:bodyPr lIns="0" rIns="0" tIns="0" bIns="0" anchor="ctr"/>
+          <a:p>
+            <a:pPr algn="ctr"/>
+            <a:r>
+              <a:rPr lang="en-IE" sz="4400">
+                <a:latin typeface="Arial"/>
+              </a:rPr>
+              <a:t>Layers</a:t>
+            </a:r>
+            <a:r>
+              <a:rPr lang="en-IE" sz="4400">
+                <a:latin typeface="Arial"/>
+              </a:rPr>
+              <a:t>
+</a:t>
+            </a:r>
+            <a:endParaRPr/>
+          </a:p>
+        </p:txBody>
+      </p:sp>
+      <p:pic>
+        <p:nvPicPr>
+          <p:cNvPr id="82" name="" descr=""/>
+          <p:cNvPicPr/>
+          <p:nvPr/>
+        </p:nvPicPr>
+        <p:blipFill>
+          <a:blip r:embed="rId1"/>
+          <a:stretch>
+            <a:fillRect/>
+          </a:stretch>
+        </p:blipFill>
+        <p:spPr>
+          <a:xfrm>
+            <a:off x="2880000" y="990000"/>
+            <a:ext cx="3600000" cy="6480000"/>
+          </a:xfrm>
+          <a:prstGeom prst="rect">
+            <a:avLst/>
+          </a:prstGeom>
+          <a:ln>
+            <a:noFill/>
+          </a:ln>
+        </p:spPr>
+      </p:pic>
+    </p:spTree>
+  </p:cSld>
+</p:sld>
+</file>
+
+<file path=ppt/slides/slide23.xml><?xml version="1.0" encoding="utf-8"?>
+<p:sld xmlns:a="http://schemas.openxmlformats.org/drawingml/2006/main" xmlns:p="http://schemas.openxmlformats.org/presentationml/2006/main" xmlns:r="http://schemas.openxmlformats.org/officeDocument/2006/relationships">
+  <p:cSld>
+    <p:spTree>
+      <p:nvGrpSpPr>
+        <p:cNvPr id="1" name=""/>
+        <p:cNvGrpSpPr/>
+        <p:nvPr/>
+      </p:nvGrpSpPr>
+      <p:grpSpPr>
+        <a:xfrm>
+          <a:off x="0" y="0"/>
+          <a:ext cx="0" cy="0"/>
+          <a:chOff x="0" y="0"/>
+          <a:chExt cx="0" cy="0"/>
+        </a:xfrm>
+      </p:grpSpPr>
+      <p:sp>
+        <p:nvSpPr>
+          <p:cNvPr id="83" name="TextShape 1"/>
+          <p:cNvSpPr txBox="1"/>
+          <p:nvPr/>
+        </p:nvSpPr>
+        <p:spPr>
+          <a:xfrm>
+            <a:off x="504000" y="301320"/>
+            <a:ext cx="9071640" cy="1262160"/>
+          </a:xfrm>
+          <a:prstGeom prst="rect">
+            <a:avLst/>
+          </a:prstGeom>
+        </p:spPr>
+        <p:txBody>
+          <a:bodyPr lIns="0" rIns="0" tIns="0" bIns="0" anchor="ctr"/>
+          <a:p>
+            <a:pPr algn="ctr">
+              <a:buSzPct val="45000"/>
+              <a:buFont typeface="StarSymbol"/>
+              <a:buChar char=""/>
+            </a:pPr>
+            <a:r>
+              <a:rPr lang="en-IE" sz="4400">
+                <a:latin typeface="Arial"/>
+              </a:rPr>
+              <a:t>Run a local container instance</a:t>
+            </a:r>
+            <a:endParaRPr/>
+          </a:p>
+        </p:txBody>
+      </p:sp>
+      <p:sp>
+        <p:nvSpPr>
+          <p:cNvPr id="84" name="TextShape 2"/>
+          <p:cNvSpPr txBox="1"/>
+          <p:nvPr/>
+        </p:nvSpPr>
+        <p:spPr>
+          <a:xfrm>
+            <a:off x="504000" y="1769040"/>
+            <a:ext cx="9071640" cy="4384440"/>
+          </a:xfrm>
+          <a:prstGeom prst="rect">
+            <a:avLst/>
+          </a:prstGeom>
+        </p:spPr>
+        <p:txBody>
+          <a:bodyPr lIns="0" rIns="0" tIns="0" bIns="0"/>
+          <a:p>
+            <a:pPr>
+              <a:buSzPct val="45000"/>
+              <a:buFont typeface="StarSymbol"/>
+              <a:buChar char=""/>
+            </a:pPr>
+            <a:r>
+              <a:rPr lang="en-IE" sz="3200">
+                <a:latin typeface="Arial"/>
+              </a:rPr>
+              <a:t>docker run -d --name c1 pmcgrath/mono:v1 </a:t>
+            </a:r>
+            <a:endParaRPr/>
+          </a:p>
+          <a:p>
+            <a:pPr>
+              <a:buSzPct val="45000"/>
+              <a:buFont typeface="StarSymbol"/>
+              <a:buChar char=""/>
+            </a:pPr>
+            <a:endParaRPr/>
+          </a:p>
+          <a:p>
+            <a:pPr>
+              <a:buSzPct val="45000"/>
+              <a:buFont typeface="StarSymbol"/>
+              <a:buChar char=""/>
+            </a:pPr>
+            <a:endParaRPr/>
+          </a:p>
+          <a:p>
+            <a:pPr>
+              <a:buSzPct val="45000"/>
+              <a:buFont typeface="StarSymbol"/>
+              <a:buChar char=""/>
+            </a:pPr>
+            <a:r>
+              <a:rPr lang="en-IE" sz="3200">
+                <a:latin typeface="Arial"/>
+              </a:rPr>
+              <a:t>docker logs -f c1</a:t>
+            </a:r>
+            <a:endParaRPr/>
+          </a:p>
+          <a:p>
+            <a:pPr>
+              <a:buSzPct val="45000"/>
+              <a:buFont typeface="StarSymbol"/>
+              <a:buChar char=""/>
+            </a:pPr>
+            <a:r>
+              <a:rPr lang="en-IE" sz="3200">
+                <a:latin typeface="Arial"/>
+              </a:rPr>
+              <a:t>docker inspect c1</a:t>
+            </a:r>
+            <a:endParaRPr/>
+          </a:p>
+        </p:txBody>
+      </p:sp>
+    </p:spTree>
+  </p:cSld>
+</p:sld>
+</file>
+
+<file path=ppt/slides/slide24.xml><?xml version="1.0" encoding="utf-8"?>
+<p:sld xmlns:a="http://schemas.openxmlformats.org/drawingml/2006/main" xmlns:p="http://schemas.openxmlformats.org/presentationml/2006/main" xmlns:r="http://schemas.openxmlformats.org/officeDocument/2006/relationships">
+  <p:cSld>
+    <p:spTree>
+      <p:nvGrpSpPr>
+        <p:cNvPr id="1" name=""/>
+        <p:cNvGrpSpPr/>
+        <p:nvPr/>
+      </p:nvGrpSpPr>
+      <p:grpSpPr>
+        <a:xfrm>
+          <a:off x="0" y="0"/>
+          <a:ext cx="0" cy="0"/>
+          <a:chOff x="0" y="0"/>
+          <a:chExt cx="0" cy="0"/>
+        </a:xfrm>
+      </p:grpSpPr>
+      <p:sp>
+        <p:nvSpPr>
+          <p:cNvPr id="85" name="TextShape 1"/>
+          <p:cNvSpPr txBox="1"/>
+          <p:nvPr/>
+        </p:nvSpPr>
+        <p:spPr>
+          <a:xfrm>
+            <a:off x="504000" y="301320"/>
+            <a:ext cx="9071640" cy="1262160"/>
+          </a:xfrm>
+          <a:prstGeom prst="rect">
+            <a:avLst/>
+          </a:prstGeom>
+        </p:spPr>
+        <p:txBody>
+          <a:bodyPr lIns="0" rIns="0" tIns="0" bIns="0" anchor="ctr"/>
+          <a:p>
+            <a:pPr algn="ctr">
+              <a:buSzPct val="45000"/>
+              <a:buFont typeface="StarSymbol"/>
+              <a:buChar char=""/>
+            </a:pPr>
+            <a:r>
+              <a:rPr lang="en-IE" sz="4400">
+                <a:latin typeface="Arial"/>
+              </a:rPr>
+              <a:t>Push image to dockerhub registry</a:t>
+            </a:r>
+            <a:endParaRPr/>
+          </a:p>
+        </p:txBody>
+      </p:sp>
+      <p:sp>
+        <p:nvSpPr>
+          <p:cNvPr id="86" name="TextShape 2"/>
+          <p:cNvSpPr txBox="1"/>
+          <p:nvPr/>
+        </p:nvSpPr>
+        <p:spPr>
+          <a:xfrm>
+            <a:off x="504000" y="1769040"/>
+            <a:ext cx="9071640" cy="4384440"/>
+          </a:xfrm>
+          <a:prstGeom prst="rect">
+            <a:avLst/>
+          </a:prstGeom>
+        </p:spPr>
+        <p:txBody>
+          <a:bodyPr lIns="0" rIns="0" tIns="0" bIns="0"/>
+          <a:p>
+            <a:pPr>
+              <a:buSzPct val="45000"/>
+              <a:buFont typeface="StarSymbol"/>
+              <a:buChar char=""/>
+            </a:pPr>
+            <a:r>
+              <a:rPr lang="en-IE" sz="3200">
+                <a:latin typeface="Arial"/>
+              </a:rPr>
+              <a:t>docker login</a:t>
+            </a:r>
+            <a:endParaRPr/>
+          </a:p>
+          <a:p>
+            <a:pPr>
+              <a:buSzPct val="45000"/>
+              <a:buFont typeface="StarSymbol"/>
+              <a:buChar char=""/>
+            </a:pPr>
+            <a:r>
+              <a:rPr lang="en-IE" sz="3200">
+                <a:latin typeface="Arial"/>
+              </a:rPr>
+              <a:t>docker push pmcgrath/mono:v1</a:t>
+            </a:r>
+            <a:endParaRPr/>
+          </a:p>
+        </p:txBody>
+      </p:sp>
+    </p:spTree>
+  </p:cSld>
+</p:sld>
+</file>
+
+<file path=ppt/slides/slide25.xml><?xml version="1.0" encoding="utf-8"?>
+<p:sld xmlns:a="http://schemas.openxmlformats.org/drawingml/2006/main" xmlns:p="http://schemas.openxmlformats.org/presentationml/2006/main" xmlns:r="http://schemas.openxmlformats.org/officeDocument/2006/relationships">
+  <p:cSld>
+    <p:spTree>
+      <p:nvGrpSpPr>
+        <p:cNvPr id="1" name=""/>
+        <p:cNvGrpSpPr/>
+        <p:nvPr/>
+      </p:nvGrpSpPr>
+      <p:grpSpPr>
+        <a:xfrm>
+          <a:off x="0" y="0"/>
+          <a:ext cx="0" cy="0"/>
+          <a:chOff x="0" y="0"/>
+          <a:chExt cx="0" cy="0"/>
+        </a:xfrm>
+      </p:grpSpPr>
+      <p:sp>
+        <p:nvSpPr>
+          <p:cNvPr id="87" name="TextShape 1"/>
+          <p:cNvSpPr txBox="1"/>
+          <p:nvPr/>
+        </p:nvSpPr>
+        <p:spPr>
+          <a:xfrm>
+            <a:off x="504000" y="301320"/>
+            <a:ext cx="9071640" cy="1262160"/>
+          </a:xfrm>
+          <a:prstGeom prst="rect">
+            <a:avLst/>
+          </a:prstGeom>
+        </p:spPr>
+        <p:txBody>
+          <a:bodyPr lIns="0" rIns="0" tIns="0" bIns="0" anchor="ctr"/>
+          <a:p>
+            <a:pPr algn="ctr">
+              <a:buSzPct val="45000"/>
+              <a:buFont typeface="StarSymbol"/>
+              <a:buChar char=""/>
+            </a:pPr>
+            <a:r>
+              <a:rPr lang="en-IE" sz="4400">
+                <a:latin typeface="Arial"/>
+              </a:rPr>
+              <a:t>Run mono image on EC2</a:t>
+            </a:r>
+            <a:endParaRPr/>
+          </a:p>
+        </p:txBody>
+      </p:sp>
+      <p:sp>
+        <p:nvSpPr>
+          <p:cNvPr id="88" name="TextShape 2"/>
+          <p:cNvSpPr txBox="1"/>
+          <p:nvPr/>
+        </p:nvSpPr>
+        <p:spPr>
+          <a:xfrm>
+            <a:off x="504000" y="1769040"/>
+            <a:ext cx="9071640" cy="4384440"/>
+          </a:xfrm>
+          <a:prstGeom prst="rect">
+            <a:avLst/>
+          </a:prstGeom>
+        </p:spPr>
+        <p:txBody>
+          <a:bodyPr lIns="0" rIns="0" tIns="0" bIns="0"/>
+          <a:p>
+            <a:pPr>
+              <a:buSzPct val="45000"/>
+              <a:buFont typeface="StarSymbol"/>
+              <a:buChar char=""/>
+            </a:pPr>
+            <a:r>
+              <a:rPr lang="en-IE" sz="3200">
+                <a:latin typeface="Arial"/>
+              </a:rPr>
+              <a:t>ssh onto EC2 instance</a:t>
+            </a:r>
+            <a:endParaRPr/>
+          </a:p>
+          <a:p>
+            <a:pPr>
+              <a:buSzPct val="45000"/>
+              <a:buFont typeface="StarSymbol"/>
+              <a:buChar char=""/>
+            </a:pPr>
+            <a:r>
+              <a:rPr lang="en-IE" sz="3200">
+                <a:latin typeface="Arial"/>
+              </a:rPr>
+              <a:t>docker search pmcgrath/mono</a:t>
+            </a:r>
+            <a:endParaRPr/>
+          </a:p>
+          <a:p>
+            <a:pPr>
+              <a:buSzPct val="45000"/>
+              <a:buFont typeface="StarSymbol"/>
+              <a:buChar char=""/>
+            </a:pPr>
+            <a:endParaRPr/>
+          </a:p>
+          <a:p>
+            <a:pPr>
+              <a:buSzPct val="45000"/>
+              <a:buFont typeface="StarSymbol"/>
+              <a:buChar char=""/>
+            </a:pPr>
+            <a:r>
+              <a:rPr lang="en-IE" sz="3200">
+                <a:latin typeface="Arial"/>
+              </a:rPr>
+              <a:t>docker pull pmcgrath/mono:v1</a:t>
+            </a:r>
+            <a:endParaRPr/>
+          </a:p>
+          <a:p>
+            <a:pPr>
+              <a:buSzPct val="45000"/>
+              <a:buFont typeface="StarSymbol"/>
+              <a:buChar char=""/>
+            </a:pPr>
+            <a:r>
+              <a:rPr lang="en-IE" sz="3200">
+                <a:latin typeface="Arial"/>
+              </a:rPr>
+              <a:t>docker images</a:t>
+            </a:r>
+            <a:endParaRPr/>
+          </a:p>
+          <a:p>
+            <a:pPr>
+              <a:buSzPct val="45000"/>
+              <a:buFont typeface="StarSymbol"/>
+              <a:buChar char=""/>
+            </a:pPr>
+            <a:endParaRPr/>
+          </a:p>
+          <a:p>
+            <a:pPr>
+              <a:buSzPct val="45000"/>
+              <a:buFont typeface="StarSymbol"/>
+              <a:buChar char=""/>
+            </a:pPr>
+            <a:r>
+              <a:rPr lang="en-IE" sz="3200">
+                <a:latin typeface="Arial"/>
+              </a:rPr>
+              <a:t>docker run -d -- name mymonoapp pmcgrath/mono:v1</a:t>
+            </a:r>
+            <a:endParaRPr/>
+          </a:p>
+          <a:p>
+            <a:pPr>
+              <a:buSzPct val="45000"/>
+              <a:buFont typeface="StarSymbol"/>
+              <a:buChar char=""/>
+            </a:pPr>
+            <a:r>
+              <a:rPr lang="en-IE" sz="3200">
+                <a:latin typeface="Arial"/>
+              </a:rPr>
+              <a:t>docker logs -f mymonoapp</a:t>
+            </a:r>
+            <a:endParaRPr/>
+          </a:p>
+          <a:p>
+            <a:pPr>
+              <a:buSzPct val="45000"/>
+              <a:buFont typeface="StarSymbol"/>
+              <a:buChar char=""/>
+            </a:pPr>
+            <a:endParaRPr/>
+          </a:p>
+        </p:txBody>
+      </p:sp>
+    </p:spTree>
+  </p:cSld>
+</p:sld>
+</file>
+
+<file path=ppt/slides/slide26.xml><?xml version="1.0" encoding="utf-8"?>
+<p:sld xmlns:a="http://schemas.openxmlformats.org/drawingml/2006/main" xmlns:p="http://schemas.openxmlformats.org/presentationml/2006/main" xmlns:r="http://schemas.openxmlformats.org/officeDocument/2006/relationships">
+  <p:cSld>
+    <p:spTree>
+      <p:nvGrpSpPr>
+        <p:cNvPr id="1" name=""/>
+        <p:cNvGrpSpPr/>
+        <p:nvPr/>
+      </p:nvGrpSpPr>
+      <p:grpSpPr>
+        <a:xfrm>
+          <a:off x="0" y="0"/>
+          <a:ext cx="0" cy="0"/>
+          <a:chOff x="0" y="0"/>
+          <a:chExt cx="0" cy="0"/>
+        </a:xfrm>
+      </p:grpSpPr>
+      <p:sp>
+        <p:nvSpPr>
+          <p:cNvPr id="89" name="TextShape 1"/>
+          <p:cNvSpPr txBox="1"/>
+          <p:nvPr/>
+        </p:nvSpPr>
+        <p:spPr>
+          <a:xfrm>
+            <a:off x="504000" y="301320"/>
+            <a:ext cx="9071640" cy="1262160"/>
+          </a:xfrm>
+          <a:prstGeom prst="rect">
+            <a:avLst/>
+          </a:prstGeom>
+        </p:spPr>
+        <p:txBody>
+          <a:bodyPr lIns="0" rIns="0" tIns="0" bIns="0" anchor="ctr"/>
+          <a:p>
+            <a:pPr algn="ctr"/>
+            <a:r>
+              <a:rPr lang="en-IE" sz="4400">
+                <a:latin typeface="Arial"/>
+              </a:rPr>
+              <a:t>Port mapping</a:t>
+            </a:r>
+            <a:endParaRPr/>
+          </a:p>
+        </p:txBody>
+      </p:sp>
+      <p:sp>
+        <p:nvSpPr>
+          <p:cNvPr id="90" name="TextShape 2"/>
+          <p:cNvSpPr txBox="1"/>
+          <p:nvPr/>
+        </p:nvSpPr>
+        <p:spPr>
+          <a:xfrm>
+            <a:off x="504000" y="1769040"/>
+            <a:ext cx="9071640" cy="4384440"/>
+          </a:xfrm>
+          <a:prstGeom prst="rect">
+            <a:avLst/>
+          </a:prstGeom>
+        </p:spPr>
+        <p:txBody>
+          <a:bodyPr lIns="0" rIns="0" tIns="0" bIns="0"/>
+          <a:p>
+            <a:pPr>
+              <a:buSzPct val="45000"/>
+              <a:buFont typeface="StarSymbol"/>
+              <a:buChar char=""/>
+            </a:pPr>
+            <a:r>
+              <a:rPr lang="en-IE" sz="3200">
+                <a:latin typeface="Arial"/>
+              </a:rPr>
+              <a:t>docker run -d -p –name redis1 redis:latest</a:t>
+            </a:r>
+            <a:endParaRPr/>
+          </a:p>
+          <a:p>
+            <a:pPr>
+              <a:buSzPct val="45000"/>
+              <a:buFont typeface="StarSymbol"/>
+              <a:buChar char=""/>
+            </a:pPr>
+            <a:r>
+              <a:rPr lang="en-IE" sz="3200">
+                <a:latin typeface="Arial"/>
+              </a:rPr>
+              <a:t>docker port redis1</a:t>
+            </a:r>
+            <a:endParaRPr/>
+          </a:p>
+          <a:p>
+            <a:pPr>
+              <a:buSzPct val="45000"/>
+              <a:buFont typeface="StarSymbol"/>
+              <a:buChar char=""/>
+            </a:pPr>
+            <a:endParaRPr/>
+          </a:p>
+          <a:p>
+            <a:pPr>
+              <a:buSzPct val="45000"/>
+              <a:buFont typeface="StarSymbol"/>
+              <a:buChar char=""/>
+            </a:pPr>
+            <a:r>
+              <a:rPr lang="en-IE" sz="3200">
+                <a:latin typeface="Arial"/>
+              </a:rPr>
+              <a:t>docker run -d -p –name redis2 redis:latest</a:t>
+            </a:r>
+            <a:endParaRPr/>
+          </a:p>
+          <a:p>
+            <a:pPr>
+              <a:buSzPct val="45000"/>
+              <a:buFont typeface="StarSymbol"/>
+              <a:buChar char=""/>
+            </a:pPr>
+            <a:r>
+              <a:rPr lang="en-IE" sz="3200">
+                <a:latin typeface="Arial"/>
+              </a:rPr>
+              <a:t>docker port redis2</a:t>
+            </a:r>
+            <a:endParaRPr/>
+          </a:p>
+          <a:p>
+            <a:pPr>
+              <a:buSzPct val="45000"/>
+              <a:buFont typeface="StarSymbol"/>
+              <a:buChar char=""/>
+            </a:pPr>
+            <a:endParaRPr/>
+          </a:p>
+        </p:txBody>
+      </p:sp>
+    </p:spTree>
+  </p:cSld>
+</p:sld>
+</file>
+
+<file path=ppt/slides/slide27.xml><?xml version="1.0" encoding="utf-8"?>
+<p:sld xmlns:a="http://schemas.openxmlformats.org/drawingml/2006/main" xmlns:p="http://schemas.openxmlformats.org/presentationml/2006/main" xmlns:r="http://schemas.openxmlformats.org/officeDocument/2006/relationships">
+  <p:cSld>
+    <p:spTree>
+      <p:nvGrpSpPr>
+        <p:cNvPr id="1" name=""/>
+        <p:cNvGrpSpPr/>
+        <p:nvPr/>
+      </p:nvGrpSpPr>
+      <p:grpSpPr>
+        <a:xfrm>
+          <a:off x="0" y="0"/>
+          <a:ext cx="0" cy="0"/>
+          <a:chOff x="0" y="0"/>
+          <a:chExt cx="0" cy="0"/>
+        </a:xfrm>
+      </p:grpSpPr>
+      <p:sp>
+        <p:nvSpPr>
+          <p:cNvPr id="91" name="TextShape 1"/>
+          <p:cNvSpPr txBox="1"/>
+          <p:nvPr/>
+        </p:nvSpPr>
+        <p:spPr>
+          <a:xfrm>
+            <a:off x="504000" y="301320"/>
+            <a:ext cx="9071640" cy="1262160"/>
+          </a:xfrm>
+          <a:prstGeom prst="rect">
+            <a:avLst/>
+          </a:prstGeom>
+        </p:spPr>
+        <p:txBody>
+          <a:bodyPr lIns="0" rIns="0" tIns="0" bIns="0" anchor="ctr"/>
+          <a:p>
+            <a:pPr algn="ctr"/>
+            <a:r>
+              <a:rPr lang="en-IE" sz="4400">
+                <a:latin typeface="Arial"/>
+              </a:rPr>
+              <a:t>Volumes</a:t>
+            </a:r>
+            <a:endParaRPr/>
+          </a:p>
+        </p:txBody>
+      </p:sp>
+      <p:sp>
+        <p:nvSpPr>
+          <p:cNvPr id="92" name="TextShape 2"/>
+          <p:cNvSpPr txBox="1"/>
+          <p:nvPr/>
+        </p:nvSpPr>
+        <p:spPr>
+          <a:xfrm>
+            <a:off x="504000" y="1769040"/>
+            <a:ext cx="9071640" cy="4384440"/>
+          </a:xfrm>
+          <a:prstGeom prst="rect">
+            <a:avLst/>
+          </a:prstGeom>
+        </p:spPr>
+        <p:txBody>
+          <a:bodyPr lIns="0" rIns="0" tIns="0" bIns="0"/>
+          <a:p>
+            <a:pPr>
+              <a:buSzPct val="45000"/>
+              <a:buFont typeface="StarSymbol"/>
+              <a:buChar char=""/>
+            </a:pPr>
+            <a:r>
+              <a:rPr lang="en-IE" sz="3200">
+                <a:latin typeface="Arial"/>
+              </a:rPr>
+              <a:t>VOLUME instruction in a Dockerfile</a:t>
+            </a:r>
+            <a:endParaRPr/>
+          </a:p>
+          <a:p>
+            <a:pPr>
+              <a:buSzPct val="45000"/>
+              <a:buFont typeface="StarSymbol"/>
+              <a:buChar char=""/>
+            </a:pPr>
+            <a:endParaRPr/>
+          </a:p>
+          <a:p>
+            <a:pPr>
+              <a:buSzPct val="45000"/>
+              <a:buFont typeface="StarSymbol"/>
+              <a:buChar char=""/>
+            </a:pPr>
+            <a:r>
+              <a:rPr lang="en-IE" sz="3200">
+                <a:latin typeface="Arial"/>
+              </a:rPr>
+              <a:t>Live outside the container</a:t>
+            </a:r>
+            <a:endParaRPr/>
+          </a:p>
+          <a:p>
+            <a:pPr>
+              <a:buSzPct val="45000"/>
+              <a:buFont typeface="StarSymbol"/>
+              <a:buChar char=""/>
+            </a:pPr>
+            <a:r>
+              <a:rPr lang="en-IE" sz="3200">
+                <a:latin typeface="Arial"/>
+              </a:rPr>
+              <a:t>Bind mount on host on container run</a:t>
             </a:r>
             <a:endParaRPr/>
           </a:p>
@@ -1597,2437 +4028,6 @@
 </p:sld>
 </file>
 
-<file path=ppt/slides/slide10.xml><?xml version="1.0" encoding="utf-8"?>
-<p:sld xmlns:a="http://schemas.openxmlformats.org/drawingml/2006/main" xmlns:p="http://schemas.openxmlformats.org/presentationml/2006/main" xmlns:r="http://schemas.openxmlformats.org/officeDocument/2006/relationships">
-  <p:cSld>
-    <p:spTree>
-      <p:nvGrpSpPr>
-        <p:cNvPr id="1" name=""/>
-        <p:cNvGrpSpPr/>
-        <p:nvPr/>
-      </p:nvGrpSpPr>
-      <p:grpSpPr>
-        <a:xfrm>
-          <a:off x="0" y="0"/>
-          <a:ext cx="0" cy="0"/>
-          <a:chOff x="0" y="0"/>
-          <a:chExt cx="0" cy="0"/>
-        </a:xfrm>
-      </p:grpSpPr>
-      <p:sp>
-        <p:nvSpPr>
-          <p:cNvPr id="57" name="TextShape 1"/>
-          <p:cNvSpPr txBox="1"/>
-          <p:nvPr/>
-        </p:nvSpPr>
-        <p:spPr>
-          <a:xfrm>
-            <a:off x="504000" y="301320"/>
-            <a:ext cx="9071640" cy="1262160"/>
-          </a:xfrm>
-          <a:prstGeom prst="rect">
-            <a:avLst/>
-          </a:prstGeom>
-        </p:spPr>
-        <p:txBody>
-          <a:bodyPr lIns="0" rIns="0" tIns="0" bIns="0" anchor="ctr"/>
-          <a:p>
-            <a:pPr algn="ctr"/>
-            <a:r>
-              <a:rPr lang="en-IE" sz="4400">
-                <a:latin typeface="Arial"/>
-              </a:rPr>
-              <a:t>Docker components</a:t>
-            </a:r>
-            <a:endParaRPr/>
-          </a:p>
-        </p:txBody>
-      </p:sp>
-      <p:sp>
-        <p:nvSpPr>
-          <p:cNvPr id="58" name="TextShape 2"/>
-          <p:cNvSpPr txBox="1"/>
-          <p:nvPr/>
-        </p:nvSpPr>
-        <p:spPr>
-          <a:xfrm>
-            <a:off x="504000" y="1769040"/>
-            <a:ext cx="9071640" cy="4384440"/>
-          </a:xfrm>
-          <a:prstGeom prst="rect">
-            <a:avLst/>
-          </a:prstGeom>
-        </p:spPr>
-        <p:txBody>
-          <a:bodyPr lIns="0" rIns="0" tIns="0" bIns="0"/>
-          <a:p>
-            <a:pPr>
-              <a:buSzPct val="45000"/>
-              <a:buFont typeface="StarSymbol"/>
-              <a:buChar char=""/>
-            </a:pPr>
-            <a:r>
-              <a:rPr lang="en-IE" sz="3200">
-                <a:latin typeface="Arial"/>
-              </a:rPr>
-              <a:t>Docker client</a:t>
-            </a:r>
-            <a:endParaRPr/>
-          </a:p>
-          <a:p>
-            <a:pPr>
-              <a:buSzPct val="45000"/>
-              <a:buFont typeface="StarSymbol"/>
-              <a:buChar char=""/>
-            </a:pPr>
-            <a:r>
-              <a:rPr lang="en-IE" sz="3200">
-                <a:latin typeface="Arial"/>
-              </a:rPr>
-              <a:t>Docker engine daemon</a:t>
-            </a:r>
-            <a:endParaRPr/>
-          </a:p>
-          <a:p>
-            <a:pPr>
-              <a:buSzPct val="45000"/>
-              <a:buFont typeface="StarSymbol"/>
-              <a:buChar char=""/>
-            </a:pPr>
-            <a:r>
-              <a:rPr lang="en-IE" sz="3200">
-                <a:latin typeface="Arial"/>
-              </a:rPr>
-              <a:t>Cache</a:t>
-            </a:r>
-            <a:endParaRPr/>
-          </a:p>
-          <a:p>
-            <a:pPr>
-              <a:buSzPct val="45000"/>
-              <a:buFont typeface="StarSymbol"/>
-              <a:buChar char=""/>
-            </a:pPr>
-            <a:r>
-              <a:rPr lang="en-IE" sz="3200">
-                <a:latin typeface="Arial"/>
-              </a:rPr>
-              <a:t>Repository</a:t>
-            </a:r>
-            <a:endParaRPr/>
-          </a:p>
-          <a:p>
-            <a:pPr>
-              <a:buSzPct val="45000"/>
-              <a:buFont typeface="StarSymbol"/>
-              <a:buChar char=""/>
-            </a:pPr>
-            <a:r>
-              <a:rPr lang="en-IE" sz="3200">
-                <a:latin typeface="Arial"/>
-              </a:rPr>
-              <a:t>Images</a:t>
-            </a:r>
-            <a:endParaRPr/>
-          </a:p>
-          <a:p>
-            <a:pPr>
-              <a:buSzPct val="45000"/>
-              <a:buFont typeface="StarSymbol"/>
-              <a:buChar char=""/>
-            </a:pPr>
-            <a:r>
-              <a:rPr lang="en-IE" sz="3200">
-                <a:latin typeface="Arial"/>
-              </a:rPr>
-              <a:t>Registry</a:t>
-            </a:r>
-            <a:endParaRPr/>
-          </a:p>
-        </p:txBody>
-      </p:sp>
-    </p:spTree>
-  </p:cSld>
-</p:sld>
-</file>
-
-<file path=ppt/slides/slide11.xml><?xml version="1.0" encoding="utf-8"?>
-<p:sld xmlns:a="http://schemas.openxmlformats.org/drawingml/2006/main" xmlns:p="http://schemas.openxmlformats.org/presentationml/2006/main" xmlns:r="http://schemas.openxmlformats.org/officeDocument/2006/relationships">
-  <p:cSld>
-    <p:spTree>
-      <p:nvGrpSpPr>
-        <p:cNvPr id="1" name=""/>
-        <p:cNvGrpSpPr/>
-        <p:nvPr/>
-      </p:nvGrpSpPr>
-      <p:grpSpPr>
-        <a:xfrm>
-          <a:off x="0" y="0"/>
-          <a:ext cx="0" cy="0"/>
-          <a:chOff x="0" y="0"/>
-          <a:chExt cx="0" cy="0"/>
-        </a:xfrm>
-      </p:grpSpPr>
-      <p:sp>
-        <p:nvSpPr>
-          <p:cNvPr id="59" name="TextShape 1"/>
-          <p:cNvSpPr txBox="1"/>
-          <p:nvPr/>
-        </p:nvSpPr>
-        <p:spPr>
-          <a:xfrm>
-            <a:off x="504000" y="301320"/>
-            <a:ext cx="9071640" cy="1262160"/>
-          </a:xfrm>
-          <a:prstGeom prst="rect">
-            <a:avLst/>
-          </a:prstGeom>
-        </p:spPr>
-        <p:txBody>
-          <a:bodyPr lIns="0" rIns="0" tIns="0" bIns="0" anchor="ctr"/>
-          <a:p>
-            <a:pPr algn="ctr"/>
-            <a:r>
-              <a:rPr lang="en-IE" sz="4400">
-                <a:latin typeface="Arial"/>
-              </a:rPr>
-              <a:t>Docker components</a:t>
-            </a:r>
-            <a:endParaRPr/>
-          </a:p>
-        </p:txBody>
-      </p:sp>
-      <p:pic>
-        <p:nvPicPr>
-          <p:cNvPr id="60" name="" descr=""/>
-          <p:cNvPicPr/>
-          <p:nvPr/>
-        </p:nvPicPr>
-        <p:blipFill>
-          <a:blip r:embed="rId1"/>
-          <a:stretch>
-            <a:fillRect/>
-          </a:stretch>
-        </p:blipFill>
-        <p:spPr>
-          <a:xfrm>
-            <a:off x="2377800" y="3240"/>
-            <a:ext cx="5344560" cy="7559640"/>
-          </a:xfrm>
-          <a:prstGeom prst="rect">
-            <a:avLst/>
-          </a:prstGeom>
-          <a:ln>
-            <a:noFill/>
-          </a:ln>
-        </p:spPr>
-      </p:pic>
-    </p:spTree>
-  </p:cSld>
-</p:sld>
-</file>
-
-<file path=ppt/slides/slide12.xml><?xml version="1.0" encoding="utf-8"?>
-<p:sld xmlns:a="http://schemas.openxmlformats.org/drawingml/2006/main" xmlns:p="http://schemas.openxmlformats.org/presentationml/2006/main" xmlns:r="http://schemas.openxmlformats.org/officeDocument/2006/relationships">
-  <p:cSld>
-    <p:spTree>
-      <p:nvGrpSpPr>
-        <p:cNvPr id="1" name=""/>
-        <p:cNvGrpSpPr/>
-        <p:nvPr/>
-      </p:nvGrpSpPr>
-      <p:grpSpPr>
-        <a:xfrm>
-          <a:off x="0" y="0"/>
-          <a:ext cx="0" cy="0"/>
-          <a:chOff x="0" y="0"/>
-          <a:chExt cx="0" cy="0"/>
-        </a:xfrm>
-      </p:grpSpPr>
-      <p:sp>
-        <p:nvSpPr>
-          <p:cNvPr id="61" name="TextShape 1"/>
-          <p:cNvSpPr txBox="1"/>
-          <p:nvPr/>
-        </p:nvSpPr>
-        <p:spPr>
-          <a:xfrm>
-            <a:off x="504000" y="301320"/>
-            <a:ext cx="9071640" cy="1262160"/>
-          </a:xfrm>
-          <a:prstGeom prst="rect">
-            <a:avLst/>
-          </a:prstGeom>
-        </p:spPr>
-        <p:txBody>
-          <a:bodyPr lIns="0" rIns="0" tIns="0" bIns="0" anchor="ctr"/>
-          <a:p>
-            <a:pPr algn="ctr"/>
-            <a:r>
-              <a:rPr lang="en-IE" sz="4400">
-                <a:latin typeface="Arial"/>
-              </a:rPr>
-              <a:t>Installation</a:t>
-            </a:r>
-            <a:endParaRPr/>
-          </a:p>
-        </p:txBody>
-      </p:sp>
-      <p:sp>
-        <p:nvSpPr>
-          <p:cNvPr id="62" name="TextShape 2"/>
-          <p:cNvSpPr txBox="1"/>
-          <p:nvPr/>
-        </p:nvSpPr>
-        <p:spPr>
-          <a:xfrm>
-            <a:off x="504000" y="1769040"/>
-            <a:ext cx="9071640" cy="4384440"/>
-          </a:xfrm>
-          <a:prstGeom prst="rect">
-            <a:avLst/>
-          </a:prstGeom>
-        </p:spPr>
-        <p:txBody>
-          <a:bodyPr lIns="0" rIns="0" tIns="0" bIns="0"/>
-          <a:p>
-            <a:pPr>
-              <a:buSzPct val="45000"/>
-              <a:buFont typeface="StarSymbol"/>
-              <a:buChar char=""/>
-            </a:pPr>
-            <a:r>
-              <a:rPr lang="en-IE" sz="3200">
-                <a:latin typeface="Arial"/>
-              </a:rPr>
-              <a:t>Boot2docker</a:t>
-            </a:r>
-            <a:endParaRPr/>
-          </a:p>
-          <a:p>
-            <a:pPr lvl="1">
-              <a:buSzPct val="75000"/>
-              <a:buFont typeface="StarSymbol"/>
-              <a:buChar char=""/>
-            </a:pPr>
-            <a:r>
-              <a:rPr lang="en-IE" sz="2800">
-                <a:latin typeface="Arial"/>
-              </a:rPr>
-              <a:t>Windows and OS XLinux</a:t>
-            </a:r>
-            <a:endParaRPr/>
-          </a:p>
-          <a:p>
-            <a:pPr>
-              <a:buSzPct val="45000"/>
-              <a:buFont typeface="StarSymbol"/>
-              <a:buChar char=""/>
-            </a:pPr>
-            <a:endParaRPr/>
-          </a:p>
-          <a:p>
-            <a:pPr>
-              <a:buSzPct val="45000"/>
-              <a:buFont typeface="StarSymbol"/>
-              <a:buChar char=""/>
-            </a:pPr>
-            <a:r>
-              <a:rPr lang="en-IE" sz="3200">
-                <a:latin typeface="Arial"/>
-              </a:rPr>
-              <a:t>Linux</a:t>
-            </a:r>
-            <a:endParaRPr/>
-          </a:p>
-          <a:p>
-            <a:pPr lvl="1">
-              <a:buSzPct val="75000"/>
-              <a:buFont typeface="StarSymbol"/>
-              <a:buChar char=""/>
-            </a:pPr>
-            <a:r>
-              <a:rPr lang="en-IE" sz="2800">
-                <a:latin typeface="Arial"/>
-              </a:rPr>
-              <a:t>Use docker package repository</a:t>
-            </a:r>
-            <a:endParaRPr/>
-          </a:p>
-          <a:p>
-            <a:pPr lvl="1">
-              <a:buSzPct val="75000"/>
-              <a:buFont typeface="StarSymbol"/>
-              <a:buChar char=""/>
-            </a:pPr>
-            <a:endParaRPr/>
-          </a:p>
-        </p:txBody>
-      </p:sp>
-    </p:spTree>
-  </p:cSld>
-</p:sld>
-</file>
-
-<file path=ppt/slides/slide13.xml><?xml version="1.0" encoding="utf-8"?>
-<p:sld xmlns:a="http://schemas.openxmlformats.org/drawingml/2006/main" xmlns:p="http://schemas.openxmlformats.org/presentationml/2006/main" xmlns:r="http://schemas.openxmlformats.org/officeDocument/2006/relationships">
-  <p:cSld>
-    <p:spTree>
-      <p:nvGrpSpPr>
-        <p:cNvPr id="1" name=""/>
-        <p:cNvGrpSpPr/>
-        <p:nvPr/>
-      </p:nvGrpSpPr>
-      <p:grpSpPr>
-        <a:xfrm>
-          <a:off x="0" y="0"/>
-          <a:ext cx="0" cy="0"/>
-          <a:chOff x="0" y="0"/>
-          <a:chExt cx="0" cy="0"/>
-        </a:xfrm>
-      </p:grpSpPr>
-      <p:sp>
-        <p:nvSpPr>
-          <p:cNvPr id="63" name="TextShape 1"/>
-          <p:cNvSpPr txBox="1"/>
-          <p:nvPr/>
-        </p:nvSpPr>
-        <p:spPr>
-          <a:xfrm>
-            <a:off x="504000" y="301320"/>
-            <a:ext cx="9071640" cy="1262160"/>
-          </a:xfrm>
-          <a:prstGeom prst="rect">
-            <a:avLst/>
-          </a:prstGeom>
-        </p:spPr>
-        <p:txBody>
-          <a:bodyPr lIns="0" rIns="0" tIns="0" bIns="0" anchor="ctr"/>
-          <a:p>
-            <a:pPr algn="ctr">
-              <a:buSzPct val="45000"/>
-              <a:buFont typeface="StarSymbol"/>
-              <a:buChar char=""/>
-            </a:pPr>
-            <a:r>
-              <a:rPr lang="en-IE" sz="4400">
-                <a:latin typeface="Arial"/>
-              </a:rPr>
-              <a:t>Demo1 – interactive bash</a:t>
-            </a:r>
-            <a:endParaRPr/>
-          </a:p>
-        </p:txBody>
-      </p:sp>
-      <p:sp>
-        <p:nvSpPr>
-          <p:cNvPr id="64" name="TextShape 2"/>
-          <p:cNvSpPr txBox="1"/>
-          <p:nvPr/>
-        </p:nvSpPr>
-        <p:spPr>
-          <a:xfrm>
-            <a:off x="504000" y="1769040"/>
-            <a:ext cx="9071640" cy="4384440"/>
-          </a:xfrm>
-          <a:prstGeom prst="rect">
-            <a:avLst/>
-          </a:prstGeom>
-        </p:spPr>
-        <p:txBody>
-          <a:bodyPr lIns="0" rIns="0" tIns="0" bIns="0"/>
-          <a:p>
-            <a:pPr>
-              <a:buSzPct val="45000"/>
-              <a:buFont typeface="StarSymbol"/>
-              <a:buChar char=""/>
-            </a:pPr>
-            <a:r>
-              <a:rPr lang="en-IE" sz="3200">
-                <a:latin typeface="Arial"/>
-              </a:rPr>
-              <a:t>docker –help</a:t>
-            </a:r>
-            <a:endParaRPr/>
-          </a:p>
-          <a:p>
-            <a:pPr>
-              <a:buSzPct val="45000"/>
-              <a:buFont typeface="StarSymbol"/>
-              <a:buChar char=""/>
-            </a:pPr>
-            <a:r>
-              <a:rPr lang="en-IE" sz="3200">
-                <a:latin typeface="Arial"/>
-              </a:rPr>
-              <a:t>docker run –help</a:t>
-            </a:r>
-            <a:endParaRPr/>
-          </a:p>
-          <a:p>
-            <a:pPr>
-              <a:buSzPct val="45000"/>
-              <a:buFont typeface="StarSymbol"/>
-              <a:buChar char=""/>
-            </a:pPr>
-            <a:endParaRPr/>
-          </a:p>
-          <a:p>
-            <a:pPr>
-              <a:buSzPct val="45000"/>
-              <a:buFont typeface="StarSymbol"/>
-              <a:buChar char=""/>
-            </a:pPr>
-            <a:r>
-              <a:rPr lang="en-IE" sz="3200">
-                <a:latin typeface="Arial"/>
-              </a:rPr>
-              <a:t>docker run -t -i ubuntu bash</a:t>
-            </a:r>
-            <a:endParaRPr/>
-          </a:p>
-          <a:p>
-            <a:pPr>
-              <a:buSzPct val="45000"/>
-              <a:buFont typeface="StarSymbol"/>
-              <a:buChar char=""/>
-            </a:pPr>
-            <a:r>
-              <a:rPr lang="en-IE" sz="3200">
-                <a:latin typeface="Arial"/>
-              </a:rPr>
-              <a:t>docker ps</a:t>
-            </a:r>
-            <a:endParaRPr/>
-          </a:p>
-          <a:p>
-            <a:pPr>
-              <a:buSzPct val="45000"/>
-              <a:buFont typeface="StarSymbol"/>
-              <a:buChar char=""/>
-            </a:pPr>
-            <a:r>
-              <a:rPr lang="en-IE" sz="3200">
-                <a:latin typeface="Arial"/>
-              </a:rPr>
-              <a:t>docker stop [cid]</a:t>
-            </a:r>
-            <a:endParaRPr/>
-          </a:p>
-          <a:p>
-            <a:pPr>
-              <a:buSzPct val="45000"/>
-              <a:buFont typeface="StarSymbol"/>
-              <a:buChar char=""/>
-            </a:pPr>
-            <a:r>
-              <a:rPr lang="en-IE" sz="3200">
-                <a:latin typeface="Arial"/>
-              </a:rPr>
-              <a:t>docker ps</a:t>
-            </a:r>
-            <a:endParaRPr/>
-          </a:p>
-          <a:p>
-            <a:pPr>
-              <a:buSzPct val="45000"/>
-              <a:buFont typeface="StarSymbol"/>
-              <a:buChar char=""/>
-            </a:pPr>
-            <a:r>
-              <a:rPr lang="en-IE" sz="3200">
-                <a:latin typeface="Arial"/>
-              </a:rPr>
-              <a:t>docker ps -a</a:t>
-            </a:r>
-            <a:endParaRPr/>
-          </a:p>
-          <a:p>
-            <a:pPr>
-              <a:buSzPct val="45000"/>
-              <a:buFont typeface="StarSymbol"/>
-              <a:buChar char=""/>
-            </a:pPr>
-            <a:r>
-              <a:rPr lang="en-IE" sz="3200">
-                <a:latin typeface="Arial"/>
-              </a:rPr>
-              <a:t>docker rm</a:t>
-            </a:r>
-            <a:endParaRPr/>
-          </a:p>
-          <a:p>
-            <a:pPr>
-              <a:buSzPct val="45000"/>
-              <a:buFont typeface="StarSymbol"/>
-              <a:buChar char=""/>
-            </a:pPr>
-            <a:r>
-              <a:rPr lang="en-IE" sz="3200">
-                <a:latin typeface="Arial"/>
-              </a:rPr>
-              <a:t>docker ps -a</a:t>
-            </a:r>
-            <a:endParaRPr/>
-          </a:p>
-          <a:p>
-            <a:pPr>
-              <a:buSzPct val="45000"/>
-              <a:buFont typeface="StarSymbol"/>
-              <a:buChar char=""/>
-            </a:pPr>
-            <a:endParaRPr/>
-          </a:p>
-        </p:txBody>
-      </p:sp>
-    </p:spTree>
-  </p:cSld>
-</p:sld>
-</file>
-
-<file path=ppt/slides/slide14.xml><?xml version="1.0" encoding="utf-8"?>
-<p:sld xmlns:a="http://schemas.openxmlformats.org/drawingml/2006/main" xmlns:p="http://schemas.openxmlformats.org/presentationml/2006/main" xmlns:r="http://schemas.openxmlformats.org/officeDocument/2006/relationships">
-  <p:cSld>
-    <p:spTree>
-      <p:nvGrpSpPr>
-        <p:cNvPr id="1" name=""/>
-        <p:cNvGrpSpPr/>
-        <p:nvPr/>
-      </p:nvGrpSpPr>
-      <p:grpSpPr>
-        <a:xfrm>
-          <a:off x="0" y="0"/>
-          <a:ext cx="0" cy="0"/>
-          <a:chOff x="0" y="0"/>
-          <a:chExt cx="0" cy="0"/>
-        </a:xfrm>
-      </p:grpSpPr>
-      <p:sp>
-        <p:nvSpPr>
-          <p:cNvPr id="65" name="TextShape 1"/>
-          <p:cNvSpPr txBox="1"/>
-          <p:nvPr/>
-        </p:nvSpPr>
-        <p:spPr>
-          <a:xfrm>
-            <a:off x="504000" y="301320"/>
-            <a:ext cx="9071640" cy="1262160"/>
-          </a:xfrm>
-          <a:prstGeom prst="rect">
-            <a:avLst/>
-          </a:prstGeom>
-        </p:spPr>
-        <p:txBody>
-          <a:bodyPr lIns="0" rIns="0" tIns="0" bIns="0" anchor="ctr"/>
-          <a:p>
-            <a:pPr algn="ctr"/>
-            <a:r>
-              <a:rPr lang="en-IE" sz="4400">
-                <a:latin typeface="Arial"/>
-              </a:rPr>
-              <a:t>Demo2 – mono app running on EC2</a:t>
-            </a:r>
-            <a:endParaRPr/>
-          </a:p>
-        </p:txBody>
-      </p:sp>
-      <p:sp>
-        <p:nvSpPr>
-          <p:cNvPr id="66" name="TextShape 2"/>
-          <p:cNvSpPr txBox="1"/>
-          <p:nvPr/>
-        </p:nvSpPr>
-        <p:spPr>
-          <a:xfrm>
-            <a:off x="504000" y="1769040"/>
-            <a:ext cx="9071640" cy="4384440"/>
-          </a:xfrm>
-          <a:prstGeom prst="rect">
-            <a:avLst/>
-          </a:prstGeom>
-        </p:spPr>
-        <p:txBody>
-          <a:bodyPr lIns="0" rIns="0" tIns="0" bIns="0"/>
-          <a:p>
-            <a:pPr>
-              <a:buSzPct val="45000"/>
-              <a:buFont typeface="StarSymbol"/>
-              <a:buChar char=""/>
-            </a:pPr>
-            <a:r>
-              <a:rPr lang="en-IE" sz="3200">
-                <a:latin typeface="Arial"/>
-              </a:rPr>
-              <a:t>.NET application</a:t>
-            </a:r>
-            <a:endParaRPr/>
-          </a:p>
-          <a:p>
-            <a:pPr>
-              <a:buSzPct val="45000"/>
-              <a:buFont typeface="StarSymbol"/>
-              <a:buChar char=""/>
-            </a:pPr>
-            <a:r>
-              <a:rPr lang="en-IE" sz="3200">
-                <a:latin typeface="Arial"/>
-              </a:rPr>
-              <a:t>Dockerfile </a:t>
-            </a:r>
-            <a:endParaRPr/>
-          </a:p>
-          <a:p>
-            <a:pPr>
-              <a:buSzPct val="45000"/>
-              <a:buFont typeface="StarSymbol"/>
-              <a:buChar char=""/>
-            </a:pPr>
-            <a:r>
-              <a:rPr lang="en-IE" sz="3200">
-                <a:latin typeface="Arial"/>
-              </a:rPr>
-              <a:t>Build a local image</a:t>
-            </a:r>
-            <a:endParaRPr/>
-          </a:p>
-          <a:p>
-            <a:pPr>
-              <a:buSzPct val="45000"/>
-              <a:buFont typeface="StarSymbol"/>
-              <a:buChar char=""/>
-            </a:pPr>
-            <a:r>
-              <a:rPr lang="en-IE" sz="3200">
-                <a:latin typeface="Arial"/>
-              </a:rPr>
-              <a:t>Run a local container instance</a:t>
-            </a:r>
-            <a:endParaRPr/>
-          </a:p>
-          <a:p>
-            <a:pPr>
-              <a:buSzPct val="45000"/>
-              <a:buFont typeface="StarSymbol"/>
-              <a:buChar char=""/>
-            </a:pPr>
-            <a:r>
-              <a:rPr lang="en-IE" sz="3200">
-                <a:latin typeface="Arial"/>
-              </a:rPr>
-              <a:t>Push image to dockerhub registry</a:t>
-            </a:r>
-            <a:endParaRPr/>
-          </a:p>
-          <a:p>
-            <a:pPr>
-              <a:buSzPct val="45000"/>
-              <a:buFont typeface="StarSymbol"/>
-              <a:buChar char=""/>
-            </a:pPr>
-            <a:r>
-              <a:rPr lang="en-IE" sz="3200">
-                <a:latin typeface="Arial"/>
-              </a:rPr>
-              <a:t>Run same image on EC2</a:t>
-            </a:r>
-            <a:endParaRPr/>
-          </a:p>
-        </p:txBody>
-      </p:sp>
-    </p:spTree>
-  </p:cSld>
-</p:sld>
-</file>
-
-<file path=ppt/slides/slide15.xml><?xml version="1.0" encoding="utf-8"?>
-<p:sld xmlns:a="http://schemas.openxmlformats.org/drawingml/2006/main" xmlns:p="http://schemas.openxmlformats.org/presentationml/2006/main" xmlns:r="http://schemas.openxmlformats.org/officeDocument/2006/relationships">
-  <p:cSld>
-    <p:spTree>
-      <p:nvGrpSpPr>
-        <p:cNvPr id="1" name=""/>
-        <p:cNvGrpSpPr/>
-        <p:nvPr/>
-      </p:nvGrpSpPr>
-      <p:grpSpPr>
-        <a:xfrm>
-          <a:off x="0" y="0"/>
-          <a:ext cx="0" cy="0"/>
-          <a:chOff x="0" y="0"/>
-          <a:chExt cx="0" cy="0"/>
-        </a:xfrm>
-      </p:grpSpPr>
-      <p:sp>
-        <p:nvSpPr>
-          <p:cNvPr id="67" name="TextShape 1"/>
-          <p:cNvSpPr txBox="1"/>
-          <p:nvPr/>
-        </p:nvSpPr>
-        <p:spPr>
-          <a:xfrm>
-            <a:off x="504000" y="301320"/>
-            <a:ext cx="9071640" cy="1262160"/>
-          </a:xfrm>
-          <a:prstGeom prst="rect">
-            <a:avLst/>
-          </a:prstGeom>
-        </p:spPr>
-        <p:txBody>
-          <a:bodyPr lIns="0" rIns="0" tIns="0" bIns="0" anchor="ctr"/>
-          <a:p>
-            <a:pPr algn="ctr"/>
-            <a:r>
-              <a:rPr lang="en-IE" sz="4400">
-                <a:latin typeface="Arial"/>
-              </a:rPr>
-              <a:t>.NET application</a:t>
-            </a:r>
-            <a:endParaRPr/>
-          </a:p>
-        </p:txBody>
-      </p:sp>
-      <p:sp>
-        <p:nvSpPr>
-          <p:cNvPr id="68" name="TextShape 2"/>
-          <p:cNvSpPr txBox="1"/>
-          <p:nvPr/>
-        </p:nvSpPr>
-        <p:spPr>
-          <a:xfrm>
-            <a:off x="504000" y="1769040"/>
-            <a:ext cx="9071640" cy="4384440"/>
-          </a:xfrm>
-          <a:prstGeom prst="rect">
-            <a:avLst/>
-          </a:prstGeom>
-        </p:spPr>
-        <p:txBody>
-          <a:bodyPr lIns="0" rIns="0" tIns="0" bIns="0"/>
-          <a:p>
-            <a:pPr>
-              <a:buSzPct val="45000"/>
-              <a:buFont typeface="StarSymbol"/>
-              <a:buChar char=""/>
-            </a:pPr>
-            <a:r>
-              <a:rPr lang="en-IE" sz="3200">
-                <a:latin typeface="Arial"/>
-              </a:rPr>
-              <a:t>Infinite loop</a:t>
-            </a:r>
-            <a:endParaRPr/>
-          </a:p>
-          <a:p>
-            <a:pPr>
-              <a:buSzPct val="45000"/>
-              <a:buFont typeface="StarSymbol"/>
-              <a:buChar char=""/>
-            </a:pPr>
-            <a:r>
-              <a:rPr lang="en-IE" sz="3200">
-                <a:latin typeface="Arial"/>
-              </a:rPr>
-              <a:t>Writes environment information to stdout</a:t>
-            </a:r>
-            <a:endParaRPr/>
-          </a:p>
-        </p:txBody>
-      </p:sp>
-    </p:spTree>
-  </p:cSld>
-</p:sld>
-</file>
-
-<file path=ppt/slides/slide16.xml><?xml version="1.0" encoding="utf-8"?>
-<p:sld xmlns:a="http://schemas.openxmlformats.org/drawingml/2006/main" xmlns:p="http://schemas.openxmlformats.org/presentationml/2006/main" xmlns:r="http://schemas.openxmlformats.org/officeDocument/2006/relationships">
-  <p:cSld>
-    <p:spTree>
-      <p:nvGrpSpPr>
-        <p:cNvPr id="1" name=""/>
-        <p:cNvGrpSpPr/>
-        <p:nvPr/>
-      </p:nvGrpSpPr>
-      <p:grpSpPr>
-        <a:xfrm>
-          <a:off x="0" y="0"/>
-          <a:ext cx="0" cy="0"/>
-          <a:chOff x="0" y="0"/>
-          <a:chExt cx="0" cy="0"/>
-        </a:xfrm>
-      </p:grpSpPr>
-      <p:sp>
-        <p:nvSpPr>
-          <p:cNvPr id="69" name="TextShape 1"/>
-          <p:cNvSpPr txBox="1"/>
-          <p:nvPr/>
-        </p:nvSpPr>
-        <p:spPr>
-          <a:xfrm>
-            <a:off x="504000" y="301320"/>
-            <a:ext cx="9071640" cy="1262160"/>
-          </a:xfrm>
-          <a:prstGeom prst="rect">
-            <a:avLst/>
-          </a:prstGeom>
-        </p:spPr>
-        <p:txBody>
-          <a:bodyPr lIns="0" rIns="0" tIns="0" bIns="0" anchor="ctr"/>
-          <a:p>
-            <a:pPr algn="ctr"/>
-            <a:r>
-              <a:rPr lang="en-IE" sz="4400">
-                <a:latin typeface="Arial"/>
-              </a:rPr>
-              <a:t>Dockerfile</a:t>
-            </a:r>
-            <a:endParaRPr/>
-          </a:p>
-        </p:txBody>
-      </p:sp>
-      <p:sp>
-        <p:nvSpPr>
-          <p:cNvPr id="70" name="TextShape 2"/>
-          <p:cNvSpPr txBox="1"/>
-          <p:nvPr/>
-        </p:nvSpPr>
-        <p:spPr>
-          <a:xfrm>
-            <a:off x="504000" y="1769040"/>
-            <a:ext cx="9071640" cy="4384440"/>
-          </a:xfrm>
-          <a:prstGeom prst="rect">
-            <a:avLst/>
-          </a:prstGeom>
-        </p:spPr>
-        <p:txBody>
-          <a:bodyPr lIns="0" rIns="0" tIns="0" bIns="0"/>
-          <a:p>
-            <a:pPr>
-              <a:buSzPct val="45000"/>
-              <a:buFont typeface="StarSymbol"/>
-              <a:buChar char=""/>
-            </a:pPr>
-            <a:r>
-              <a:rPr lang="en-IE" sz="3200">
-                <a:latin typeface="Arial"/>
-              </a:rPr>
-              <a:t>FROM mono:3.10</a:t>
-            </a:r>
-            <a:endParaRPr/>
-          </a:p>
-          <a:p>
-            <a:pPr>
-              <a:buSzPct val="45000"/>
-              <a:buFont typeface="StarSymbol"/>
-              <a:buChar char=""/>
-            </a:pPr>
-            <a:r>
-              <a:rPr lang="en-IE" sz="3200">
-                <a:latin typeface="Arial"/>
-              </a:rPr>
-              <a:t>ADD app.cs /app/</a:t>
-            </a:r>
-            <a:endParaRPr/>
-          </a:p>
-          <a:p>
-            <a:pPr>
-              <a:buSzPct val="45000"/>
-              <a:buFont typeface="StarSymbol"/>
-              <a:buChar char=""/>
-            </a:pPr>
-            <a:r>
-              <a:rPr lang="en-IE" sz="3200">
-                <a:latin typeface="Arial"/>
-              </a:rPr>
-              <a:t>RUN cd /app &amp;&amp; mcs app.cs</a:t>
-            </a:r>
-            <a:endParaRPr/>
-          </a:p>
-          <a:p>
-            <a:pPr>
-              <a:buSzPct val="45000"/>
-              <a:buFont typeface="StarSymbol"/>
-              <a:buChar char=""/>
-            </a:pPr>
-            <a:r>
-              <a:rPr lang="en-IE" sz="3200">
-                <a:latin typeface="Arial"/>
-              </a:rPr>
-              <a:t>ENTRYPOINT ["mono", "/app/app.exe"]</a:t>
-            </a:r>
-            <a:endParaRPr/>
-          </a:p>
-        </p:txBody>
-      </p:sp>
-    </p:spTree>
-  </p:cSld>
-</p:sld>
-</file>
-
-<file path=ppt/slides/slide17.xml><?xml version="1.0" encoding="utf-8"?>
-<p:sld xmlns:a="http://schemas.openxmlformats.org/drawingml/2006/main" xmlns:p="http://schemas.openxmlformats.org/presentationml/2006/main" xmlns:r="http://schemas.openxmlformats.org/officeDocument/2006/relationships">
-  <p:cSld>
-    <p:spTree>
-      <p:nvGrpSpPr>
-        <p:cNvPr id="1" name=""/>
-        <p:cNvGrpSpPr/>
-        <p:nvPr/>
-      </p:nvGrpSpPr>
-      <p:grpSpPr>
-        <a:xfrm>
-          <a:off x="0" y="0"/>
-          <a:ext cx="0" cy="0"/>
-          <a:chOff x="0" y="0"/>
-          <a:chExt cx="0" cy="0"/>
-        </a:xfrm>
-      </p:grpSpPr>
-      <p:sp>
-        <p:nvSpPr>
-          <p:cNvPr id="71" name="TextShape 1"/>
-          <p:cNvSpPr txBox="1"/>
-          <p:nvPr/>
-        </p:nvSpPr>
-        <p:spPr>
-          <a:xfrm>
-            <a:off x="504000" y="301320"/>
-            <a:ext cx="9071640" cy="1262160"/>
-          </a:xfrm>
-          <a:prstGeom prst="rect">
-            <a:avLst/>
-          </a:prstGeom>
-        </p:spPr>
-        <p:txBody>
-          <a:bodyPr lIns="0" rIns="0" tIns="0" bIns="0" anchor="ctr"/>
-          <a:p>
-            <a:pPr algn="ctr"/>
-            <a:r>
-              <a:rPr lang="en-IE" sz="4400">
-                <a:latin typeface="Arial"/>
-              </a:rPr>
-              <a:t>Build image</a:t>
-            </a:r>
-            <a:endParaRPr/>
-          </a:p>
-        </p:txBody>
-      </p:sp>
-      <p:sp>
-        <p:nvSpPr>
-          <p:cNvPr id="72" name="TextShape 2"/>
-          <p:cNvSpPr txBox="1"/>
-          <p:nvPr/>
-        </p:nvSpPr>
-        <p:spPr>
-          <a:xfrm>
-            <a:off x="504000" y="1769040"/>
-            <a:ext cx="9071640" cy="4384440"/>
-          </a:xfrm>
-          <a:prstGeom prst="rect">
-            <a:avLst/>
-          </a:prstGeom>
-        </p:spPr>
-        <p:txBody>
-          <a:bodyPr lIns="0" rIns="0" tIns="0" bIns="0"/>
-          <a:p>
-            <a:pPr>
-              <a:buSzPct val="45000"/>
-              <a:buFont typeface="StarSymbol"/>
-              <a:buChar char=""/>
-            </a:pPr>
-            <a:r>
-              <a:rPr lang="en-IE" sz="3200">
-                <a:latin typeface="Arial"/>
-              </a:rPr>
-              <a:t>docker build -t pmcgrath/mono:v1 .</a:t>
-            </a:r>
-            <a:endParaRPr/>
-          </a:p>
-          <a:p>
-            <a:pPr>
-              <a:buSzPct val="45000"/>
-              <a:buFont typeface="StarSymbol"/>
-              <a:buChar char=""/>
-            </a:pPr>
-            <a:endParaRPr/>
-          </a:p>
-          <a:p>
-            <a:pPr>
-              <a:buSzPct val="45000"/>
-              <a:buFont typeface="StarSymbol"/>
-              <a:buChar char=""/>
-            </a:pPr>
-            <a:r>
-              <a:rPr lang="en-IE" sz="3200">
-                <a:latin typeface="Arial"/>
-              </a:rPr>
-              <a:t>docker images</a:t>
-            </a:r>
-            <a:endParaRPr/>
-          </a:p>
-          <a:p>
-            <a:pPr>
-              <a:buSzPct val="45000"/>
-              <a:buFont typeface="StarSymbol"/>
-              <a:buChar char=""/>
-            </a:pPr>
-            <a:r>
-              <a:rPr lang="en-IE" sz="3200">
-                <a:latin typeface="Arial"/>
-              </a:rPr>
-              <a:t>docker history pmcgrath/mono:v1</a:t>
-            </a:r>
-            <a:endParaRPr/>
-          </a:p>
-        </p:txBody>
-      </p:sp>
-    </p:spTree>
-  </p:cSld>
-</p:sld>
-</file>
-
-<file path=ppt/slides/slide18.xml><?xml version="1.0" encoding="utf-8"?>
-<p:sld xmlns:a="http://schemas.openxmlformats.org/drawingml/2006/main" xmlns:p="http://schemas.openxmlformats.org/presentationml/2006/main" xmlns:r="http://schemas.openxmlformats.org/officeDocument/2006/relationships">
-  <p:cSld>
-    <p:spTree>
-      <p:nvGrpSpPr>
-        <p:cNvPr id="1" name=""/>
-        <p:cNvGrpSpPr/>
-        <p:nvPr/>
-      </p:nvGrpSpPr>
-      <p:grpSpPr>
-        <a:xfrm>
-          <a:off x="0" y="0"/>
-          <a:ext cx="0" cy="0"/>
-          <a:chOff x="0" y="0"/>
-          <a:chExt cx="0" cy="0"/>
-        </a:xfrm>
-      </p:grpSpPr>
-      <p:sp>
-        <p:nvSpPr>
-          <p:cNvPr id="73" name="TextShape 1"/>
-          <p:cNvSpPr txBox="1"/>
-          <p:nvPr/>
-        </p:nvSpPr>
-        <p:spPr>
-          <a:xfrm>
-            <a:off x="504000" y="301320"/>
-            <a:ext cx="9071640" cy="1262160"/>
-          </a:xfrm>
-          <a:prstGeom prst="rect">
-            <a:avLst/>
-          </a:prstGeom>
-        </p:spPr>
-        <p:txBody>
-          <a:bodyPr lIns="0" rIns="0" tIns="0" bIns="0" anchor="ctr"/>
-          <a:p>
-            <a:pPr algn="ctr"/>
-            <a:r>
-              <a:rPr lang="en-IE" sz="4400">
-                <a:latin typeface="Arial"/>
-              </a:rPr>
-              <a:t>Dockerfile instruction 1 of 4</a:t>
-            </a:r>
-            <a:endParaRPr/>
-          </a:p>
-        </p:txBody>
-      </p:sp>
-      <p:pic>
-        <p:nvPicPr>
-          <p:cNvPr id="74" name="" descr=""/>
-          <p:cNvPicPr/>
-          <p:nvPr/>
-        </p:nvPicPr>
-        <p:blipFill>
-          <a:blip r:embed="rId1"/>
-          <a:stretch>
-            <a:fillRect/>
-          </a:stretch>
-        </p:blipFill>
-        <p:spPr>
-          <a:xfrm>
-            <a:off x="3489840" y="1768680"/>
-            <a:ext cx="3099600" cy="4384440"/>
-          </a:xfrm>
-          <a:prstGeom prst="rect">
-            <a:avLst/>
-          </a:prstGeom>
-          <a:ln>
-            <a:noFill/>
-          </a:ln>
-        </p:spPr>
-      </p:pic>
-    </p:spTree>
-  </p:cSld>
-</p:sld>
-</file>
-
-<file path=ppt/slides/slide19.xml><?xml version="1.0" encoding="utf-8"?>
-<p:sld xmlns:a="http://schemas.openxmlformats.org/drawingml/2006/main" xmlns:p="http://schemas.openxmlformats.org/presentationml/2006/main" xmlns:r="http://schemas.openxmlformats.org/officeDocument/2006/relationships">
-  <p:cSld>
-    <p:spTree>
-      <p:nvGrpSpPr>
-        <p:cNvPr id="1" name=""/>
-        <p:cNvGrpSpPr/>
-        <p:nvPr/>
-      </p:nvGrpSpPr>
-      <p:grpSpPr>
-        <a:xfrm>
-          <a:off x="0" y="0"/>
-          <a:ext cx="0" cy="0"/>
-          <a:chOff x="0" y="0"/>
-          <a:chExt cx="0" cy="0"/>
-        </a:xfrm>
-      </p:grpSpPr>
-      <p:sp>
-        <p:nvSpPr>
-          <p:cNvPr id="75" name="TextShape 1"/>
-          <p:cNvSpPr txBox="1"/>
-          <p:nvPr/>
-        </p:nvSpPr>
-        <p:spPr>
-          <a:xfrm>
-            <a:off x="504000" y="301320"/>
-            <a:ext cx="9071640" cy="1262160"/>
-          </a:xfrm>
-          <a:prstGeom prst="rect">
-            <a:avLst/>
-          </a:prstGeom>
-        </p:spPr>
-        <p:txBody>
-          <a:bodyPr lIns="0" rIns="0" tIns="0" bIns="0" anchor="ctr"/>
-          <a:p>
-            <a:pPr algn="ctr"/>
-            <a:r>
-              <a:rPr lang="en-IE" sz="4400">
-                <a:latin typeface="Arial"/>
-              </a:rPr>
-              <a:t>Dockerfile instruction 2 of 4</a:t>
-            </a:r>
-            <a:endParaRPr/>
-          </a:p>
-        </p:txBody>
-      </p:sp>
-      <p:pic>
-        <p:nvPicPr>
-          <p:cNvPr id="76" name="" descr=""/>
-          <p:cNvPicPr/>
-          <p:nvPr/>
-        </p:nvPicPr>
-        <p:blipFill>
-          <a:blip r:embed="rId1"/>
-          <a:stretch>
-            <a:fillRect/>
-          </a:stretch>
-        </p:blipFill>
-        <p:spPr>
-          <a:xfrm>
-            <a:off x="3489840" y="1768680"/>
-            <a:ext cx="3099600" cy="4384440"/>
-          </a:xfrm>
-          <a:prstGeom prst="rect">
-            <a:avLst/>
-          </a:prstGeom>
-          <a:ln>
-            <a:noFill/>
-          </a:ln>
-        </p:spPr>
-      </p:pic>
-    </p:spTree>
-  </p:cSld>
-</p:sld>
-</file>
-
-<file path=ppt/slides/slide2.xml><?xml version="1.0" encoding="utf-8"?>
-<p:sld xmlns:a="http://schemas.openxmlformats.org/drawingml/2006/main" xmlns:p="http://schemas.openxmlformats.org/presentationml/2006/main" xmlns:r="http://schemas.openxmlformats.org/officeDocument/2006/relationships">
-  <p:cSld>
-    <p:spTree>
-      <p:nvGrpSpPr>
-        <p:cNvPr id="1" name=""/>
-        <p:cNvGrpSpPr/>
-        <p:nvPr/>
-      </p:nvGrpSpPr>
-      <p:grpSpPr>
-        <a:xfrm>
-          <a:off x="0" y="0"/>
-          <a:ext cx="0" cy="0"/>
-          <a:chOff x="0" y="0"/>
-          <a:chExt cx="0" cy="0"/>
-        </a:xfrm>
-      </p:grpSpPr>
-      <p:sp>
-        <p:nvSpPr>
-          <p:cNvPr id="41" name="TextShape 1"/>
-          <p:cNvSpPr txBox="1"/>
-          <p:nvPr/>
-        </p:nvSpPr>
-        <p:spPr>
-          <a:xfrm>
-            <a:off x="504000" y="301320"/>
-            <a:ext cx="9071640" cy="1262160"/>
-          </a:xfrm>
-          <a:prstGeom prst="rect">
-            <a:avLst/>
-          </a:prstGeom>
-        </p:spPr>
-        <p:txBody>
-          <a:bodyPr lIns="0" rIns="0" tIns="0" bIns="0" anchor="ctr"/>
-          <a:p>
-            <a:pPr algn="ctr"/>
-            <a:r>
-              <a:rPr lang="en-IE" sz="4400">
-                <a:latin typeface="Arial"/>
-              </a:rPr>
-              <a:t>Agenda</a:t>
-            </a:r>
-            <a:endParaRPr/>
-          </a:p>
-        </p:txBody>
-      </p:sp>
-      <p:sp>
-        <p:nvSpPr>
-          <p:cNvPr id="42" name="TextShape 2"/>
-          <p:cNvSpPr txBox="1"/>
-          <p:nvPr/>
-        </p:nvSpPr>
-        <p:spPr>
-          <a:xfrm>
-            <a:off x="504000" y="1769040"/>
-            <a:ext cx="9071640" cy="4384440"/>
-          </a:xfrm>
-          <a:prstGeom prst="rect">
-            <a:avLst/>
-          </a:prstGeom>
-        </p:spPr>
-        <p:txBody>
-          <a:bodyPr lIns="0" rIns="0" tIns="0" bIns="0"/>
-          <a:p>
-            <a:pPr>
-              <a:buSzPct val="45000"/>
-              <a:buFont typeface="StarSymbol"/>
-              <a:buChar char=""/>
-            </a:pPr>
-            <a:r>
-              <a:rPr lang="en-IE" sz="3200">
-                <a:latin typeface="Arial"/>
-              </a:rPr>
-              <a:t>Brief overview of docker</a:t>
-            </a:r>
-            <a:endParaRPr/>
-          </a:p>
-          <a:p>
-            <a:pPr>
-              <a:buSzPct val="45000"/>
-              <a:buFont typeface="StarSymbol"/>
-              <a:buChar char=""/>
-            </a:pPr>
-            <a:r>
-              <a:rPr lang="en-IE" sz="3200">
-                <a:latin typeface="Arial"/>
-              </a:rPr>
-              <a:t>VMs</a:t>
-            </a:r>
-            <a:endParaRPr/>
-          </a:p>
-          <a:p>
-            <a:pPr>
-              <a:buSzPct val="45000"/>
-              <a:buFont typeface="StarSymbol"/>
-              <a:buChar char=""/>
-            </a:pPr>
-            <a:r>
-              <a:rPr lang="en-IE" sz="3200">
-                <a:latin typeface="Arial"/>
-              </a:rPr>
-              <a:t>Containers</a:t>
-            </a:r>
-            <a:endParaRPr/>
-          </a:p>
-          <a:p>
-            <a:pPr>
-              <a:buSzPct val="45000"/>
-              <a:buFont typeface="StarSymbol"/>
-              <a:buChar char=""/>
-            </a:pPr>
-            <a:r>
-              <a:rPr lang="en-IE" sz="3200">
-                <a:latin typeface="Arial"/>
-              </a:rPr>
-              <a:t>What docker adds</a:t>
-            </a:r>
-            <a:endParaRPr/>
-          </a:p>
-          <a:p>
-            <a:pPr>
-              <a:buSzPct val="45000"/>
-              <a:buFont typeface="StarSymbol"/>
-              <a:buChar char=""/>
-            </a:pPr>
-            <a:r>
-              <a:rPr lang="en-IE" sz="3200">
-                <a:latin typeface="Arial"/>
-              </a:rPr>
-              <a:t>Docker components</a:t>
-            </a:r>
-            <a:endParaRPr/>
-          </a:p>
-          <a:p>
-            <a:pPr>
-              <a:buSzPct val="45000"/>
-              <a:buFont typeface="StarSymbol"/>
-              <a:buChar char=""/>
-            </a:pPr>
-            <a:r>
-              <a:rPr lang="en-IE" sz="3200">
-                <a:latin typeface="Arial"/>
-              </a:rPr>
-              <a:t>Installation</a:t>
-            </a:r>
-            <a:endParaRPr/>
-          </a:p>
-          <a:p>
-            <a:pPr>
-              <a:buSzPct val="45000"/>
-              <a:buFont typeface="StarSymbol"/>
-              <a:buChar char=""/>
-            </a:pPr>
-            <a:r>
-              <a:rPr lang="en-IE" sz="3200">
-                <a:latin typeface="Arial"/>
-              </a:rPr>
-              <a:t>Demo1 – interactive bash</a:t>
-            </a:r>
-            <a:endParaRPr/>
-          </a:p>
-          <a:p>
-            <a:pPr>
-              <a:buSzPct val="45000"/>
-              <a:buFont typeface="StarSymbol"/>
-              <a:buChar char=""/>
-            </a:pPr>
-            <a:r>
-              <a:rPr lang="en-IE" sz="3200">
-                <a:latin typeface="Arial"/>
-              </a:rPr>
-              <a:t>Demo2 - mono app running on EC2</a:t>
-            </a:r>
-            <a:endParaRPr/>
-          </a:p>
-          <a:p>
-            <a:pPr>
-              <a:buSzPct val="45000"/>
-              <a:buFont typeface="StarSymbol"/>
-              <a:buChar char=""/>
-            </a:pPr>
-            <a:r>
-              <a:rPr lang="en-IE" sz="3200">
-                <a:latin typeface="Arial"/>
-              </a:rPr>
-              <a:t>Port mapping</a:t>
-            </a:r>
-            <a:endParaRPr/>
-          </a:p>
-          <a:p>
-            <a:pPr>
-              <a:buSzPct val="45000"/>
-              <a:buFont typeface="StarSymbol"/>
-              <a:buChar char=""/>
-            </a:pPr>
-            <a:r>
-              <a:rPr lang="en-IE" sz="3200">
-                <a:latin typeface="Arial"/>
-              </a:rPr>
-              <a:t>Volumes</a:t>
-            </a:r>
-            <a:endParaRPr/>
-          </a:p>
-          <a:p>
-            <a:pPr>
-              <a:buSzPct val="45000"/>
-              <a:buFont typeface="StarSymbol"/>
-              <a:buChar char=""/>
-            </a:pPr>
-            <a:r>
-              <a:rPr lang="en-IE" sz="3200">
-                <a:latin typeface="Arial"/>
-              </a:rPr>
-              <a:t>CI\CD</a:t>
-            </a:r>
-            <a:endParaRPr/>
-          </a:p>
-          <a:p>
-            <a:pPr>
-              <a:buSzPct val="45000"/>
-              <a:buFont typeface="StarSymbol"/>
-              <a:buChar char=""/>
-            </a:pPr>
-            <a:r>
-              <a:rPr lang="en-IE" sz="3200">
-                <a:latin typeface="Arial"/>
-              </a:rPr>
-              <a:t>Possible other usages</a:t>
-            </a:r>
-            <a:endParaRPr/>
-          </a:p>
-          <a:p>
-            <a:pPr>
-              <a:buSzPct val="45000"/>
-              <a:buFont typeface="StarSymbol"/>
-              <a:buChar char=""/>
-            </a:pPr>
-            <a:r>
-              <a:rPr lang="en-IE" sz="3200">
-                <a:latin typeface="Arial"/>
-              </a:rPr>
-              <a:t>Other considerations</a:t>
-            </a:r>
-            <a:endParaRPr/>
-          </a:p>
-          <a:p>
-            <a:pPr>
-              <a:buSzPct val="45000"/>
-              <a:buFont typeface="StarSymbol"/>
-              <a:buChar char=""/>
-            </a:pPr>
-            <a:r>
-              <a:rPr lang="en-IE" sz="3200">
-                <a:latin typeface="Arial"/>
-              </a:rPr>
-              <a:t>Some links to start with</a:t>
-            </a:r>
-            <a:endParaRPr/>
-          </a:p>
-          <a:p>
-            <a:pPr>
-              <a:buSzPct val="45000"/>
-              <a:buFont typeface="StarSymbol"/>
-              <a:buChar char=""/>
-            </a:pPr>
-            <a:r>
-              <a:rPr lang="en-IE" sz="3200">
-                <a:latin typeface="Arial"/>
-              </a:rPr>
-              <a:t>Q&amp;A</a:t>
-            </a:r>
-            <a:endParaRPr/>
-          </a:p>
-        </p:txBody>
-      </p:sp>
-    </p:spTree>
-  </p:cSld>
-</p:sld>
-</file>
-
-<file path=ppt/slides/slide20.xml><?xml version="1.0" encoding="utf-8"?>
-<p:sld xmlns:a="http://schemas.openxmlformats.org/drawingml/2006/main" xmlns:p="http://schemas.openxmlformats.org/presentationml/2006/main" xmlns:r="http://schemas.openxmlformats.org/officeDocument/2006/relationships">
-  <p:cSld>
-    <p:spTree>
-      <p:nvGrpSpPr>
-        <p:cNvPr id="1" name=""/>
-        <p:cNvGrpSpPr/>
-        <p:nvPr/>
-      </p:nvGrpSpPr>
-      <p:grpSpPr>
-        <a:xfrm>
-          <a:off x="0" y="0"/>
-          <a:ext cx="0" cy="0"/>
-          <a:chOff x="0" y="0"/>
-          <a:chExt cx="0" cy="0"/>
-        </a:xfrm>
-      </p:grpSpPr>
-      <p:sp>
-        <p:nvSpPr>
-          <p:cNvPr id="77" name="TextShape 1"/>
-          <p:cNvSpPr txBox="1"/>
-          <p:nvPr/>
-        </p:nvSpPr>
-        <p:spPr>
-          <a:xfrm>
-            <a:off x="504000" y="301320"/>
-            <a:ext cx="9071640" cy="1262160"/>
-          </a:xfrm>
-          <a:prstGeom prst="rect">
-            <a:avLst/>
-          </a:prstGeom>
-        </p:spPr>
-        <p:txBody>
-          <a:bodyPr lIns="0" rIns="0" tIns="0" bIns="0" anchor="ctr"/>
-          <a:p>
-            <a:pPr algn="ctr"/>
-            <a:r>
-              <a:rPr lang="en-IE" sz="4400">
-                <a:latin typeface="Arial"/>
-              </a:rPr>
-              <a:t>Dockerfile instruction 3 of 4</a:t>
-            </a:r>
-            <a:endParaRPr/>
-          </a:p>
-        </p:txBody>
-      </p:sp>
-      <p:pic>
-        <p:nvPicPr>
-          <p:cNvPr id="78" name="" descr=""/>
-          <p:cNvPicPr/>
-          <p:nvPr/>
-        </p:nvPicPr>
-        <p:blipFill>
-          <a:blip r:embed="rId1"/>
-          <a:stretch>
-            <a:fillRect/>
-          </a:stretch>
-        </p:blipFill>
-        <p:spPr>
-          <a:xfrm>
-            <a:off x="3489840" y="1768680"/>
-            <a:ext cx="3099600" cy="4384440"/>
-          </a:xfrm>
-          <a:prstGeom prst="rect">
-            <a:avLst/>
-          </a:prstGeom>
-          <a:ln>
-            <a:noFill/>
-          </a:ln>
-        </p:spPr>
-      </p:pic>
-    </p:spTree>
-  </p:cSld>
-</p:sld>
-</file>
-
-<file path=ppt/slides/slide21.xml><?xml version="1.0" encoding="utf-8"?>
-<p:sld xmlns:a="http://schemas.openxmlformats.org/drawingml/2006/main" xmlns:p="http://schemas.openxmlformats.org/presentationml/2006/main" xmlns:r="http://schemas.openxmlformats.org/officeDocument/2006/relationships">
-  <p:cSld>
-    <p:spTree>
-      <p:nvGrpSpPr>
-        <p:cNvPr id="1" name=""/>
-        <p:cNvGrpSpPr/>
-        <p:nvPr/>
-      </p:nvGrpSpPr>
-      <p:grpSpPr>
-        <a:xfrm>
-          <a:off x="0" y="0"/>
-          <a:ext cx="0" cy="0"/>
-          <a:chOff x="0" y="0"/>
-          <a:chExt cx="0" cy="0"/>
-        </a:xfrm>
-      </p:grpSpPr>
-      <p:sp>
-        <p:nvSpPr>
-          <p:cNvPr id="79" name="TextShape 1"/>
-          <p:cNvSpPr txBox="1"/>
-          <p:nvPr/>
-        </p:nvSpPr>
-        <p:spPr>
-          <a:xfrm>
-            <a:off x="504000" y="301320"/>
-            <a:ext cx="9071640" cy="1262160"/>
-          </a:xfrm>
-          <a:prstGeom prst="rect">
-            <a:avLst/>
-          </a:prstGeom>
-        </p:spPr>
-        <p:txBody>
-          <a:bodyPr lIns="0" rIns="0" tIns="0" bIns="0" anchor="ctr"/>
-          <a:p>
-            <a:pPr algn="ctr"/>
-            <a:r>
-              <a:rPr lang="en-IE" sz="4400">
-                <a:latin typeface="Arial"/>
-              </a:rPr>
-              <a:t>Dockerfile instruction 4 of 4</a:t>
-            </a:r>
-            <a:endParaRPr/>
-          </a:p>
-        </p:txBody>
-      </p:sp>
-      <p:pic>
-        <p:nvPicPr>
-          <p:cNvPr id="80" name="" descr=""/>
-          <p:cNvPicPr/>
-          <p:nvPr/>
-        </p:nvPicPr>
-        <p:blipFill>
-          <a:blip r:embed="rId1"/>
-          <a:stretch>
-            <a:fillRect/>
-          </a:stretch>
-        </p:blipFill>
-        <p:spPr>
-          <a:xfrm>
-            <a:off x="3489840" y="1768680"/>
-            <a:ext cx="3099600" cy="4384440"/>
-          </a:xfrm>
-          <a:prstGeom prst="rect">
-            <a:avLst/>
-          </a:prstGeom>
-          <a:ln>
-            <a:noFill/>
-          </a:ln>
-        </p:spPr>
-      </p:pic>
-    </p:spTree>
-  </p:cSld>
-</p:sld>
-</file>
-
-<file path=ppt/slides/slide22.xml><?xml version="1.0" encoding="utf-8"?>
-<p:sld xmlns:a="http://schemas.openxmlformats.org/drawingml/2006/main" xmlns:p="http://schemas.openxmlformats.org/presentationml/2006/main" xmlns:r="http://schemas.openxmlformats.org/officeDocument/2006/relationships">
-  <p:cSld>
-    <p:spTree>
-      <p:nvGrpSpPr>
-        <p:cNvPr id="1" name=""/>
-        <p:cNvGrpSpPr/>
-        <p:nvPr/>
-      </p:nvGrpSpPr>
-      <p:grpSpPr>
-        <a:xfrm>
-          <a:off x="0" y="0"/>
-          <a:ext cx="0" cy="0"/>
-          <a:chOff x="0" y="0"/>
-          <a:chExt cx="0" cy="0"/>
-        </a:xfrm>
-      </p:grpSpPr>
-      <p:sp>
-        <p:nvSpPr>
-          <p:cNvPr id="81" name="TextShape 1"/>
-          <p:cNvSpPr txBox="1"/>
-          <p:nvPr/>
-        </p:nvSpPr>
-        <p:spPr>
-          <a:xfrm>
-            <a:off x="504000" y="301320"/>
-            <a:ext cx="9071640" cy="1262160"/>
-          </a:xfrm>
-          <a:prstGeom prst="rect">
-            <a:avLst/>
-          </a:prstGeom>
-        </p:spPr>
-        <p:txBody>
-          <a:bodyPr lIns="0" rIns="0" tIns="0" bIns="0" anchor="ctr"/>
-          <a:p>
-            <a:pPr algn="ctr"/>
-            <a:r>
-              <a:rPr lang="en-IE" sz="4400">
-                <a:latin typeface="Arial"/>
-              </a:rPr>
-              <a:t>Layers</a:t>
-            </a:r>
-            <a:r>
-              <a:rPr lang="en-IE" sz="4400">
-                <a:latin typeface="Arial"/>
-              </a:rPr>
-              <a:t>
-</a:t>
-            </a:r>
-            <a:endParaRPr/>
-          </a:p>
-        </p:txBody>
-      </p:sp>
-      <p:pic>
-        <p:nvPicPr>
-          <p:cNvPr id="82" name="" descr=""/>
-          <p:cNvPicPr/>
-          <p:nvPr/>
-        </p:nvPicPr>
-        <p:blipFill>
-          <a:blip r:embed="rId1"/>
-          <a:stretch>
-            <a:fillRect/>
-          </a:stretch>
-        </p:blipFill>
-        <p:spPr>
-          <a:xfrm>
-            <a:off x="3489840" y="1768680"/>
-            <a:ext cx="3099600" cy="4384080"/>
-          </a:xfrm>
-          <a:prstGeom prst="rect">
-            <a:avLst/>
-          </a:prstGeom>
-          <a:ln>
-            <a:noFill/>
-          </a:ln>
-        </p:spPr>
-      </p:pic>
-    </p:spTree>
-  </p:cSld>
-</p:sld>
-</file>
-
-<file path=ppt/slides/slide23.xml><?xml version="1.0" encoding="utf-8"?>
-<p:sld xmlns:a="http://schemas.openxmlformats.org/drawingml/2006/main" xmlns:p="http://schemas.openxmlformats.org/presentationml/2006/main" xmlns:r="http://schemas.openxmlformats.org/officeDocument/2006/relationships">
-  <p:cSld>
-    <p:spTree>
-      <p:nvGrpSpPr>
-        <p:cNvPr id="1" name=""/>
-        <p:cNvGrpSpPr/>
-        <p:nvPr/>
-      </p:nvGrpSpPr>
-      <p:grpSpPr>
-        <a:xfrm>
-          <a:off x="0" y="0"/>
-          <a:ext cx="0" cy="0"/>
-          <a:chOff x="0" y="0"/>
-          <a:chExt cx="0" cy="0"/>
-        </a:xfrm>
-      </p:grpSpPr>
-      <p:sp>
-        <p:nvSpPr>
-          <p:cNvPr id="83" name="TextShape 1"/>
-          <p:cNvSpPr txBox="1"/>
-          <p:nvPr/>
-        </p:nvSpPr>
-        <p:spPr>
-          <a:xfrm>
-            <a:off x="504000" y="301320"/>
-            <a:ext cx="9071640" cy="1262160"/>
-          </a:xfrm>
-          <a:prstGeom prst="rect">
-            <a:avLst/>
-          </a:prstGeom>
-        </p:spPr>
-        <p:txBody>
-          <a:bodyPr lIns="0" rIns="0" tIns="0" bIns="0" anchor="ctr"/>
-          <a:p>
-            <a:pPr algn="ctr">
-              <a:buSzPct val="45000"/>
-              <a:buFont typeface="StarSymbol"/>
-              <a:buChar char=""/>
-            </a:pPr>
-            <a:r>
-              <a:rPr lang="en-IE" sz="4400">
-                <a:latin typeface="Arial"/>
-              </a:rPr>
-              <a:t>Run a local container instance</a:t>
-            </a:r>
-            <a:endParaRPr/>
-          </a:p>
-        </p:txBody>
-      </p:sp>
-      <p:sp>
-        <p:nvSpPr>
-          <p:cNvPr id="84" name="TextShape 2"/>
-          <p:cNvSpPr txBox="1"/>
-          <p:nvPr/>
-        </p:nvSpPr>
-        <p:spPr>
-          <a:xfrm>
-            <a:off x="504000" y="1769040"/>
-            <a:ext cx="9071640" cy="4384440"/>
-          </a:xfrm>
-          <a:prstGeom prst="rect">
-            <a:avLst/>
-          </a:prstGeom>
-        </p:spPr>
-        <p:txBody>
-          <a:bodyPr lIns="0" rIns="0" tIns="0" bIns="0"/>
-          <a:p>
-            <a:pPr>
-              <a:buSzPct val="45000"/>
-              <a:buFont typeface="StarSymbol"/>
-              <a:buChar char=""/>
-            </a:pPr>
-            <a:r>
-              <a:rPr lang="en-IE" sz="3200">
-                <a:latin typeface="Arial"/>
-              </a:rPr>
-              <a:t>docker run -d --name mono1 pmcgrath/mono:v1 </a:t>
-            </a:r>
-            <a:endParaRPr/>
-          </a:p>
-          <a:p>
-            <a:pPr>
-              <a:buSzPct val="45000"/>
-              <a:buFont typeface="StarSymbol"/>
-              <a:buChar char=""/>
-            </a:pPr>
-            <a:endParaRPr/>
-          </a:p>
-          <a:p>
-            <a:pPr>
-              <a:buSzPct val="45000"/>
-              <a:buFont typeface="StarSymbol"/>
-              <a:buChar char=""/>
-            </a:pPr>
-            <a:endParaRPr/>
-          </a:p>
-          <a:p>
-            <a:pPr>
-              <a:buSzPct val="45000"/>
-              <a:buFont typeface="StarSymbol"/>
-              <a:buChar char=""/>
-            </a:pPr>
-            <a:r>
-              <a:rPr lang="en-IE" sz="3200">
-                <a:latin typeface="Arial"/>
-              </a:rPr>
-              <a:t>docker logs mono1</a:t>
-            </a:r>
-            <a:endParaRPr/>
-          </a:p>
-          <a:p>
-            <a:pPr>
-              <a:buSzPct val="45000"/>
-              <a:buFont typeface="StarSymbol"/>
-              <a:buChar char=""/>
-            </a:pPr>
-            <a:r>
-              <a:rPr lang="en-IE" sz="3200">
-                <a:latin typeface="Arial"/>
-              </a:rPr>
-              <a:t>docker inspect mono1</a:t>
-            </a:r>
-            <a:endParaRPr/>
-          </a:p>
-        </p:txBody>
-      </p:sp>
-    </p:spTree>
-  </p:cSld>
-</p:sld>
-</file>
-
-<file path=ppt/slides/slide24.xml><?xml version="1.0" encoding="utf-8"?>
-<p:sld xmlns:a="http://schemas.openxmlformats.org/drawingml/2006/main" xmlns:p="http://schemas.openxmlformats.org/presentationml/2006/main" xmlns:r="http://schemas.openxmlformats.org/officeDocument/2006/relationships">
-  <p:cSld>
-    <p:spTree>
-      <p:nvGrpSpPr>
-        <p:cNvPr id="1" name=""/>
-        <p:cNvGrpSpPr/>
-        <p:nvPr/>
-      </p:nvGrpSpPr>
-      <p:grpSpPr>
-        <a:xfrm>
-          <a:off x="0" y="0"/>
-          <a:ext cx="0" cy="0"/>
-          <a:chOff x="0" y="0"/>
-          <a:chExt cx="0" cy="0"/>
-        </a:xfrm>
-      </p:grpSpPr>
-      <p:sp>
-        <p:nvSpPr>
-          <p:cNvPr id="85" name="TextShape 1"/>
-          <p:cNvSpPr txBox="1"/>
-          <p:nvPr/>
-        </p:nvSpPr>
-        <p:spPr>
-          <a:xfrm>
-            <a:off x="504000" y="301320"/>
-            <a:ext cx="9071640" cy="1262160"/>
-          </a:xfrm>
-          <a:prstGeom prst="rect">
-            <a:avLst/>
-          </a:prstGeom>
-        </p:spPr>
-        <p:txBody>
-          <a:bodyPr lIns="0" rIns="0" tIns="0" bIns="0" anchor="ctr"/>
-          <a:p>
-            <a:pPr algn="ctr">
-              <a:buSzPct val="45000"/>
-              <a:buFont typeface="StarSymbol"/>
-              <a:buChar char=""/>
-            </a:pPr>
-            <a:r>
-              <a:rPr lang="en-IE" sz="4400">
-                <a:latin typeface="Arial"/>
-              </a:rPr>
-              <a:t>Push image to dockerhub registry</a:t>
-            </a:r>
-            <a:endParaRPr/>
-          </a:p>
-        </p:txBody>
-      </p:sp>
-      <p:sp>
-        <p:nvSpPr>
-          <p:cNvPr id="86" name="TextShape 2"/>
-          <p:cNvSpPr txBox="1"/>
-          <p:nvPr/>
-        </p:nvSpPr>
-        <p:spPr>
-          <a:xfrm>
-            <a:off x="504000" y="1769040"/>
-            <a:ext cx="9071640" cy="4384440"/>
-          </a:xfrm>
-          <a:prstGeom prst="rect">
-            <a:avLst/>
-          </a:prstGeom>
-        </p:spPr>
-        <p:txBody>
-          <a:bodyPr lIns="0" rIns="0" tIns="0" bIns="0"/>
-          <a:p>
-            <a:pPr>
-              <a:buSzPct val="45000"/>
-              <a:buFont typeface="StarSymbol"/>
-              <a:buChar char=""/>
-            </a:pPr>
-            <a:r>
-              <a:rPr lang="en-IE" sz="3200">
-                <a:latin typeface="Arial"/>
-              </a:rPr>
-              <a:t>docker login</a:t>
-            </a:r>
-            <a:endParaRPr/>
-          </a:p>
-          <a:p>
-            <a:pPr>
-              <a:buSzPct val="45000"/>
-              <a:buFont typeface="StarSymbol"/>
-              <a:buChar char=""/>
-            </a:pPr>
-            <a:r>
-              <a:rPr lang="en-IE" sz="3200">
-                <a:latin typeface="Arial"/>
-              </a:rPr>
-              <a:t>docker push pmcgrath/mono:v1</a:t>
-            </a:r>
-            <a:endParaRPr/>
-          </a:p>
-        </p:txBody>
-      </p:sp>
-    </p:spTree>
-  </p:cSld>
-</p:sld>
-</file>
-
-<file path=ppt/slides/slide25.xml><?xml version="1.0" encoding="utf-8"?>
-<p:sld xmlns:a="http://schemas.openxmlformats.org/drawingml/2006/main" xmlns:p="http://schemas.openxmlformats.org/presentationml/2006/main" xmlns:r="http://schemas.openxmlformats.org/officeDocument/2006/relationships">
-  <p:cSld>
-    <p:spTree>
-      <p:nvGrpSpPr>
-        <p:cNvPr id="1" name=""/>
-        <p:cNvGrpSpPr/>
-        <p:nvPr/>
-      </p:nvGrpSpPr>
-      <p:grpSpPr>
-        <a:xfrm>
-          <a:off x="0" y="0"/>
-          <a:ext cx="0" cy="0"/>
-          <a:chOff x="0" y="0"/>
-          <a:chExt cx="0" cy="0"/>
-        </a:xfrm>
-      </p:grpSpPr>
-      <p:sp>
-        <p:nvSpPr>
-          <p:cNvPr id="87" name="TextShape 1"/>
-          <p:cNvSpPr txBox="1"/>
-          <p:nvPr/>
-        </p:nvSpPr>
-        <p:spPr>
-          <a:xfrm>
-            <a:off x="504000" y="301320"/>
-            <a:ext cx="9071640" cy="1262160"/>
-          </a:xfrm>
-          <a:prstGeom prst="rect">
-            <a:avLst/>
-          </a:prstGeom>
-        </p:spPr>
-        <p:txBody>
-          <a:bodyPr lIns="0" rIns="0" tIns="0" bIns="0" anchor="ctr"/>
-          <a:p>
-            <a:pPr algn="ctr">
-              <a:buSzPct val="45000"/>
-              <a:buFont typeface="StarSymbol"/>
-              <a:buChar char=""/>
-            </a:pPr>
-            <a:r>
-              <a:rPr lang="en-IE" sz="4400">
-                <a:latin typeface="Arial"/>
-              </a:rPr>
-              <a:t>Run mono image on EC2</a:t>
-            </a:r>
-            <a:endParaRPr/>
-          </a:p>
-        </p:txBody>
-      </p:sp>
-      <p:sp>
-        <p:nvSpPr>
-          <p:cNvPr id="88" name="TextShape 2"/>
-          <p:cNvSpPr txBox="1"/>
-          <p:nvPr/>
-        </p:nvSpPr>
-        <p:spPr>
-          <a:xfrm>
-            <a:off x="504000" y="1769040"/>
-            <a:ext cx="9071640" cy="4384440"/>
-          </a:xfrm>
-          <a:prstGeom prst="rect">
-            <a:avLst/>
-          </a:prstGeom>
-        </p:spPr>
-        <p:txBody>
-          <a:bodyPr lIns="0" rIns="0" tIns="0" bIns="0"/>
-          <a:p>
-            <a:pPr>
-              <a:buSzPct val="45000"/>
-              <a:buFont typeface="StarSymbol"/>
-              <a:buChar char=""/>
-            </a:pPr>
-            <a:r>
-              <a:rPr lang="en-IE" sz="3200">
-                <a:latin typeface="Arial"/>
-              </a:rPr>
-              <a:t>ssh onto EC2 instance</a:t>
-            </a:r>
-            <a:endParaRPr/>
-          </a:p>
-          <a:p>
-            <a:pPr>
-              <a:buSzPct val="45000"/>
-              <a:buFont typeface="StarSymbol"/>
-              <a:buChar char=""/>
-            </a:pPr>
-            <a:r>
-              <a:rPr lang="en-IE" sz="3200">
-                <a:latin typeface="Arial"/>
-              </a:rPr>
-              <a:t>docker search pmcgrath/mono</a:t>
-            </a:r>
-            <a:endParaRPr/>
-          </a:p>
-          <a:p>
-            <a:pPr>
-              <a:buSzPct val="45000"/>
-              <a:buFont typeface="StarSymbol"/>
-              <a:buChar char=""/>
-            </a:pPr>
-            <a:endParaRPr/>
-          </a:p>
-          <a:p>
-            <a:pPr>
-              <a:buSzPct val="45000"/>
-              <a:buFont typeface="StarSymbol"/>
-              <a:buChar char=""/>
-            </a:pPr>
-            <a:r>
-              <a:rPr lang="en-IE" sz="3200">
-                <a:latin typeface="Arial"/>
-              </a:rPr>
-              <a:t>docker pull pmcgrath/mono:v1</a:t>
-            </a:r>
-            <a:endParaRPr/>
-          </a:p>
-          <a:p>
-            <a:pPr>
-              <a:buSzPct val="45000"/>
-              <a:buFont typeface="StarSymbol"/>
-              <a:buChar char=""/>
-            </a:pPr>
-            <a:r>
-              <a:rPr lang="en-IE" sz="3200">
-                <a:latin typeface="Arial"/>
-              </a:rPr>
-              <a:t>docker images</a:t>
-            </a:r>
-            <a:endParaRPr/>
-          </a:p>
-          <a:p>
-            <a:pPr>
-              <a:buSzPct val="45000"/>
-              <a:buFont typeface="StarSymbol"/>
-              <a:buChar char=""/>
-            </a:pPr>
-            <a:endParaRPr/>
-          </a:p>
-          <a:p>
-            <a:pPr>
-              <a:buSzPct val="45000"/>
-              <a:buFont typeface="StarSymbol"/>
-              <a:buChar char=""/>
-            </a:pPr>
-            <a:r>
-              <a:rPr lang="en-IE" sz="3200">
-                <a:latin typeface="Arial"/>
-              </a:rPr>
-              <a:t>docker run -d -- name mymonoapp pmcgrath/mono:v1</a:t>
-            </a:r>
-            <a:endParaRPr/>
-          </a:p>
-          <a:p>
-            <a:pPr>
-              <a:buSzPct val="45000"/>
-              <a:buFont typeface="StarSymbol"/>
-              <a:buChar char=""/>
-            </a:pPr>
-            <a:r>
-              <a:rPr lang="en-IE" sz="3200">
-                <a:latin typeface="Arial"/>
-              </a:rPr>
-              <a:t>docker logs mymonoapp</a:t>
-            </a:r>
-            <a:endParaRPr/>
-          </a:p>
-          <a:p>
-            <a:pPr>
-              <a:buSzPct val="45000"/>
-              <a:buFont typeface="StarSymbol"/>
-              <a:buChar char=""/>
-            </a:pPr>
-            <a:endParaRPr/>
-          </a:p>
-        </p:txBody>
-      </p:sp>
-    </p:spTree>
-  </p:cSld>
-</p:sld>
-</file>
-
-<file path=ppt/slides/slide26.xml><?xml version="1.0" encoding="utf-8"?>
-<p:sld xmlns:a="http://schemas.openxmlformats.org/drawingml/2006/main" xmlns:p="http://schemas.openxmlformats.org/presentationml/2006/main" xmlns:r="http://schemas.openxmlformats.org/officeDocument/2006/relationships">
-  <p:cSld>
-    <p:spTree>
-      <p:nvGrpSpPr>
-        <p:cNvPr id="1" name=""/>
-        <p:cNvGrpSpPr/>
-        <p:nvPr/>
-      </p:nvGrpSpPr>
-      <p:grpSpPr>
-        <a:xfrm>
-          <a:off x="0" y="0"/>
-          <a:ext cx="0" cy="0"/>
-          <a:chOff x="0" y="0"/>
-          <a:chExt cx="0" cy="0"/>
-        </a:xfrm>
-      </p:grpSpPr>
-      <p:sp>
-        <p:nvSpPr>
-          <p:cNvPr id="89" name="TextShape 1"/>
-          <p:cNvSpPr txBox="1"/>
-          <p:nvPr/>
-        </p:nvSpPr>
-        <p:spPr>
-          <a:xfrm>
-            <a:off x="504000" y="301320"/>
-            <a:ext cx="9071640" cy="1262160"/>
-          </a:xfrm>
-          <a:prstGeom prst="rect">
-            <a:avLst/>
-          </a:prstGeom>
-        </p:spPr>
-        <p:txBody>
-          <a:bodyPr lIns="0" rIns="0" tIns="0" bIns="0" anchor="ctr"/>
-          <a:p>
-            <a:pPr algn="ctr"/>
-            <a:r>
-              <a:rPr lang="en-IE" sz="4400">
-                <a:latin typeface="Arial"/>
-              </a:rPr>
-              <a:t>Port mapping</a:t>
-            </a:r>
-            <a:endParaRPr/>
-          </a:p>
-        </p:txBody>
-      </p:sp>
-      <p:sp>
-        <p:nvSpPr>
-          <p:cNvPr id="90" name="TextShape 2"/>
-          <p:cNvSpPr txBox="1"/>
-          <p:nvPr/>
-        </p:nvSpPr>
-        <p:spPr>
-          <a:xfrm>
-            <a:off x="504000" y="1769040"/>
-            <a:ext cx="9071640" cy="4384440"/>
-          </a:xfrm>
-          <a:prstGeom prst="rect">
-            <a:avLst/>
-          </a:prstGeom>
-        </p:spPr>
-        <p:txBody>
-          <a:bodyPr lIns="0" rIns="0" tIns="0" bIns="0"/>
-          <a:p>
-            <a:pPr>
-              <a:buSzPct val="45000"/>
-              <a:buFont typeface="StarSymbol"/>
-              <a:buChar char=""/>
-            </a:pPr>
-            <a:r>
-              <a:rPr lang="en-IE" sz="3200">
-                <a:latin typeface="Arial"/>
-              </a:rPr>
-              <a:t>docker run -d -p –name redis1 redis:latest</a:t>
-            </a:r>
-            <a:endParaRPr/>
-          </a:p>
-          <a:p>
-            <a:pPr>
-              <a:buSzPct val="45000"/>
-              <a:buFont typeface="StarSymbol"/>
-              <a:buChar char=""/>
-            </a:pPr>
-            <a:r>
-              <a:rPr lang="en-IE" sz="3200">
-                <a:latin typeface="Arial"/>
-              </a:rPr>
-              <a:t>docker port redis1</a:t>
-            </a:r>
-            <a:endParaRPr/>
-          </a:p>
-          <a:p>
-            <a:pPr>
-              <a:buSzPct val="45000"/>
-              <a:buFont typeface="StarSymbol"/>
-              <a:buChar char=""/>
-            </a:pPr>
-            <a:endParaRPr/>
-          </a:p>
-          <a:p>
-            <a:pPr>
-              <a:buSzPct val="45000"/>
-              <a:buFont typeface="StarSymbol"/>
-              <a:buChar char=""/>
-            </a:pPr>
-            <a:r>
-              <a:rPr lang="en-IE" sz="3200">
-                <a:latin typeface="Arial"/>
-              </a:rPr>
-              <a:t>docker run -d -p –name redis2 redis:latest</a:t>
-            </a:r>
-            <a:endParaRPr/>
-          </a:p>
-          <a:p>
-            <a:pPr>
-              <a:buSzPct val="45000"/>
-              <a:buFont typeface="StarSymbol"/>
-              <a:buChar char=""/>
-            </a:pPr>
-            <a:r>
-              <a:rPr lang="en-IE" sz="3200">
-                <a:latin typeface="Arial"/>
-              </a:rPr>
-              <a:t>docker port redis2</a:t>
-            </a:r>
-            <a:endParaRPr/>
-          </a:p>
-          <a:p>
-            <a:pPr>
-              <a:buSzPct val="45000"/>
-              <a:buFont typeface="StarSymbol"/>
-              <a:buChar char=""/>
-            </a:pPr>
-            <a:endParaRPr/>
-          </a:p>
-        </p:txBody>
-      </p:sp>
-    </p:spTree>
-  </p:cSld>
-</p:sld>
-</file>
-
-<file path=ppt/slides/slide27.xml><?xml version="1.0" encoding="utf-8"?>
-<p:sld xmlns:a="http://schemas.openxmlformats.org/drawingml/2006/main" xmlns:p="http://schemas.openxmlformats.org/presentationml/2006/main" xmlns:r="http://schemas.openxmlformats.org/officeDocument/2006/relationships">
-  <p:cSld>
-    <p:spTree>
-      <p:nvGrpSpPr>
-        <p:cNvPr id="1" name=""/>
-        <p:cNvGrpSpPr/>
-        <p:nvPr/>
-      </p:nvGrpSpPr>
-      <p:grpSpPr>
-        <a:xfrm>
-          <a:off x="0" y="0"/>
-          <a:ext cx="0" cy="0"/>
-          <a:chOff x="0" y="0"/>
-          <a:chExt cx="0" cy="0"/>
-        </a:xfrm>
-      </p:grpSpPr>
-      <p:sp>
-        <p:nvSpPr>
-          <p:cNvPr id="91" name="TextShape 1"/>
-          <p:cNvSpPr txBox="1"/>
-          <p:nvPr/>
-        </p:nvSpPr>
-        <p:spPr>
-          <a:xfrm>
-            <a:off x="504000" y="301320"/>
-            <a:ext cx="9071640" cy="1262160"/>
-          </a:xfrm>
-          <a:prstGeom prst="rect">
-            <a:avLst/>
-          </a:prstGeom>
-        </p:spPr>
-        <p:txBody>
-          <a:bodyPr lIns="0" rIns="0" tIns="0" bIns="0" anchor="ctr"/>
-          <a:p>
-            <a:pPr algn="ctr"/>
-            <a:r>
-              <a:rPr lang="en-IE" sz="4400">
-                <a:latin typeface="Arial"/>
-              </a:rPr>
-              <a:t>Volumes</a:t>
-            </a:r>
-            <a:endParaRPr/>
-          </a:p>
-        </p:txBody>
-      </p:sp>
-      <p:sp>
-        <p:nvSpPr>
-          <p:cNvPr id="92" name="TextShape 2"/>
-          <p:cNvSpPr txBox="1"/>
-          <p:nvPr/>
-        </p:nvSpPr>
-        <p:spPr>
-          <a:xfrm>
-            <a:off x="504000" y="1769040"/>
-            <a:ext cx="9071640" cy="4384440"/>
-          </a:xfrm>
-          <a:prstGeom prst="rect">
-            <a:avLst/>
-          </a:prstGeom>
-        </p:spPr>
-        <p:txBody>
-          <a:bodyPr lIns="0" rIns="0" tIns="0" bIns="0"/>
-          <a:p>
-            <a:pPr>
-              <a:buSzPct val="45000"/>
-              <a:buFont typeface="StarSymbol"/>
-              <a:buChar char=""/>
-            </a:pPr>
-            <a:r>
-              <a:rPr lang="en-IE" sz="3200">
-                <a:latin typeface="Arial"/>
-              </a:rPr>
-              <a:t>VOLUME instruction in a Dockerfile</a:t>
-            </a:r>
-            <a:endParaRPr/>
-          </a:p>
-          <a:p>
-            <a:pPr>
-              <a:buSzPct val="45000"/>
-              <a:buFont typeface="StarSymbol"/>
-              <a:buChar char=""/>
-            </a:pPr>
-            <a:endParaRPr/>
-          </a:p>
-          <a:p>
-            <a:pPr>
-              <a:buSzPct val="45000"/>
-              <a:buFont typeface="StarSymbol"/>
-              <a:buChar char=""/>
-            </a:pPr>
-            <a:r>
-              <a:rPr lang="en-IE" sz="3200">
-                <a:latin typeface="Arial"/>
-              </a:rPr>
-              <a:t>Live outside the container</a:t>
-            </a:r>
-            <a:endParaRPr/>
-          </a:p>
-          <a:p>
-            <a:pPr>
-              <a:buSzPct val="45000"/>
-              <a:buFont typeface="StarSymbol"/>
-              <a:buChar char=""/>
-            </a:pPr>
-            <a:r>
-              <a:rPr lang="en-IE" sz="3200">
-                <a:latin typeface="Arial"/>
-              </a:rPr>
-              <a:t>Bind mount on host on container run</a:t>
-            </a:r>
-            <a:endParaRPr/>
-          </a:p>
-        </p:txBody>
-      </p:sp>
-    </p:spTree>
-  </p:cSld>
-</p:sld>
-</file>
-
 <file path=ppt/slides/slide28.xml><?xml version="1.0" encoding="utf-8"?>
 <p:sld xmlns:a="http://schemas.openxmlformats.org/drawingml/2006/main" xmlns:p="http://schemas.openxmlformats.org/presentationml/2006/main" xmlns:r="http://schemas.openxmlformats.org/officeDocument/2006/relationships">
   <p:cSld>
@@ -4151,6 +4151,33 @@
       </p:sp>
     </p:spTree>
   </p:cSld>
+  <p:timing>
+    <p:tnLst>
+      <p:par>
+        <p:cTn id="3" dur="indefinite" restart="never" nodeType="tmRoot">
+          <p:childTnLst>
+            <p:seq>
+              <p:cTn id="4" nodeType="mainSeq"/>
+              <p:prevCondLst>
+                <p:cond delay="0" evt="onPrev">
+                  <p:tgtEl>
+                    <p:sldTgt/>
+                  </p:tgtEl>
+                </p:cond>
+              </p:prevCondLst>
+              <p:nextCondLst>
+                <p:cond delay="0" evt="onNext">
+                  <p:tgtEl>
+                    <p:sldTgt/>
+                  </p:tgtEl>
+                </p:cond>
+              </p:nextCondLst>
+            </p:seq>
+          </p:childTnLst>
+        </p:cTn>
+      </p:par>
+    </p:tnLst>
+  </p:timing>
 </p:sld>
 </file>
 
@@ -4307,6 +4334,33 @@
       </p:sp>
     </p:spTree>
   </p:cSld>
+  <p:timing>
+    <p:tnLst>
+      <p:par>
+        <p:cTn id="5" dur="indefinite" restart="never" nodeType="tmRoot">
+          <p:childTnLst>
+            <p:seq>
+              <p:cTn id="6" nodeType="mainSeq"/>
+              <p:prevCondLst>
+                <p:cond delay="0" evt="onPrev">
+                  <p:tgtEl>
+                    <p:sldTgt/>
+                  </p:tgtEl>
+                </p:cond>
+              </p:prevCondLst>
+              <p:nextCondLst>
+                <p:cond delay="0" evt="onNext">
+                  <p:tgtEl>
+                    <p:sldTgt/>
+                  </p:tgtEl>
+                </p:cond>
+              </p:nextCondLst>
+            </p:seq>
+          </p:childTnLst>
+        </p:cTn>
+      </p:par>
+    </p:tnLst>
+  </p:timing>
 </p:sld>
 </file>
 
@@ -4508,8 +4562,8 @@
         </p:nvSpPr>
         <p:spPr>
           <a:xfrm>
-            <a:off x="504000" y="1769040"/>
-            <a:ext cx="9071640" cy="4384440"/>
+            <a:off x="504000" y="1440000"/>
+            <a:ext cx="9071640" cy="5040000"/>
           </a:xfrm>
           <a:prstGeom prst="rect">
             <a:avLst/>
@@ -4701,6 +4755,33 @@
       </p:sp>
     </p:spTree>
   </p:cSld>
+  <p:timing>
+    <p:tnLst>
+      <p:par>
+        <p:cTn id="7" dur="indefinite" restart="never" nodeType="tmRoot">
+          <p:childTnLst>
+            <p:seq>
+              <p:cTn id="8" nodeType="mainSeq"/>
+              <p:prevCondLst>
+                <p:cond delay="0" evt="onPrev">
+                  <p:tgtEl>
+                    <p:sldTgt/>
+                  </p:tgtEl>
+                </p:cond>
+              </p:prevCondLst>
+              <p:nextCondLst>
+                <p:cond delay="0" evt="onNext">
+                  <p:tgtEl>
+                    <p:sldTgt/>
+                  </p:tgtEl>
+                </p:cond>
+              </p:nextCondLst>
+            </p:seq>
+          </p:childTnLst>
+        </p:cTn>
+      </p:par>
+    </p:tnLst>
+  </p:timing>
 </p:sld>
 </file>
 
@@ -4758,8 +4839,8 @@
         </p:nvSpPr>
         <p:spPr>
           <a:xfrm>
-            <a:off x="504000" y="1769040"/>
-            <a:ext cx="9071640" cy="4384440"/>
+            <a:off x="504000" y="1224000"/>
+            <a:ext cx="9071640" cy="5616000"/>
           </a:xfrm>
           <a:prstGeom prst="rect">
             <a:avLst/>
@@ -4821,7 +4902,7 @@
               <a:rPr lang="en-IE" sz="3200">
                 <a:latin typeface="Arial"/>
               </a:rPr>
-              <a:t>* Video introduction by one of docker creators</a:t>
+              <a:t>* Video introduction by one of docker's creators</a:t>
             </a:r>
             <a:endParaRPr/>
           </a:p>
@@ -5159,6 +5240,33 @@
       </p:sp>
     </p:spTree>
   </p:cSld>
+  <p:timing>
+    <p:tnLst>
+      <p:par>
+        <p:cTn id="9" dur="indefinite" restart="never" nodeType="tmRoot">
+          <p:childTnLst>
+            <p:seq>
+              <p:cTn id="10" nodeType="mainSeq"/>
+              <p:prevCondLst>
+                <p:cond delay="0" evt="onPrev">
+                  <p:tgtEl>
+                    <p:sldTgt/>
+                  </p:tgtEl>
+                </p:cond>
+              </p:prevCondLst>
+              <p:nextCondLst>
+                <p:cond delay="0" evt="onNext">
+                  <p:tgtEl>
+                    <p:sldTgt/>
+                  </p:tgtEl>
+                </p:cond>
+              </p:nextCondLst>
+            </p:seq>
+          </p:childTnLst>
+        </p:cTn>
+      </p:par>
+    </p:tnLst>
+  </p:timing>
 </p:sld>
 </file>
 
@@ -5232,6 +5340,33 @@
       </p:sp>
     </p:spTree>
   </p:cSld>
+  <p:timing>
+    <p:tnLst>
+      <p:par>
+        <p:cTn id="11" dur="indefinite" restart="never" nodeType="tmRoot">
+          <p:childTnLst>
+            <p:seq>
+              <p:cTn id="12" nodeType="mainSeq"/>
+              <p:prevCondLst>
+                <p:cond delay="0" evt="onPrev">
+                  <p:tgtEl>
+                    <p:sldTgt/>
+                  </p:tgtEl>
+                </p:cond>
+              </p:prevCondLst>
+              <p:nextCondLst>
+                <p:cond delay="0" evt="onNext">
+                  <p:tgtEl>
+                    <p:sldTgt/>
+                  </p:tgtEl>
+                </p:cond>
+              </p:nextCondLst>
+            </p:seq>
+          </p:childTnLst>
+        </p:cTn>
+      </p:par>
+    </p:tnLst>
+  </p:timing>
 </p:sld>
 </file>
 
@@ -5870,8 +6005,16 @@
               <a:rPr lang="en-IE" sz="3200">
                 <a:latin typeface="Arial"/>
               </a:rPr>
-              <a:t>namespace isolation - namespaces</a:t>
-            </a:r>
+              <a:t>namespace isolation – namespaces</a:t>
+            </a:r>
+            <a:endParaRPr/>
+          </a:p>
+          <a:p>
+            <a:pPr>
+              <a:buSzPct val="45000"/>
+              <a:buFont typeface="StarSymbol"/>
+              <a:buChar char=""/>
+            </a:pPr>
             <a:endParaRPr/>
           </a:p>
           <a:p>

--- a/corkaltnet_docker_20141118/corkaltnet_docker_20141118.pptx
+++ b/corkaltnet_docker_20141118/corkaltnet_docker_20141118.pptx
@@ -1460,7 +1460,7 @@
           <a:bodyPr lIns="0" rIns="0" tIns="0" bIns="0"/>
           <a:p>
             <a:pPr algn="r"/>
-            <a:fld id="{0EE8C1C0-FF36-4105-AC3D-FDFCF28ACB93}" type="slidenum">
+            <a:fld id="{C4EE8D39-05FA-41D1-8C2E-D6DA9EDD0E89}" type="slidenum">
               <a:rPr lang="en-IE" sz="1400">
                 <a:latin typeface="Times New Roman"/>
               </a:rPr>
@@ -1544,8 +1544,8 @@
         </p:nvSpPr>
         <p:spPr>
           <a:xfrm>
-            <a:off x="504000" y="1769040"/>
-            <a:ext cx="9071640" cy="4384440"/>
+            <a:off x="504000" y="1226520"/>
+            <a:ext cx="9071640" cy="5469480"/>
           </a:xfrm>
           <a:prstGeom prst="rect">
             <a:avLst/>
@@ -1560,6 +1560,65 @@
                 <a:latin typeface="Arial"/>
               </a:rPr>
               <a:t>pmcgrath@gmail.com</a:t>
+            </a:r>
+            <a:endParaRPr/>
+          </a:p>
+          <a:p>
+            <a:pPr algn="ctr"/>
+            <a:r>
+              <a:rPr lang="en-IE" sz="3200">
+                <a:latin typeface="Arial"/>
+              </a:rPr>
+              <a:t>https://github.com/pmcgrath</a:t>
+            </a:r>
+            <a:endParaRPr/>
+          </a:p>
+          <a:p>
+            <a:pPr algn="ctr"/>
+            <a:endParaRPr/>
+          </a:p>
+          <a:p>
+            <a:r>
+              <a:rPr lang="en-IE" sz="3200">
+                <a:latin typeface="Arial"/>
+              </a:rPr>
+              <a:t>Last 10 years in payments industry</a:t>
+            </a:r>
+            <a:endParaRPr/>
+          </a:p>
+          <a:p>
+            <a:endParaRPr/>
+          </a:p>
+          <a:p>
+            <a:r>
+              <a:rPr lang="en-IE" sz="3200">
+                <a:latin typeface="Arial"/>
+              </a:rPr>
+              <a:t>Developer: c#, ruby, golang</a:t>
+            </a:r>
+            <a:endParaRPr/>
+          </a:p>
+          <a:p>
+            <a:endParaRPr/>
+          </a:p>
+          <a:p>
+            <a:r>
+              <a:rPr lang="en-IE" sz="3200">
+                <a:latin typeface="Arial"/>
+              </a:rPr>
+              <a:t>Operations: VM provisioning, setup and application deployments</a:t>
+            </a:r>
+            <a:endParaRPr/>
+          </a:p>
+          <a:p>
+            <a:endParaRPr/>
+          </a:p>
+          <a:p>
+            <a:r>
+              <a:rPr lang="en-IE" sz="3200">
+                <a:latin typeface="Arial"/>
+              </a:rPr>
+              <a:t>Services s/w: RabbitMQ, MongoDB, Redis, ElasticSearch</a:t>
             </a:r>
             <a:endParaRPr/>
           </a:p>
@@ -1567,6 +1626,33 @@
       </p:sp>
     </p:spTree>
   </p:cSld>
+  <p:timing>
+    <p:tnLst>
+      <p:par>
+        <p:cTn id="1" dur="indefinite" restart="never" nodeType="tmRoot">
+          <p:childTnLst>
+            <p:seq>
+              <p:cTn id="2" nodeType="mainSeq"/>
+              <p:prevCondLst>
+                <p:cond delay="0" evt="onPrev">
+                  <p:tgtEl>
+                    <p:sldTgt/>
+                  </p:tgtEl>
+                </p:cond>
+              </p:prevCondLst>
+              <p:nextCondLst>
+                <p:cond delay="0" evt="onNext">
+                  <p:tgtEl>
+                    <p:sldTgt/>
+                  </p:tgtEl>
+                </p:cond>
+              </p:nextCondLst>
+            </p:seq>
+          </p:childTnLst>
+        </p:cTn>
+      </p:par>
+    </p:tnLst>
+  </p:timing>
 </p:sld>
 </file>
 
@@ -1721,6 +1807,33 @@
       </p:sp>
     </p:spTree>
   </p:cSld>
+  <p:timing>
+    <p:tnLst>
+      <p:par>
+        <p:cTn id="19" dur="indefinite" restart="never" nodeType="tmRoot">
+          <p:childTnLst>
+            <p:seq>
+              <p:cTn id="20" nodeType="mainSeq"/>
+              <p:prevCondLst>
+                <p:cond delay="0" evt="onPrev">
+                  <p:tgtEl>
+                    <p:sldTgt/>
+                  </p:tgtEl>
+                </p:cond>
+              </p:prevCondLst>
+              <p:nextCondLst>
+                <p:cond delay="0" evt="onNext">
+                  <p:tgtEl>
+                    <p:sldTgt/>
+                  </p:tgtEl>
+                </p:cond>
+              </p:nextCondLst>
+            </p:seq>
+          </p:childTnLst>
+        </p:cTn>
+      </p:par>
+    </p:tnLst>
+  </p:timing>
 </p:sld>
 </file>
 
@@ -1797,6 +1910,33 @@
       </p:pic>
     </p:spTree>
   </p:cSld>
+  <p:timing>
+    <p:tnLst>
+      <p:par>
+        <p:cTn id="21" dur="indefinite" restart="never" nodeType="tmRoot">
+          <p:childTnLst>
+            <p:seq>
+              <p:cTn id="22" nodeType="mainSeq"/>
+              <p:prevCondLst>
+                <p:cond delay="0" evt="onPrev">
+                  <p:tgtEl>
+                    <p:sldTgt/>
+                  </p:tgtEl>
+                </p:cond>
+              </p:prevCondLst>
+              <p:nextCondLst>
+                <p:cond delay="0" evt="onNext">
+                  <p:tgtEl>
+                    <p:sldTgt/>
+                  </p:tgtEl>
+                </p:cond>
+              </p:nextCondLst>
+            </p:seq>
+          </p:childTnLst>
+        </p:cTn>
+      </p:par>
+    </p:tnLst>
+  </p:timing>
 </p:sld>
 </file>
 
@@ -1939,6 +2079,33 @@
       </p:sp>
     </p:spTree>
   </p:cSld>
+  <p:timing>
+    <p:tnLst>
+      <p:par>
+        <p:cTn id="23" dur="indefinite" restart="never" nodeType="tmRoot">
+          <p:childTnLst>
+            <p:seq>
+              <p:cTn id="24" nodeType="mainSeq"/>
+              <p:prevCondLst>
+                <p:cond delay="0" evt="onPrev">
+                  <p:tgtEl>
+                    <p:sldTgt/>
+                  </p:tgtEl>
+                </p:cond>
+              </p:prevCondLst>
+              <p:nextCondLst>
+                <p:cond delay="0" evt="onNext">
+                  <p:tgtEl>
+                    <p:sldTgt/>
+                  </p:tgtEl>
+                </p:cond>
+              </p:nextCondLst>
+            </p:seq>
+          </p:childTnLst>
+        </p:cTn>
+      </p:par>
+    </p:tnLst>
+  </p:timing>
 </p:sld>
 </file>
 
@@ -2155,6 +2322,33 @@
       </p:sp>
     </p:spTree>
   </p:cSld>
+  <p:timing>
+    <p:tnLst>
+      <p:par>
+        <p:cTn id="25" dur="indefinite" restart="never" nodeType="tmRoot">
+          <p:childTnLst>
+            <p:seq>
+              <p:cTn id="26" nodeType="mainSeq"/>
+              <p:prevCondLst>
+                <p:cond delay="0" evt="onPrev">
+                  <p:tgtEl>
+                    <p:sldTgt/>
+                  </p:tgtEl>
+                </p:cond>
+              </p:prevCondLst>
+              <p:nextCondLst>
+                <p:cond delay="0" evt="onNext">
+                  <p:tgtEl>
+                    <p:sldTgt/>
+                  </p:tgtEl>
+                </p:cond>
+              </p:nextCondLst>
+            </p:seq>
+          </p:childTnLst>
+        </p:cTn>
+      </p:par>
+    </p:tnLst>
+  </p:timing>
 </p:sld>
 </file>
 
@@ -2305,10 +2499,51 @@
             </a:r>
             <a:endParaRPr/>
           </a:p>
+          <a:p>
+            <a:pPr>
+              <a:buSzPct val="45000"/>
+              <a:buFont typeface="StarSymbol"/>
+              <a:buChar char=""/>
+            </a:pPr>
+            <a:r>
+              <a:rPr lang="en-IE" sz="3200">
+                <a:latin typeface="Arial"/>
+              </a:rPr>
+              <a:t>v2 of same application</a:t>
+            </a:r>
+            <a:endParaRPr/>
+          </a:p>
         </p:txBody>
       </p:sp>
     </p:spTree>
   </p:cSld>
+  <p:timing>
+    <p:tnLst>
+      <p:par>
+        <p:cTn id="27" dur="indefinite" restart="never" nodeType="tmRoot">
+          <p:childTnLst>
+            <p:seq>
+              <p:cTn id="28" nodeType="mainSeq"/>
+              <p:prevCondLst>
+                <p:cond delay="0" evt="onPrev">
+                  <p:tgtEl>
+                    <p:sldTgt/>
+                  </p:tgtEl>
+                </p:cond>
+              </p:prevCondLst>
+              <p:nextCondLst>
+                <p:cond delay="0" evt="onNext">
+                  <p:tgtEl>
+                    <p:sldTgt/>
+                  </p:tgtEl>
+                </p:cond>
+              </p:nextCondLst>
+            </p:seq>
+          </p:childTnLst>
+        </p:cTn>
+      </p:par>
+    </p:tnLst>
+  </p:timing>
 </p:sld>
 </file>
 
@@ -2407,6 +2642,33 @@
       </p:sp>
     </p:spTree>
   </p:cSld>
+  <p:timing>
+    <p:tnLst>
+      <p:par>
+        <p:cTn id="29" dur="indefinite" restart="never" nodeType="tmRoot">
+          <p:childTnLst>
+            <p:seq>
+              <p:cTn id="30" nodeType="mainSeq"/>
+              <p:prevCondLst>
+                <p:cond delay="0" evt="onPrev">
+                  <p:tgtEl>
+                    <p:sldTgt/>
+                  </p:tgtEl>
+                </p:cond>
+              </p:prevCondLst>
+              <p:nextCondLst>
+                <p:cond delay="0" evt="onNext">
+                  <p:tgtEl>
+                    <p:sldTgt/>
+                  </p:tgtEl>
+                </p:cond>
+              </p:nextCondLst>
+            </p:seq>
+          </p:childTnLst>
+        </p:cTn>
+      </p:par>
+    </p:tnLst>
+  </p:timing>
 </p:sld>
 </file>
 
@@ -2533,6 +2795,33 @@
       </p:sp>
     </p:spTree>
   </p:cSld>
+  <p:timing>
+    <p:tnLst>
+      <p:par>
+        <p:cTn id="31" dur="indefinite" restart="never" nodeType="tmRoot">
+          <p:childTnLst>
+            <p:seq>
+              <p:cTn id="32" nodeType="mainSeq"/>
+              <p:prevCondLst>
+                <p:cond delay="0" evt="onPrev">
+                  <p:tgtEl>
+                    <p:sldTgt/>
+                  </p:tgtEl>
+                </p:cond>
+              </p:prevCondLst>
+              <p:nextCondLst>
+                <p:cond delay="0" evt="onNext">
+                  <p:tgtEl>
+                    <p:sldTgt/>
+                  </p:tgtEl>
+                </p:cond>
+              </p:nextCondLst>
+            </p:seq>
+          </p:childTnLst>
+        </p:cTn>
+      </p:par>
+    </p:tnLst>
+  </p:timing>
 </p:sld>
 </file>
 
@@ -2653,6 +2942,33 @@
       </p:sp>
     </p:spTree>
   </p:cSld>
+  <p:timing>
+    <p:tnLst>
+      <p:par>
+        <p:cTn id="33" dur="indefinite" restart="never" nodeType="tmRoot">
+          <p:childTnLst>
+            <p:seq>
+              <p:cTn id="34" nodeType="mainSeq"/>
+              <p:prevCondLst>
+                <p:cond delay="0" evt="onPrev">
+                  <p:tgtEl>
+                    <p:sldTgt/>
+                  </p:tgtEl>
+                </p:cond>
+              </p:prevCondLst>
+              <p:nextCondLst>
+                <p:cond delay="0" evt="onNext">
+                  <p:tgtEl>
+                    <p:sldTgt/>
+                  </p:tgtEl>
+                </p:cond>
+              </p:nextCondLst>
+            </p:seq>
+          </p:childTnLst>
+        </p:cTn>
+      </p:par>
+    </p:tnLst>
+  </p:timing>
 </p:sld>
 </file>
 
@@ -2729,6 +3045,33 @@
       </p:pic>
     </p:spTree>
   </p:cSld>
+  <p:timing>
+    <p:tnLst>
+      <p:par>
+        <p:cTn id="35" dur="indefinite" restart="never" nodeType="tmRoot">
+          <p:childTnLst>
+            <p:seq>
+              <p:cTn id="36" nodeType="mainSeq"/>
+              <p:prevCondLst>
+                <p:cond delay="0" evt="onPrev">
+                  <p:tgtEl>
+                    <p:sldTgt/>
+                  </p:tgtEl>
+                </p:cond>
+              </p:prevCondLst>
+              <p:nextCondLst>
+                <p:cond delay="0" evt="onNext">
+                  <p:tgtEl>
+                    <p:sldTgt/>
+                  </p:tgtEl>
+                </p:cond>
+              </p:nextCondLst>
+            </p:seq>
+          </p:childTnLst>
+        </p:cTn>
+      </p:par>
+    </p:tnLst>
+  </p:timing>
 </p:sld>
 </file>
 
@@ -2805,6 +3148,33 @@
       </p:pic>
     </p:spTree>
   </p:cSld>
+  <p:timing>
+    <p:tnLst>
+      <p:par>
+        <p:cTn id="37" dur="indefinite" restart="never" nodeType="tmRoot">
+          <p:childTnLst>
+            <p:seq>
+              <p:cTn id="38" nodeType="mainSeq"/>
+              <p:prevCondLst>
+                <p:cond delay="0" evt="onPrev">
+                  <p:tgtEl>
+                    <p:sldTgt/>
+                  </p:tgtEl>
+                </p:cond>
+              </p:prevCondLst>
+              <p:nextCondLst>
+                <p:cond delay="0" evt="onNext">
+                  <p:tgtEl>
+                    <p:sldTgt/>
+                  </p:tgtEl>
+                </p:cond>
+              </p:nextCondLst>
+            </p:seq>
+          </p:childTnLst>
+        </p:cTn>
+      </p:par>
+    </p:tnLst>
+  </p:timing>
 </p:sld>
 </file>
 
@@ -3085,6 +3455,33 @@
       </p:sp>
     </p:spTree>
   </p:cSld>
+  <p:timing>
+    <p:tnLst>
+      <p:par>
+        <p:cTn id="3" dur="indefinite" restart="never" nodeType="tmRoot">
+          <p:childTnLst>
+            <p:seq>
+              <p:cTn id="4" nodeType="mainSeq"/>
+              <p:prevCondLst>
+                <p:cond delay="0" evt="onPrev">
+                  <p:tgtEl>
+                    <p:sldTgt/>
+                  </p:tgtEl>
+                </p:cond>
+              </p:prevCondLst>
+              <p:nextCondLst>
+                <p:cond delay="0" evt="onNext">
+                  <p:tgtEl>
+                    <p:sldTgt/>
+                  </p:tgtEl>
+                </p:cond>
+              </p:nextCondLst>
+            </p:seq>
+          </p:childTnLst>
+        </p:cTn>
+      </p:par>
+    </p:tnLst>
+  </p:timing>
 </p:sld>
 </file>
 
@@ -3161,6 +3558,33 @@
       </p:pic>
     </p:spTree>
   </p:cSld>
+  <p:timing>
+    <p:tnLst>
+      <p:par>
+        <p:cTn id="39" dur="indefinite" restart="never" nodeType="tmRoot">
+          <p:childTnLst>
+            <p:seq>
+              <p:cTn id="40" nodeType="mainSeq"/>
+              <p:prevCondLst>
+                <p:cond delay="0" evt="onPrev">
+                  <p:tgtEl>
+                    <p:sldTgt/>
+                  </p:tgtEl>
+                </p:cond>
+              </p:prevCondLst>
+              <p:nextCondLst>
+                <p:cond delay="0" evt="onNext">
+                  <p:tgtEl>
+                    <p:sldTgt/>
+                  </p:tgtEl>
+                </p:cond>
+              </p:nextCondLst>
+            </p:seq>
+          </p:childTnLst>
+        </p:cTn>
+      </p:par>
+    </p:tnLst>
+  </p:timing>
 </p:sld>
 </file>
 
@@ -3237,6 +3661,33 @@
       </p:pic>
     </p:spTree>
   </p:cSld>
+  <p:timing>
+    <p:tnLst>
+      <p:par>
+        <p:cTn id="41" dur="indefinite" restart="never" nodeType="tmRoot">
+          <p:childTnLst>
+            <p:seq>
+              <p:cTn id="42" nodeType="mainSeq"/>
+              <p:prevCondLst>
+                <p:cond delay="0" evt="onPrev">
+                  <p:tgtEl>
+                    <p:sldTgt/>
+                  </p:tgtEl>
+                </p:cond>
+              </p:prevCondLst>
+              <p:nextCondLst>
+                <p:cond delay="0" evt="onNext">
+                  <p:tgtEl>
+                    <p:sldTgt/>
+                  </p:tgtEl>
+                </p:cond>
+              </p:nextCondLst>
+            </p:seq>
+          </p:childTnLst>
+        </p:cTn>
+      </p:par>
+    </p:tnLst>
+  </p:timing>
 </p:sld>
 </file>
 
@@ -3320,6 +3771,33 @@
       </p:pic>
     </p:spTree>
   </p:cSld>
+  <p:timing>
+    <p:tnLst>
+      <p:par>
+        <p:cTn id="43" dur="indefinite" restart="never" nodeType="tmRoot">
+          <p:childTnLst>
+            <p:seq>
+              <p:cTn id="44" nodeType="mainSeq"/>
+              <p:prevCondLst>
+                <p:cond delay="0" evt="onPrev">
+                  <p:tgtEl>
+                    <p:sldTgt/>
+                  </p:tgtEl>
+                </p:cond>
+              </p:prevCondLst>
+              <p:nextCondLst>
+                <p:cond delay="0" evt="onNext">
+                  <p:tgtEl>
+                    <p:sldTgt/>
+                  </p:tgtEl>
+                </p:cond>
+              </p:nextCondLst>
+            </p:seq>
+          </p:childTnLst>
+        </p:cTn>
+      </p:par>
+    </p:tnLst>
+  </p:timing>
 </p:sld>
 </file>
 
@@ -3452,6 +3930,33 @@
       </p:sp>
     </p:spTree>
   </p:cSld>
+  <p:timing>
+    <p:tnLst>
+      <p:par>
+        <p:cTn id="45" dur="indefinite" restart="never" nodeType="tmRoot">
+          <p:childTnLst>
+            <p:seq>
+              <p:cTn id="46" nodeType="mainSeq"/>
+              <p:prevCondLst>
+                <p:cond delay="0" evt="onPrev">
+                  <p:tgtEl>
+                    <p:sldTgt/>
+                  </p:tgtEl>
+                </p:cond>
+              </p:prevCondLst>
+              <p:nextCondLst>
+                <p:cond delay="0" evt="onNext">
+                  <p:tgtEl>
+                    <p:sldTgt/>
+                  </p:tgtEl>
+                </p:cond>
+              </p:nextCondLst>
+            </p:seq>
+          </p:childTnLst>
+        </p:cTn>
+      </p:par>
+    </p:tnLst>
+  </p:timing>
 </p:sld>
 </file>
 
@@ -3554,6 +4059,33 @@
       </p:sp>
     </p:spTree>
   </p:cSld>
+  <p:timing>
+    <p:tnLst>
+      <p:par>
+        <p:cTn id="47" dur="indefinite" restart="never" nodeType="tmRoot">
+          <p:childTnLst>
+            <p:seq>
+              <p:cTn id="48" nodeType="mainSeq"/>
+              <p:prevCondLst>
+                <p:cond delay="0" evt="onPrev">
+                  <p:tgtEl>
+                    <p:sldTgt/>
+                  </p:tgtEl>
+                </p:cond>
+              </p:prevCondLst>
+              <p:nextCondLst>
+                <p:cond delay="0" evt="onNext">
+                  <p:tgtEl>
+                    <p:sldTgt/>
+                  </p:tgtEl>
+                </p:cond>
+              </p:nextCondLst>
+            </p:seq>
+          </p:childTnLst>
+        </p:cTn>
+      </p:par>
+    </p:tnLst>
+  </p:timing>
 </p:sld>
 </file>
 
@@ -3706,7 +4238,7 @@
               <a:rPr lang="en-IE" sz="3200">
                 <a:latin typeface="Arial"/>
               </a:rPr>
-              <a:t>docker run -d -- name mymonoapp pmcgrath/mono:v1</a:t>
+              <a:t>docker run -d --name mymonoapp pmcgrath/mono:v1</a:t>
             </a:r>
             <a:endParaRPr/>
           </a:p>
@@ -3736,6 +4268,33 @@
       </p:sp>
     </p:spTree>
   </p:cSld>
+  <p:timing>
+    <p:tnLst>
+      <p:par>
+        <p:cTn id="49" dur="indefinite" restart="never" nodeType="tmRoot">
+          <p:childTnLst>
+            <p:seq>
+              <p:cTn id="50" nodeType="mainSeq"/>
+              <p:prevCondLst>
+                <p:cond delay="0" evt="onPrev">
+                  <p:tgtEl>
+                    <p:sldTgt/>
+                  </p:tgtEl>
+                </p:cond>
+              </p:prevCondLst>
+              <p:nextCondLst>
+                <p:cond delay="0" evt="onNext">
+                  <p:tgtEl>
+                    <p:sldTgt/>
+                  </p:tgtEl>
+                </p:cond>
+              </p:nextCondLst>
+            </p:seq>
+          </p:childTnLst>
+        </p:cTn>
+      </p:par>
+    </p:tnLst>
+  </p:timing>
 </p:sld>
 </file>
 
@@ -3878,6 +4437,33 @@
       </p:sp>
     </p:spTree>
   </p:cSld>
+  <p:timing>
+    <p:tnLst>
+      <p:par>
+        <p:cTn id="51" dur="indefinite" restart="never" nodeType="tmRoot">
+          <p:childTnLst>
+            <p:seq>
+              <p:cTn id="52" nodeType="mainSeq"/>
+              <p:prevCondLst>
+                <p:cond delay="0" evt="onPrev">
+                  <p:tgtEl>
+                    <p:sldTgt/>
+                  </p:tgtEl>
+                </p:cond>
+              </p:prevCondLst>
+              <p:nextCondLst>
+                <p:cond delay="0" evt="onNext">
+                  <p:tgtEl>
+                    <p:sldTgt/>
+                  </p:tgtEl>
+                </p:cond>
+              </p:nextCondLst>
+            </p:seq>
+          </p:childTnLst>
+        </p:cTn>
+      </p:par>
+    </p:tnLst>
+  </p:timing>
 </p:sld>
 </file>
 
@@ -4001,10 +4587,10 @@
   <p:timing>
     <p:tnLst>
       <p:par>
-        <p:cTn id="1" dur="indefinite" restart="never" nodeType="tmRoot">
+        <p:cTn id="53" dur="indefinite" restart="never" nodeType="tmRoot">
           <p:childTnLst>
             <p:seq>
-              <p:cTn id="2" nodeType="mainSeq"/>
+              <p:cTn id="54" nodeType="mainSeq"/>
               <p:prevCondLst>
                 <p:cond delay="0" evt="onPrev">
                   <p:tgtEl>
@@ -4154,10 +4740,10 @@
   <p:timing>
     <p:tnLst>
       <p:par>
-        <p:cTn id="3" dur="indefinite" restart="never" nodeType="tmRoot">
+        <p:cTn id="55" dur="indefinite" restart="never" nodeType="tmRoot">
           <p:childTnLst>
             <p:seq>
-              <p:cTn id="4" nodeType="mainSeq"/>
+              <p:cTn id="56" nodeType="mainSeq"/>
               <p:prevCondLst>
                 <p:cond delay="0" evt="onPrev">
                   <p:tgtEl>
@@ -4337,10 +4923,10 @@
   <p:timing>
     <p:tnLst>
       <p:par>
-        <p:cTn id="5" dur="indefinite" restart="never" nodeType="tmRoot">
+        <p:cTn id="57" dur="indefinite" restart="never" nodeType="tmRoot">
           <p:childTnLst>
             <p:seq>
-              <p:cTn id="6" nodeType="mainSeq"/>
+              <p:cTn id="58" nodeType="mainSeq"/>
               <p:prevCondLst>
                 <p:cond delay="0" evt="onPrev">
                   <p:tgtEl>
@@ -4459,7 +5045,7 @@
               <a:rPr lang="en-IE" sz="3200">
                 <a:latin typeface="Arial"/>
               </a:rPr>
-              <a:t>Currently only linux 64 bit *</a:t>
+              <a:t>Currently linux 64 bit *</a:t>
             </a:r>
             <a:endParaRPr/>
           </a:p>
@@ -4505,6 +5091,33 @@
       </p:sp>
     </p:spTree>
   </p:cSld>
+  <p:timing>
+    <p:tnLst>
+      <p:par>
+        <p:cTn id="5" dur="indefinite" restart="never" nodeType="tmRoot">
+          <p:childTnLst>
+            <p:seq>
+              <p:cTn id="6" nodeType="mainSeq"/>
+              <p:prevCondLst>
+                <p:cond delay="0" evt="onPrev">
+                  <p:tgtEl>
+                    <p:sldTgt/>
+                  </p:tgtEl>
+                </p:cond>
+              </p:prevCondLst>
+              <p:nextCondLst>
+                <p:cond delay="0" evt="onNext">
+                  <p:tgtEl>
+                    <p:sldTgt/>
+                  </p:tgtEl>
+                </p:cond>
+              </p:nextCondLst>
+            </p:seq>
+          </p:childTnLst>
+        </p:cTn>
+      </p:par>
+    </p:tnLst>
+  </p:timing>
 </p:sld>
 </file>
 
@@ -4758,10 +5371,10 @@
   <p:timing>
     <p:tnLst>
       <p:par>
-        <p:cTn id="7" dur="indefinite" restart="never" nodeType="tmRoot">
+        <p:cTn id="59" dur="indefinite" restart="never" nodeType="tmRoot">
           <p:childTnLst>
             <p:seq>
-              <p:cTn id="8" nodeType="mainSeq"/>
+              <p:cTn id="60" nodeType="mainSeq"/>
               <p:prevCondLst>
                 <p:cond delay="0" evt="onPrev">
                   <p:tgtEl>
@@ -5243,10 +5856,10 @@
   <p:timing>
     <p:tnLst>
       <p:par>
-        <p:cTn id="9" dur="indefinite" restart="never" nodeType="tmRoot">
+        <p:cTn id="61" dur="indefinite" restart="never" nodeType="tmRoot">
           <p:childTnLst>
             <p:seq>
-              <p:cTn id="10" nodeType="mainSeq"/>
+              <p:cTn id="62" nodeType="mainSeq"/>
               <p:prevCondLst>
                 <p:cond delay="0" evt="onPrev">
                   <p:tgtEl>
@@ -5343,10 +5956,10 @@
   <p:timing>
     <p:tnLst>
       <p:par>
-        <p:cTn id="11" dur="indefinite" restart="never" nodeType="tmRoot">
+        <p:cTn id="63" dur="indefinite" restart="never" nodeType="tmRoot">
           <p:childTnLst>
             <p:seq>
-              <p:cTn id="12" nodeType="mainSeq"/>
+              <p:cTn id="64" nodeType="mainSeq"/>
               <p:prevCondLst>
                 <p:cond delay="0" evt="onPrev">
                   <p:tgtEl>
@@ -5543,6 +6156,33 @@
       </p:sp>
     </p:spTree>
   </p:cSld>
+  <p:timing>
+    <p:tnLst>
+      <p:par>
+        <p:cTn id="7" dur="indefinite" restart="never" nodeType="tmRoot">
+          <p:childTnLst>
+            <p:seq>
+              <p:cTn id="8" nodeType="mainSeq"/>
+              <p:prevCondLst>
+                <p:cond delay="0" evt="onPrev">
+                  <p:tgtEl>
+                    <p:sldTgt/>
+                  </p:tgtEl>
+                </p:cond>
+              </p:prevCondLst>
+              <p:nextCondLst>
+                <p:cond delay="0" evt="onNext">
+                  <p:tgtEl>
+                    <p:sldTgt/>
+                  </p:tgtEl>
+                </p:cond>
+              </p:nextCondLst>
+            </p:seq>
+          </p:childTnLst>
+        </p:cTn>
+      </p:par>
+    </p:tnLst>
+  </p:timing>
 </p:sld>
 </file>
 
@@ -5741,6 +6381,33 @@
       </p:sp>
     </p:spTree>
   </p:cSld>
+  <p:timing>
+    <p:tnLst>
+      <p:par>
+        <p:cTn id="9" dur="indefinite" restart="never" nodeType="tmRoot">
+          <p:childTnLst>
+            <p:seq>
+              <p:cTn id="10" nodeType="mainSeq"/>
+              <p:prevCondLst>
+                <p:cond delay="0" evt="onPrev">
+                  <p:tgtEl>
+                    <p:sldTgt/>
+                  </p:tgtEl>
+                </p:cond>
+              </p:prevCondLst>
+              <p:nextCondLst>
+                <p:cond delay="0" evt="onNext">
+                  <p:tgtEl>
+                    <p:sldTgt/>
+                  </p:tgtEl>
+                </p:cond>
+              </p:nextCondLst>
+            </p:seq>
+          </p:childTnLst>
+        </p:cTn>
+      </p:par>
+    </p:tnLst>
+  </p:timing>
 </p:sld>
 </file>
 
@@ -5817,6 +6484,33 @@
       </p:pic>
     </p:spTree>
   </p:cSld>
+  <p:timing>
+    <p:tnLst>
+      <p:par>
+        <p:cTn id="11" dur="indefinite" restart="never" nodeType="tmRoot">
+          <p:childTnLst>
+            <p:seq>
+              <p:cTn id="12" nodeType="mainSeq"/>
+              <p:prevCondLst>
+                <p:cond delay="0" evt="onPrev">
+                  <p:tgtEl>
+                    <p:sldTgt/>
+                  </p:tgtEl>
+                </p:cond>
+              </p:prevCondLst>
+              <p:nextCondLst>
+                <p:cond delay="0" evt="onNext">
+                  <p:tgtEl>
+                    <p:sldTgt/>
+                  </p:tgtEl>
+                </p:cond>
+              </p:nextCondLst>
+            </p:seq>
+          </p:childTnLst>
+        </p:cTn>
+      </p:par>
+    </p:tnLst>
+  </p:timing>
 </p:sld>
 </file>
 
@@ -5893,6 +6587,33 @@
       </p:pic>
     </p:spTree>
   </p:cSld>
+  <p:timing>
+    <p:tnLst>
+      <p:par>
+        <p:cTn id="13" dur="indefinite" restart="never" nodeType="tmRoot">
+          <p:childTnLst>
+            <p:seq>
+              <p:cTn id="14" nodeType="mainSeq"/>
+              <p:prevCondLst>
+                <p:cond delay="0" evt="onPrev">
+                  <p:tgtEl>
+                    <p:sldTgt/>
+                  </p:tgtEl>
+                </p:cond>
+              </p:prevCondLst>
+              <p:nextCondLst>
+                <p:cond delay="0" evt="onNext">
+                  <p:tgtEl>
+                    <p:sldTgt/>
+                  </p:tgtEl>
+                </p:cond>
+              </p:nextCondLst>
+            </p:seq>
+          </p:childTnLst>
+        </p:cTn>
+      </p:par>
+    </p:tnLst>
+  </p:timing>
 </p:sld>
 </file>
 
@@ -6065,6 +6786,33 @@
       </p:sp>
     </p:spTree>
   </p:cSld>
+  <p:timing>
+    <p:tnLst>
+      <p:par>
+        <p:cTn id="15" dur="indefinite" restart="never" nodeType="tmRoot">
+          <p:childTnLst>
+            <p:seq>
+              <p:cTn id="16" nodeType="mainSeq"/>
+              <p:prevCondLst>
+                <p:cond delay="0" evt="onPrev">
+                  <p:tgtEl>
+                    <p:sldTgt/>
+                  </p:tgtEl>
+                </p:cond>
+              </p:prevCondLst>
+              <p:nextCondLst>
+                <p:cond delay="0" evt="onNext">
+                  <p:tgtEl>
+                    <p:sldTgt/>
+                  </p:tgtEl>
+                </p:cond>
+              </p:nextCondLst>
+            </p:seq>
+          </p:childTnLst>
+        </p:cTn>
+      </p:par>
+    </p:tnLst>
+  </p:timing>
 </p:sld>
 </file>
 
@@ -6275,6 +7023,33 @@
       </p:sp>
     </p:spTree>
   </p:cSld>
+  <p:timing>
+    <p:tnLst>
+      <p:par>
+        <p:cTn id="17" dur="indefinite" restart="never" nodeType="tmRoot">
+          <p:childTnLst>
+            <p:seq>
+              <p:cTn id="18" nodeType="mainSeq"/>
+              <p:prevCondLst>
+                <p:cond delay="0" evt="onPrev">
+                  <p:tgtEl>
+                    <p:sldTgt/>
+                  </p:tgtEl>
+                </p:cond>
+              </p:prevCondLst>
+              <p:nextCondLst>
+                <p:cond delay="0" evt="onNext">
+                  <p:tgtEl>
+                    <p:sldTgt/>
+                  </p:tgtEl>
+                </p:cond>
+              </p:nextCondLst>
+            </p:seq>
+          </p:childTnLst>
+        </p:cTn>
+      </p:par>
+    </p:tnLst>
+  </p:timing>
 </p:sld>
 </file>
 
